--- a/writeup/seminar_2021_04_08.pptx
+++ b/writeup/seminar_2021_04_08.pptx
@@ -9,18 +9,18 @@
   </p:notesMasterIdLst>
   <p:sldIdLst>
     <p:sldId id="256" r:id="rId2"/>
-    <p:sldId id="257" r:id="rId3"/>
-    <p:sldId id="258" r:id="rId4"/>
+    <p:sldId id="273" r:id="rId3"/>
+    <p:sldId id="257" r:id="rId4"/>
     <p:sldId id="271" r:id="rId5"/>
-    <p:sldId id="260" r:id="rId6"/>
-    <p:sldId id="268" r:id="rId7"/>
-    <p:sldId id="261" r:id="rId8"/>
-    <p:sldId id="262" r:id="rId9"/>
-    <p:sldId id="263" r:id="rId10"/>
-    <p:sldId id="264" r:id="rId11"/>
-    <p:sldId id="269" r:id="rId12"/>
-    <p:sldId id="270" r:id="rId13"/>
-    <p:sldId id="272" r:id="rId14"/>
+    <p:sldId id="258" r:id="rId6"/>
+    <p:sldId id="261" r:id="rId7"/>
+    <p:sldId id="262" r:id="rId8"/>
+    <p:sldId id="263" r:id="rId9"/>
+    <p:sldId id="264" r:id="rId10"/>
+    <p:sldId id="269" r:id="rId11"/>
+    <p:sldId id="270" r:id="rId12"/>
+    <p:sldId id="272" r:id="rId13"/>
+    <p:sldId id="274" r:id="rId14"/>
   </p:sldIdLst>
   <p:sldSz cx="12192000" cy="6858000"/>
   <p:notesSz cx="6858000" cy="9144000"/>
@@ -130,7 +130,7 @@
 <file path=ppt/revisionInfo.xml><?xml version="1.0" encoding="utf-8"?>
 <p1510:revInfo xmlns:a="http://schemas.openxmlformats.org/drawingml/2006/main" xmlns:r="http://schemas.openxmlformats.org/officeDocument/2006/relationships" xmlns:p1510="http://schemas.microsoft.com/office/powerpoint/2015/10/main">
   <p1510:revLst>
-    <p1510:client id="{67D8AC38-0392-40DC-BD84-9FC4FF002441}" v="284" dt="2021-03-26T14:38:48.825"/>
+    <p1510:client id="{67D8AC38-0392-40DC-BD84-9FC4FF002441}" v="572" dt="2021-04-08T08:48:07.832"/>
   </p1510:revLst>
 </p1510:revInfo>
 </file>
@@ -140,12 +140,12 @@
   <pc:docChgLst>
     <pc:chgData name="Ben Cooper" userId="adf679e2-31d5-425b-a410-7bffc78e1b34" providerId="ADAL" clId="{67D8AC38-0392-40DC-BD84-9FC4FF002441}"/>
     <pc:docChg chg="undo custSel addSld delSld modSld sldOrd modMainMaster">
-      <pc:chgData name="Ben Cooper" userId="adf679e2-31d5-425b-a410-7bffc78e1b34" providerId="ADAL" clId="{67D8AC38-0392-40DC-BD84-9FC4FF002441}" dt="2021-03-26T14:38:48.825" v="844"/>
+      <pc:chgData name="Ben Cooper" userId="adf679e2-31d5-425b-a410-7bffc78e1b34" providerId="ADAL" clId="{67D8AC38-0392-40DC-BD84-9FC4FF002441}" dt="2021-04-08T10:57:26.905" v="2415" actId="20577"/>
       <pc:docMkLst>
         <pc:docMk/>
       </pc:docMkLst>
-      <pc:sldChg chg="addSp delSp modSp mod setBg">
-        <pc:chgData name="Ben Cooper" userId="adf679e2-31d5-425b-a410-7bffc78e1b34" providerId="ADAL" clId="{67D8AC38-0392-40DC-BD84-9FC4FF002441}" dt="2021-03-25T11:54:08.069" v="96" actId="20577"/>
+      <pc:sldChg chg="addSp delSp modSp mod setBg modNotesTx">
+        <pc:chgData name="Ben Cooper" userId="adf679e2-31d5-425b-a410-7bffc78e1b34" providerId="ADAL" clId="{67D8AC38-0392-40DC-BD84-9FC4FF002441}" dt="2021-04-08T10:57:26.905" v="2415" actId="20577"/>
         <pc:sldMkLst>
           <pc:docMk/>
           <pc:sldMk cId="9282743" sldId="256"/>
@@ -183,14 +183,14 @@
           </ac:spMkLst>
         </pc:spChg>
       </pc:sldChg>
-      <pc:sldChg chg="addSp modSp mod modAnim modNotesTx">
-        <pc:chgData name="Ben Cooper" userId="adf679e2-31d5-425b-a410-7bffc78e1b34" providerId="ADAL" clId="{67D8AC38-0392-40DC-BD84-9FC4FF002441}" dt="2021-03-26T13:49:57.773" v="838" actId="20577"/>
+      <pc:sldChg chg="addSp delSp modSp mod ord modAnim modNotesTx">
+        <pc:chgData name="Ben Cooper" userId="adf679e2-31d5-425b-a410-7bffc78e1b34" providerId="ADAL" clId="{67D8AC38-0392-40DC-BD84-9FC4FF002441}" dt="2021-04-08T07:54:04.193" v="2324"/>
         <pc:sldMkLst>
           <pc:docMk/>
           <pc:sldMk cId="3071324634" sldId="257"/>
         </pc:sldMkLst>
         <pc:spChg chg="mod">
-          <ac:chgData name="Ben Cooper" userId="adf679e2-31d5-425b-a410-7bffc78e1b34" providerId="ADAL" clId="{67D8AC38-0392-40DC-BD84-9FC4FF002441}" dt="2021-03-25T12:12:42.479" v="97" actId="1076"/>
+          <ac:chgData name="Ben Cooper" userId="adf679e2-31d5-425b-a410-7bffc78e1b34" providerId="ADAL" clId="{67D8AC38-0392-40DC-BD84-9FC4FF002441}" dt="2021-04-07T15:34:09.774" v="1521" actId="403"/>
           <ac:spMkLst>
             <pc:docMk/>
             <pc:sldMk cId="3071324634" sldId="257"/>
@@ -205,31 +205,55 @@
             <ac:spMk id="3" creationId="{9A0C2D5E-9479-4713-B479-D71FC763290B}"/>
           </ac:spMkLst>
         </pc:spChg>
-        <pc:picChg chg="add mod">
-          <ac:chgData name="Ben Cooper" userId="adf679e2-31d5-425b-a410-7bffc78e1b34" providerId="ADAL" clId="{67D8AC38-0392-40DC-BD84-9FC4FF002441}" dt="2021-03-26T13:49:18.117" v="824" actId="732"/>
+        <pc:picChg chg="add del mod">
+          <ac:chgData name="Ben Cooper" userId="adf679e2-31d5-425b-a410-7bffc78e1b34" providerId="ADAL" clId="{67D8AC38-0392-40DC-BD84-9FC4FF002441}" dt="2021-04-07T15:32:53.983" v="1510" actId="478"/>
           <ac:picMkLst>
             <pc:docMk/>
             <pc:sldMk cId="3071324634" sldId="257"/>
             <ac:picMk id="4" creationId="{38D7B4F1-2C4C-4B25-A066-F330FB8EA0D5}"/>
           </ac:picMkLst>
         </pc:picChg>
+        <pc:picChg chg="add mod">
+          <ac:chgData name="Ben Cooper" userId="adf679e2-31d5-425b-a410-7bffc78e1b34" providerId="ADAL" clId="{67D8AC38-0392-40DC-BD84-9FC4FF002441}" dt="2021-04-07T15:33:32.021" v="1518" actId="1076"/>
+          <ac:picMkLst>
+            <pc:docMk/>
+            <pc:sldMk cId="3071324634" sldId="257"/>
+            <ac:picMk id="1026" creationId="{7046B100-E9DA-4938-9505-0ACC6ED76537}"/>
+          </ac:picMkLst>
+        </pc:picChg>
       </pc:sldChg>
-      <pc:sldChg chg="modSp mod modAnim">
-        <pc:chgData name="Ben Cooper" userId="adf679e2-31d5-425b-a410-7bffc78e1b34" providerId="ADAL" clId="{67D8AC38-0392-40DC-BD84-9FC4FF002441}" dt="2021-03-26T13:50:13.468" v="840" actId="2164"/>
+      <pc:sldChg chg="addSp modSp mod modAnim">
+        <pc:chgData name="Ben Cooper" userId="adf679e2-31d5-425b-a410-7bffc78e1b34" providerId="ADAL" clId="{67D8AC38-0392-40DC-BD84-9FC4FF002441}" dt="2021-04-08T07:54:14.496" v="2325"/>
         <pc:sldMkLst>
           <pc:docMk/>
           <pc:sldMk cId="3088732940" sldId="258"/>
         </pc:sldMkLst>
         <pc:spChg chg="mod">
-          <ac:chgData name="Ben Cooper" userId="adf679e2-31d5-425b-a410-7bffc78e1b34" providerId="ADAL" clId="{67D8AC38-0392-40DC-BD84-9FC4FF002441}" dt="2021-03-25T12:12:50.095" v="98" actId="1076"/>
+          <ac:chgData name="Ben Cooper" userId="adf679e2-31d5-425b-a410-7bffc78e1b34" providerId="ADAL" clId="{67D8AC38-0392-40DC-BD84-9FC4FF002441}" dt="2021-04-07T15:34:48.013" v="1525" actId="1076"/>
           <ac:spMkLst>
             <pc:docMk/>
             <pc:sldMk cId="3088732940" sldId="258"/>
             <ac:spMk id="2" creationId="{0665A3E9-0E2C-4DAA-B149-F0FA63D1ACE1}"/>
           </ac:spMkLst>
         </pc:spChg>
+        <pc:spChg chg="add mod">
+          <ac:chgData name="Ben Cooper" userId="adf679e2-31d5-425b-a410-7bffc78e1b34" providerId="ADAL" clId="{67D8AC38-0392-40DC-BD84-9FC4FF002441}" dt="2021-04-07T15:34:50.580" v="1526" actId="14100"/>
+          <ac:spMkLst>
+            <pc:docMk/>
+            <pc:sldMk cId="3088732940" sldId="258"/>
+            <ac:spMk id="3" creationId="{6252B26F-F805-45CB-AC0B-709605D97F73}"/>
+          </ac:spMkLst>
+        </pc:spChg>
+        <pc:spChg chg="add mod">
+          <ac:chgData name="Ben Cooper" userId="adf679e2-31d5-425b-a410-7bffc78e1b34" providerId="ADAL" clId="{67D8AC38-0392-40DC-BD84-9FC4FF002441}" dt="2021-04-07T15:36:07.569" v="1694" actId="27636"/>
+          <ac:spMkLst>
+            <pc:docMk/>
+            <pc:sldMk cId="3088732940" sldId="258"/>
+            <ac:spMk id="5" creationId="{23B6409C-0A98-41DE-9E39-0F862671157D}"/>
+          </ac:spMkLst>
+        </pc:spChg>
         <pc:graphicFrameChg chg="mod modGraphic">
-          <ac:chgData name="Ben Cooper" userId="adf679e2-31d5-425b-a410-7bffc78e1b34" providerId="ADAL" clId="{67D8AC38-0392-40DC-BD84-9FC4FF002441}" dt="2021-03-26T13:50:13.468" v="840" actId="2164"/>
+          <ac:chgData name="Ben Cooper" userId="adf679e2-31d5-425b-a410-7bffc78e1b34" providerId="ADAL" clId="{67D8AC38-0392-40DC-BD84-9FC4FF002441}" dt="2021-04-07T15:34:45.157" v="1524" actId="1076"/>
           <ac:graphicFrameMkLst>
             <pc:docMk/>
             <pc:sldMk cId="3088732940" sldId="258"/>
@@ -244,8 +268,8 @@
           <pc:sldMk cId="555210981" sldId="259"/>
         </pc:sldMkLst>
       </pc:sldChg>
-      <pc:sldChg chg="modSp mod">
-        <pc:chgData name="Ben Cooper" userId="adf679e2-31d5-425b-a410-7bffc78e1b34" providerId="ADAL" clId="{67D8AC38-0392-40DC-BD84-9FC4FF002441}" dt="2021-03-25T12:13:23.838" v="104" actId="1076"/>
+      <pc:sldChg chg="modSp del mod">
+        <pc:chgData name="Ben Cooper" userId="adf679e2-31d5-425b-a410-7bffc78e1b34" providerId="ADAL" clId="{67D8AC38-0392-40DC-BD84-9FC4FF002441}" dt="2021-04-07T15:36:26.712" v="1695" actId="47"/>
         <pc:sldMkLst>
           <pc:docMk/>
           <pc:sldMk cId="4209950925" sldId="260"/>
@@ -268,7 +292,7 @@
         </pc:picChg>
       </pc:sldChg>
       <pc:sldChg chg="addSp delSp modSp mod">
-        <pc:chgData name="Ben Cooper" userId="adf679e2-31d5-425b-a410-7bffc78e1b34" providerId="ADAL" clId="{67D8AC38-0392-40DC-BD84-9FC4FF002441}" dt="2021-03-26T10:23:10.842" v="385" actId="478"/>
+        <pc:chgData name="Ben Cooper" userId="adf679e2-31d5-425b-a410-7bffc78e1b34" providerId="ADAL" clId="{67D8AC38-0392-40DC-BD84-9FC4FF002441}" dt="2021-04-07T14:07:48.001" v="865" actId="1076"/>
         <pc:sldMkLst>
           <pc:docMk/>
           <pc:sldMk cId="2646006340" sldId="261"/>
@@ -281,6 +305,14 @@
             <ac:spMk id="3" creationId="{9DE8C306-FDE5-4ABC-8652-85C6D843C2B1}"/>
           </ac:spMkLst>
         </pc:spChg>
+        <pc:spChg chg="mod">
+          <ac:chgData name="Ben Cooper" userId="adf679e2-31d5-425b-a410-7bffc78e1b34" providerId="ADAL" clId="{67D8AC38-0392-40DC-BD84-9FC4FF002441}" dt="2021-04-07T14:07:48.001" v="865" actId="1076"/>
+          <ac:spMkLst>
+            <pc:docMk/>
+            <pc:sldMk cId="2646006340" sldId="261"/>
+            <ac:spMk id="9" creationId="{DB65094E-2323-4D2C-B9F5-0EAF3A813DB4}"/>
+          </ac:spMkLst>
+        </pc:spChg>
         <pc:spChg chg="del mod">
           <ac:chgData name="Ben Cooper" userId="adf679e2-31d5-425b-a410-7bffc78e1b34" providerId="ADAL" clId="{67D8AC38-0392-40DC-BD84-9FC4FF002441}" dt="2021-03-26T10:23:08.787" v="384" actId="478"/>
           <ac:spMkLst>
@@ -289,15 +321,31 @@
             <ac:spMk id="15" creationId="{454F8DDE-079A-4BD5-998C-0B3149A8E8E3}"/>
           </ac:spMkLst>
         </pc:spChg>
+        <pc:cxnChg chg="mod">
+          <ac:chgData name="Ben Cooper" userId="adf679e2-31d5-425b-a410-7bffc78e1b34" providerId="ADAL" clId="{67D8AC38-0392-40DC-BD84-9FC4FF002441}" dt="2021-04-07T14:07:48.001" v="865" actId="1076"/>
+          <ac:cxnSpMkLst>
+            <pc:docMk/>
+            <pc:sldMk cId="2646006340" sldId="261"/>
+            <ac:cxnSpMk id="26" creationId="{52991995-821D-4F06-9770-FCCA2AE7FAD6}"/>
+          </ac:cxnSpMkLst>
+        </pc:cxnChg>
+        <pc:cxnChg chg="mod">
+          <ac:chgData name="Ben Cooper" userId="adf679e2-31d5-425b-a410-7bffc78e1b34" providerId="ADAL" clId="{67D8AC38-0392-40DC-BD84-9FC4FF002441}" dt="2021-04-07T14:07:48.001" v="865" actId="1076"/>
+          <ac:cxnSpMkLst>
+            <pc:docMk/>
+            <pc:sldMk cId="2646006340" sldId="261"/>
+            <ac:cxnSpMk id="44" creationId="{DA87A5B7-4AEF-4ED4-BAF7-DF42E4916293}"/>
+          </ac:cxnSpMkLst>
+        </pc:cxnChg>
       </pc:sldChg>
-      <pc:sldChg chg="modSp mod">
-        <pc:chgData name="Ben Cooper" userId="adf679e2-31d5-425b-a410-7bffc78e1b34" providerId="ADAL" clId="{67D8AC38-0392-40DC-BD84-9FC4FF002441}" dt="2021-03-26T13:36:25.017" v="787" actId="14100"/>
+      <pc:sldChg chg="modSp mod modNotesTx">
+        <pc:chgData name="Ben Cooper" userId="adf679e2-31d5-425b-a410-7bffc78e1b34" providerId="ADAL" clId="{67D8AC38-0392-40DC-BD84-9FC4FF002441}" dt="2021-04-07T16:02:30.304" v="2036" actId="20577"/>
         <pc:sldMkLst>
           <pc:docMk/>
           <pc:sldMk cId="1897174453" sldId="262"/>
         </pc:sldMkLst>
         <pc:spChg chg="mod">
-          <ac:chgData name="Ben Cooper" userId="adf679e2-31d5-425b-a410-7bffc78e1b34" providerId="ADAL" clId="{67D8AC38-0392-40DC-BD84-9FC4FF002441}" dt="2021-03-26T13:02:25.330" v="780" actId="1076"/>
+          <ac:chgData name="Ben Cooper" userId="adf679e2-31d5-425b-a410-7bffc78e1b34" providerId="ADAL" clId="{67D8AC38-0392-40DC-BD84-9FC4FF002441}" dt="2021-04-07T16:02:30.304" v="2036" actId="20577"/>
           <ac:spMkLst>
             <pc:docMk/>
             <pc:sldMk cId="1897174453" sldId="262"/>
@@ -305,7 +353,7 @@
           </ac:spMkLst>
         </pc:spChg>
         <pc:picChg chg="mod">
-          <ac:chgData name="Ben Cooper" userId="adf679e2-31d5-425b-a410-7bffc78e1b34" providerId="ADAL" clId="{67D8AC38-0392-40DC-BD84-9FC4FF002441}" dt="2021-03-26T13:36:25.017" v="787" actId="14100"/>
+          <ac:chgData name="Ben Cooper" userId="adf679e2-31d5-425b-a410-7bffc78e1b34" providerId="ADAL" clId="{67D8AC38-0392-40DC-BD84-9FC4FF002441}" dt="2021-04-07T15:59:38.422" v="1852" actId="14100"/>
           <ac:picMkLst>
             <pc:docMk/>
             <pc:sldMk cId="1897174453" sldId="262"/>
@@ -313,8 +361,8 @@
           </ac:picMkLst>
         </pc:picChg>
       </pc:sldChg>
-      <pc:sldChg chg="modSp mod">
-        <pc:chgData name="Ben Cooper" userId="adf679e2-31d5-425b-a410-7bffc78e1b34" providerId="ADAL" clId="{67D8AC38-0392-40DC-BD84-9FC4FF002441}" dt="2021-03-26T13:39:25.502" v="801" actId="1076"/>
+      <pc:sldChg chg="modSp mod modNotesTx">
+        <pc:chgData name="Ben Cooper" userId="adf679e2-31d5-425b-a410-7bffc78e1b34" providerId="ADAL" clId="{67D8AC38-0392-40DC-BD84-9FC4FF002441}" dt="2021-04-07T16:03:42.372" v="2113" actId="20577"/>
         <pc:sldMkLst>
           <pc:docMk/>
           <pc:sldMk cId="483459224" sldId="263"/>
@@ -328,7 +376,7 @@
           </ac:spMkLst>
         </pc:spChg>
         <pc:picChg chg="mod">
-          <ac:chgData name="Ben Cooper" userId="adf679e2-31d5-425b-a410-7bffc78e1b34" providerId="ADAL" clId="{67D8AC38-0392-40DC-BD84-9FC4FF002441}" dt="2021-03-26T13:39:20.129" v="800" actId="1076"/>
+          <ac:chgData name="Ben Cooper" userId="adf679e2-31d5-425b-a410-7bffc78e1b34" providerId="ADAL" clId="{67D8AC38-0392-40DC-BD84-9FC4FF002441}" dt="2021-04-07T15:59:46.551" v="1853" actId="14826"/>
           <ac:picMkLst>
             <pc:docMk/>
             <pc:sldMk cId="483459224" sldId="263"/>
@@ -337,7 +385,7 @@
         </pc:picChg>
       </pc:sldChg>
       <pc:sldChg chg="modSp mod">
-        <pc:chgData name="Ben Cooper" userId="adf679e2-31d5-425b-a410-7bffc78e1b34" providerId="ADAL" clId="{67D8AC38-0392-40DC-BD84-9FC4FF002441}" dt="2021-03-26T13:39:29.694" v="802" actId="1076"/>
+        <pc:chgData name="Ben Cooper" userId="adf679e2-31d5-425b-a410-7bffc78e1b34" providerId="ADAL" clId="{67D8AC38-0392-40DC-BD84-9FC4FF002441}" dt="2021-04-07T15:59:56.398" v="1854" actId="14826"/>
         <pc:sldMkLst>
           <pc:docMk/>
           <pc:sldMk cId="894707580" sldId="264"/>
@@ -351,7 +399,7 @@
           </ac:spMkLst>
         </pc:spChg>
         <pc:picChg chg="mod">
-          <ac:chgData name="Ben Cooper" userId="adf679e2-31d5-425b-a410-7bffc78e1b34" providerId="ADAL" clId="{67D8AC38-0392-40DC-BD84-9FC4FF002441}" dt="2021-03-26T13:38:36.351" v="794" actId="1076"/>
+          <ac:chgData name="Ben Cooper" userId="adf679e2-31d5-425b-a410-7bffc78e1b34" providerId="ADAL" clId="{67D8AC38-0392-40DC-BD84-9FC4FF002441}" dt="2021-04-07T15:59:56.398" v="1854" actId="14826"/>
           <ac:picMkLst>
             <pc:docMk/>
             <pc:sldMk cId="894707580" sldId="264"/>
@@ -366,8 +414,8 @@
           <pc:sldMk cId="3808515937" sldId="266"/>
         </pc:sldMkLst>
       </pc:sldChg>
-      <pc:sldChg chg="addSp delSp modSp mod">
-        <pc:chgData name="Ben Cooper" userId="adf679e2-31d5-425b-a410-7bffc78e1b34" providerId="ADAL" clId="{67D8AC38-0392-40DC-BD84-9FC4FF002441}" dt="2021-03-25T12:14:00.105" v="113" actId="14100"/>
+      <pc:sldChg chg="addSp delSp modSp del mod">
+        <pc:chgData name="Ben Cooper" userId="adf679e2-31d5-425b-a410-7bffc78e1b34" providerId="ADAL" clId="{67D8AC38-0392-40DC-BD84-9FC4FF002441}" dt="2021-04-07T15:36:27.666" v="1696" actId="47"/>
         <pc:sldMkLst>
           <pc:docMk/>
           <pc:sldMk cId="1517840974" sldId="268"/>
@@ -405,8 +453,8 @@
           </ac:picMkLst>
         </pc:picChg>
       </pc:sldChg>
-      <pc:sldChg chg="modSp mod">
-        <pc:chgData name="Ben Cooper" userId="adf679e2-31d5-425b-a410-7bffc78e1b34" providerId="ADAL" clId="{67D8AC38-0392-40DC-BD84-9FC4FF002441}" dt="2021-03-26T13:39:33.269" v="803" actId="1076"/>
+      <pc:sldChg chg="modSp mod modNotesTx">
+        <pc:chgData name="Ben Cooper" userId="adf679e2-31d5-425b-a410-7bffc78e1b34" providerId="ADAL" clId="{67D8AC38-0392-40DC-BD84-9FC4FF002441}" dt="2021-04-07T16:04:10.239" v="2172" actId="20577"/>
         <pc:sldMkLst>
           <pc:docMk/>
           <pc:sldMk cId="4044003450" sldId="269"/>
@@ -420,7 +468,7 @@
           </ac:spMkLst>
         </pc:spChg>
         <pc:picChg chg="mod">
-          <ac:chgData name="Ben Cooper" userId="adf679e2-31d5-425b-a410-7bffc78e1b34" providerId="ADAL" clId="{67D8AC38-0392-40DC-BD84-9FC4FF002441}" dt="2021-03-26T13:38:52.255" v="797" actId="1076"/>
+          <ac:chgData name="Ben Cooper" userId="adf679e2-31d5-425b-a410-7bffc78e1b34" providerId="ADAL" clId="{67D8AC38-0392-40DC-BD84-9FC4FF002441}" dt="2021-04-07T16:00:01.802" v="1855" actId="14826"/>
           <ac:picMkLst>
             <pc:docMk/>
             <pc:sldMk cId="4044003450" sldId="269"/>
@@ -428,8 +476,8 @@
           </ac:picMkLst>
         </pc:picChg>
       </pc:sldChg>
-      <pc:sldChg chg="modSp mod">
-        <pc:chgData name="Ben Cooper" userId="adf679e2-31d5-425b-a410-7bffc78e1b34" providerId="ADAL" clId="{67D8AC38-0392-40DC-BD84-9FC4FF002441}" dt="2021-03-26T13:39:50.646" v="806" actId="1076"/>
+      <pc:sldChg chg="modSp mod modNotesTx">
+        <pc:chgData name="Ben Cooper" userId="adf679e2-31d5-425b-a410-7bffc78e1b34" providerId="ADAL" clId="{67D8AC38-0392-40DC-BD84-9FC4FF002441}" dt="2021-04-07T16:04:54.437" v="2315" actId="20577"/>
         <pc:sldMkLst>
           <pc:docMk/>
           <pc:sldMk cId="2624318557" sldId="270"/>
@@ -443,7 +491,7 @@
           </ac:spMkLst>
         </pc:spChg>
         <pc:picChg chg="mod">
-          <ac:chgData name="Ben Cooper" userId="adf679e2-31d5-425b-a410-7bffc78e1b34" providerId="ADAL" clId="{67D8AC38-0392-40DC-BD84-9FC4FF002441}" dt="2021-03-26T13:39:47.574" v="805" actId="1076"/>
+          <ac:chgData name="Ben Cooper" userId="adf679e2-31d5-425b-a410-7bffc78e1b34" providerId="ADAL" clId="{67D8AC38-0392-40DC-BD84-9FC4FF002441}" dt="2021-04-07T16:00:08.139" v="1856" actId="14826"/>
           <ac:picMkLst>
             <pc:docMk/>
             <pc:sldMk cId="2624318557" sldId="270"/>
@@ -452,13 +500,21 @@
         </pc:picChg>
       </pc:sldChg>
       <pc:sldChg chg="modSp mod ord modAnim">
-        <pc:chgData name="Ben Cooper" userId="adf679e2-31d5-425b-a410-7bffc78e1b34" providerId="ADAL" clId="{67D8AC38-0392-40DC-BD84-9FC4FF002441}" dt="2021-03-26T14:38:48.825" v="844"/>
+        <pc:chgData name="Ben Cooper" userId="adf679e2-31d5-425b-a410-7bffc78e1b34" providerId="ADAL" clId="{67D8AC38-0392-40DC-BD84-9FC4FF002441}" dt="2021-04-08T07:53:57.501" v="2322"/>
         <pc:sldMkLst>
           <pc:docMk/>
           <pc:sldMk cId="4147960246" sldId="271"/>
         </pc:sldMkLst>
         <pc:spChg chg="mod">
-          <ac:chgData name="Ben Cooper" userId="adf679e2-31d5-425b-a410-7bffc78e1b34" providerId="ADAL" clId="{67D8AC38-0392-40DC-BD84-9FC4FF002441}" dt="2021-03-26T10:22:52.433" v="383" actId="20577"/>
+          <ac:chgData name="Ben Cooper" userId="adf679e2-31d5-425b-a410-7bffc78e1b34" providerId="ADAL" clId="{67D8AC38-0392-40DC-BD84-9FC4FF002441}" dt="2021-04-07T15:34:12.790" v="1522" actId="403"/>
+          <ac:spMkLst>
+            <pc:docMk/>
+            <pc:sldMk cId="4147960246" sldId="271"/>
+            <ac:spMk id="2" creationId="{00000000-0000-0000-0000-000000000000}"/>
+          </ac:spMkLst>
+        </pc:spChg>
+        <pc:spChg chg="mod">
+          <ac:chgData name="Ben Cooper" userId="adf679e2-31d5-425b-a410-7bffc78e1b34" providerId="ADAL" clId="{67D8AC38-0392-40DC-BD84-9FC4FF002441}" dt="2021-04-07T14:27:57.543" v="968" actId="20577"/>
           <ac:spMkLst>
             <pc:docMk/>
             <pc:sldMk cId="4147960246" sldId="271"/>
@@ -466,8 +522,8 @@
           </ac:spMkLst>
         </pc:spChg>
       </pc:sldChg>
-      <pc:sldChg chg="addSp modSp new mod modAnim">
-        <pc:chgData name="Ben Cooper" userId="adf679e2-31d5-425b-a410-7bffc78e1b34" providerId="ADAL" clId="{67D8AC38-0392-40DC-BD84-9FC4FF002441}" dt="2021-03-26T13:47:26.471" v="816"/>
+      <pc:sldChg chg="addSp delSp modSp new mod modAnim modNotesTx">
+        <pc:chgData name="Ben Cooper" userId="adf679e2-31d5-425b-a410-7bffc78e1b34" providerId="ADAL" clId="{67D8AC38-0392-40DC-BD84-9FC4FF002441}" dt="2021-04-08T07:54:45.840" v="2328"/>
         <pc:sldMkLst>
           <pc:docMk/>
           <pc:sldMk cId="3403530183" sldId="272"/>
@@ -481,75 +537,305 @@
           </ac:spMkLst>
         </pc:spChg>
         <pc:spChg chg="mod">
-          <ac:chgData name="Ben Cooper" userId="adf679e2-31d5-425b-a410-7bffc78e1b34" providerId="ADAL" clId="{67D8AC38-0392-40DC-BD84-9FC4FF002441}" dt="2021-03-26T12:31:57.865" v="775" actId="114"/>
+          <ac:chgData name="Ben Cooper" userId="adf679e2-31d5-425b-a410-7bffc78e1b34" providerId="ADAL" clId="{67D8AC38-0392-40DC-BD84-9FC4FF002441}" dt="2021-04-07T16:00:42.781" v="1876" actId="20577"/>
           <ac:spMkLst>
             <pc:docMk/>
             <pc:sldMk cId="3403530183" sldId="272"/>
             <ac:spMk id="3" creationId="{ED28A686-1B65-43D1-AF4F-8B9391F45EDB}"/>
           </ac:spMkLst>
         </pc:spChg>
-        <pc:spChg chg="add mod">
-          <ac:chgData name="Ben Cooper" userId="adf679e2-31d5-425b-a410-7bffc78e1b34" providerId="ADAL" clId="{67D8AC38-0392-40DC-BD84-9FC4FF002441}" dt="2021-03-26T12:31:28.551" v="771"/>
+        <pc:spChg chg="add del mod">
+          <ac:chgData name="Ben Cooper" userId="adf679e2-31d5-425b-a410-7bffc78e1b34" providerId="ADAL" clId="{67D8AC38-0392-40DC-BD84-9FC4FF002441}" dt="2021-04-07T15:43:16.626" v="1782" actId="21"/>
           <ac:spMkLst>
             <pc:docMk/>
             <pc:sldMk cId="3403530183" sldId="272"/>
             <ac:spMk id="4" creationId="{66F6B342-DE7C-4097-952F-CD793EF68729}"/>
           </ac:spMkLst>
         </pc:spChg>
-        <pc:spChg chg="add mod">
-          <ac:chgData name="Ben Cooper" userId="adf679e2-31d5-425b-a410-7bffc78e1b34" providerId="ADAL" clId="{67D8AC38-0392-40DC-BD84-9FC4FF002441}" dt="2021-03-26T12:31:28.551" v="771"/>
+        <pc:spChg chg="add del mod">
+          <ac:chgData name="Ben Cooper" userId="adf679e2-31d5-425b-a410-7bffc78e1b34" providerId="ADAL" clId="{67D8AC38-0392-40DC-BD84-9FC4FF002441}" dt="2021-04-07T15:43:16.626" v="1782" actId="21"/>
           <ac:spMkLst>
             <pc:docMk/>
             <pc:sldMk cId="3403530183" sldId="272"/>
             <ac:spMk id="5" creationId="{FC71C1B4-46D7-4598-B8D2-B2C348267578}"/>
           </ac:spMkLst>
         </pc:spChg>
-        <pc:spChg chg="add mod">
-          <ac:chgData name="Ben Cooper" userId="adf679e2-31d5-425b-a410-7bffc78e1b34" providerId="ADAL" clId="{67D8AC38-0392-40DC-BD84-9FC4FF002441}" dt="2021-03-26T12:31:28.551" v="771"/>
+        <pc:spChg chg="add del mod">
+          <ac:chgData name="Ben Cooper" userId="adf679e2-31d5-425b-a410-7bffc78e1b34" providerId="ADAL" clId="{67D8AC38-0392-40DC-BD84-9FC4FF002441}" dt="2021-04-07T15:43:16.626" v="1782" actId="21"/>
           <ac:spMkLst>
             <pc:docMk/>
             <pc:sldMk cId="3403530183" sldId="272"/>
             <ac:spMk id="11" creationId="{43E0419C-094C-4FA8-BBF4-E121ACA3E59A}"/>
           </ac:spMkLst>
         </pc:spChg>
-        <pc:picChg chg="add mod">
-          <ac:chgData name="Ben Cooper" userId="adf679e2-31d5-425b-a410-7bffc78e1b34" providerId="ADAL" clId="{67D8AC38-0392-40DC-BD84-9FC4FF002441}" dt="2021-03-26T12:31:28.551" v="771"/>
+        <pc:spChg chg="add mod">
+          <ac:chgData name="Ben Cooper" userId="adf679e2-31d5-425b-a410-7bffc78e1b34" providerId="ADAL" clId="{67D8AC38-0392-40DC-BD84-9FC4FF002441}" dt="2021-04-07T16:01:00.695" v="1888" actId="20577"/>
+          <ac:spMkLst>
+            <pc:docMk/>
+            <pc:sldMk cId="3403530183" sldId="272"/>
+            <ac:spMk id="12" creationId="{D1D934A5-14A3-4597-A4DA-83E97A16DC03}"/>
+          </ac:spMkLst>
+        </pc:spChg>
+        <pc:spChg chg="add mod">
+          <ac:chgData name="Ben Cooper" userId="adf679e2-31d5-425b-a410-7bffc78e1b34" providerId="ADAL" clId="{67D8AC38-0392-40DC-BD84-9FC4FF002441}" dt="2021-04-07T16:02:03.679" v="2031" actId="20577"/>
+          <ac:spMkLst>
+            <pc:docMk/>
+            <pc:sldMk cId="3403530183" sldId="272"/>
+            <ac:spMk id="13" creationId="{09B6FB07-F5A1-4F70-B214-3CA434E5DBE0}"/>
+          </ac:spMkLst>
+        </pc:spChg>
+        <pc:picChg chg="add del mod">
+          <ac:chgData name="Ben Cooper" userId="adf679e2-31d5-425b-a410-7bffc78e1b34" providerId="ADAL" clId="{67D8AC38-0392-40DC-BD84-9FC4FF002441}" dt="2021-04-07T15:43:16.626" v="1782" actId="21"/>
           <ac:picMkLst>
             <pc:docMk/>
             <pc:sldMk cId="3403530183" sldId="272"/>
             <ac:picMk id="6" creationId="{1B73BA46-BAC8-4F57-B528-36315F08841C}"/>
           </ac:picMkLst>
         </pc:picChg>
-        <pc:picChg chg="add mod">
-          <ac:chgData name="Ben Cooper" userId="adf679e2-31d5-425b-a410-7bffc78e1b34" providerId="ADAL" clId="{67D8AC38-0392-40DC-BD84-9FC4FF002441}" dt="2021-03-26T12:31:28.551" v="771"/>
+        <pc:picChg chg="add del mod">
+          <ac:chgData name="Ben Cooper" userId="adf679e2-31d5-425b-a410-7bffc78e1b34" providerId="ADAL" clId="{67D8AC38-0392-40DC-BD84-9FC4FF002441}" dt="2021-04-07T15:43:16.626" v="1782" actId="21"/>
           <ac:picMkLst>
             <pc:docMk/>
             <pc:sldMk cId="3403530183" sldId="272"/>
             <ac:picMk id="7" creationId="{FED17A5A-DA96-41E9-A7E6-9C3879C402D9}"/>
           </ac:picMkLst>
         </pc:picChg>
-        <pc:picChg chg="add mod">
-          <ac:chgData name="Ben Cooper" userId="adf679e2-31d5-425b-a410-7bffc78e1b34" providerId="ADAL" clId="{67D8AC38-0392-40DC-BD84-9FC4FF002441}" dt="2021-03-26T12:31:28.551" v="771"/>
+        <pc:picChg chg="add del mod">
+          <ac:chgData name="Ben Cooper" userId="adf679e2-31d5-425b-a410-7bffc78e1b34" providerId="ADAL" clId="{67D8AC38-0392-40DC-BD84-9FC4FF002441}" dt="2021-04-07T15:43:16.626" v="1782" actId="21"/>
           <ac:picMkLst>
             <pc:docMk/>
             <pc:sldMk cId="3403530183" sldId="272"/>
             <ac:picMk id="8" creationId="{FA5E20C0-2E09-4961-AB99-D7E758FD223C}"/>
           </ac:picMkLst>
         </pc:picChg>
-        <pc:picChg chg="add mod">
-          <ac:chgData name="Ben Cooper" userId="adf679e2-31d5-425b-a410-7bffc78e1b34" providerId="ADAL" clId="{67D8AC38-0392-40DC-BD84-9FC4FF002441}" dt="2021-03-26T12:31:28.551" v="771"/>
+        <pc:picChg chg="add del mod">
+          <ac:chgData name="Ben Cooper" userId="adf679e2-31d5-425b-a410-7bffc78e1b34" providerId="ADAL" clId="{67D8AC38-0392-40DC-BD84-9FC4FF002441}" dt="2021-04-07T15:43:16.626" v="1782" actId="21"/>
           <ac:picMkLst>
             <pc:docMk/>
             <pc:sldMk cId="3403530183" sldId="272"/>
             <ac:picMk id="9" creationId="{7A2F83D3-F763-4631-8605-609784C33B8F}"/>
           </ac:picMkLst>
         </pc:picChg>
-        <pc:picChg chg="add mod">
-          <ac:chgData name="Ben Cooper" userId="adf679e2-31d5-425b-a410-7bffc78e1b34" providerId="ADAL" clId="{67D8AC38-0392-40DC-BD84-9FC4FF002441}" dt="2021-03-26T12:31:28.551" v="771"/>
+        <pc:picChg chg="add del mod">
+          <ac:chgData name="Ben Cooper" userId="adf679e2-31d5-425b-a410-7bffc78e1b34" providerId="ADAL" clId="{67D8AC38-0392-40DC-BD84-9FC4FF002441}" dt="2021-04-07T15:43:16.626" v="1782" actId="21"/>
           <ac:picMkLst>
             <pc:docMk/>
             <pc:sldMk cId="3403530183" sldId="272"/>
             <ac:picMk id="10" creationId="{FC30A0EC-4DFE-46EA-A304-7EDAEA7EA9D6}"/>
+          </ac:picMkLst>
+        </pc:picChg>
+      </pc:sldChg>
+      <pc:sldChg chg="addSp delSp modSp new mod setBg modAnim modNotesTx">
+        <pc:chgData name="Ben Cooper" userId="adf679e2-31d5-425b-a410-7bffc78e1b34" providerId="ADAL" clId="{67D8AC38-0392-40DC-BD84-9FC4FF002441}" dt="2021-04-08T08:48:07.832" v="2330"/>
+        <pc:sldMkLst>
+          <pc:docMk/>
+          <pc:sldMk cId="2669935130" sldId="273"/>
+        </pc:sldMkLst>
+        <pc:spChg chg="mod">
+          <ac:chgData name="Ben Cooper" userId="adf679e2-31d5-425b-a410-7bffc78e1b34" providerId="ADAL" clId="{67D8AC38-0392-40DC-BD84-9FC4FF002441}" dt="2021-04-07T15:34:06.174" v="1520" actId="403"/>
+          <ac:spMkLst>
+            <pc:docMk/>
+            <pc:sldMk cId="2669935130" sldId="273"/>
+            <ac:spMk id="2" creationId="{62D9A443-DA8C-4983-BC1B-C63901F4986E}"/>
+          </ac:spMkLst>
+        </pc:spChg>
+        <pc:spChg chg="mod">
+          <ac:chgData name="Ben Cooper" userId="adf679e2-31d5-425b-a410-7bffc78e1b34" providerId="ADAL" clId="{67D8AC38-0392-40DC-BD84-9FC4FF002441}" dt="2021-04-07T15:34:01.845" v="1519" actId="1076"/>
+          <ac:spMkLst>
+            <pc:docMk/>
+            <pc:sldMk cId="2669935130" sldId="273"/>
+            <ac:spMk id="3" creationId="{C8971B64-587C-4CB7-B966-26FD9D39BF36}"/>
+          </ac:spMkLst>
+        </pc:spChg>
+        <pc:spChg chg="add del">
+          <ac:chgData name="Ben Cooper" userId="adf679e2-31d5-425b-a410-7bffc78e1b34" providerId="ADAL" clId="{67D8AC38-0392-40DC-BD84-9FC4FF002441}" dt="2021-04-07T15:31:22.211" v="1472" actId="26606"/>
+          <ac:spMkLst>
+            <pc:docMk/>
+            <pc:sldMk cId="2669935130" sldId="273"/>
+            <ac:spMk id="6" creationId="{3CD9DF72-87A3-404E-A828-84CBF11A8303}"/>
+          </ac:spMkLst>
+        </pc:spChg>
+        <pc:spChg chg="add del">
+          <ac:chgData name="Ben Cooper" userId="adf679e2-31d5-425b-a410-7bffc78e1b34" providerId="ADAL" clId="{67D8AC38-0392-40DC-BD84-9FC4FF002441}" dt="2021-04-07T15:31:19.119" v="1470" actId="26606"/>
+          <ac:spMkLst>
+            <pc:docMk/>
+            <pc:sldMk cId="2669935130" sldId="273"/>
+            <ac:spMk id="9" creationId="{3CD9DF72-87A3-404E-A828-84CBF11A8303}"/>
+          </ac:spMkLst>
+        </pc:spChg>
+        <pc:spChg chg="add del">
+          <ac:chgData name="Ben Cooper" userId="adf679e2-31d5-425b-a410-7bffc78e1b34" providerId="ADAL" clId="{67D8AC38-0392-40DC-BD84-9FC4FF002441}" dt="2021-04-07T15:31:26.875" v="1476" actId="26606"/>
+          <ac:spMkLst>
+            <pc:docMk/>
+            <pc:sldMk cId="2669935130" sldId="273"/>
+            <ac:spMk id="12" creationId="{8FC9BE17-9A7B-462D-AE50-3D8777387304}"/>
+          </ac:spMkLst>
+        </pc:spChg>
+        <pc:spChg chg="add del">
+          <ac:chgData name="Ben Cooper" userId="adf679e2-31d5-425b-a410-7bffc78e1b34" providerId="ADAL" clId="{67D8AC38-0392-40DC-BD84-9FC4FF002441}" dt="2021-04-07T15:31:26.875" v="1476" actId="26606"/>
+          <ac:spMkLst>
+            <pc:docMk/>
+            <pc:sldMk cId="2669935130" sldId="273"/>
+            <ac:spMk id="13" creationId="{55D4142C-5077-457F-A6AD-3FECFDB39685}"/>
+          </ac:spMkLst>
+        </pc:spChg>
+        <pc:spChg chg="add del">
+          <ac:chgData name="Ben Cooper" userId="adf679e2-31d5-425b-a410-7bffc78e1b34" providerId="ADAL" clId="{67D8AC38-0392-40DC-BD84-9FC4FF002441}" dt="2021-04-07T15:31:26.875" v="1476" actId="26606"/>
+          <ac:spMkLst>
+            <pc:docMk/>
+            <pc:sldMk cId="2669935130" sldId="273"/>
+            <ac:spMk id="14" creationId="{3EBE8569-6AEC-4B8C-8D53-2DE337CDBA65}"/>
+          </ac:spMkLst>
+        </pc:spChg>
+        <pc:spChg chg="add del">
+          <ac:chgData name="Ben Cooper" userId="adf679e2-31d5-425b-a410-7bffc78e1b34" providerId="ADAL" clId="{67D8AC38-0392-40DC-BD84-9FC4FF002441}" dt="2021-04-07T15:31:26.875" v="1476" actId="26606"/>
+          <ac:spMkLst>
+            <pc:docMk/>
+            <pc:sldMk cId="2669935130" sldId="273"/>
+            <ac:spMk id="15" creationId="{7A5F0580-5EE9-419F-96EE-B6529EF6E7D0}"/>
+          </ac:spMkLst>
+        </pc:spChg>
+        <pc:spChg chg="add del">
+          <ac:chgData name="Ben Cooper" userId="adf679e2-31d5-425b-a410-7bffc78e1b34" providerId="ADAL" clId="{67D8AC38-0392-40DC-BD84-9FC4FF002441}" dt="2021-04-07T15:31:27.349" v="1478" actId="26606"/>
+          <ac:spMkLst>
+            <pc:docMk/>
+            <pc:sldMk cId="2669935130" sldId="273"/>
+            <ac:spMk id="17" creationId="{3CD9DF72-87A3-404E-A828-84CBF11A8303}"/>
+          </ac:spMkLst>
+        </pc:spChg>
+        <pc:picChg chg="add mod ord">
+          <ac:chgData name="Ben Cooper" userId="adf679e2-31d5-425b-a410-7bffc78e1b34" providerId="ADAL" clId="{67D8AC38-0392-40DC-BD84-9FC4FF002441}" dt="2021-04-07T15:34:01.845" v="1519" actId="1076"/>
+          <ac:picMkLst>
+            <pc:docMk/>
+            <pc:sldMk cId="2669935130" sldId="273"/>
+            <ac:picMk id="4" creationId="{493D3E94-2F73-4C90-8868-AEF81217A5C4}"/>
+          </ac:picMkLst>
+        </pc:picChg>
+        <pc:picChg chg="add del">
+          <ac:chgData name="Ben Cooper" userId="adf679e2-31d5-425b-a410-7bffc78e1b34" providerId="ADAL" clId="{67D8AC38-0392-40DC-BD84-9FC4FF002441}" dt="2021-04-07T15:31:25.277" v="1474" actId="26606"/>
+          <ac:picMkLst>
+            <pc:docMk/>
+            <pc:sldMk cId="2669935130" sldId="273"/>
+            <ac:picMk id="10" creationId="{54DDEBDD-D8BD-41A6-8A0D-B00E3768B0F9}"/>
+          </ac:picMkLst>
+        </pc:picChg>
+        <pc:cxnChg chg="add del">
+          <ac:chgData name="Ben Cooper" userId="adf679e2-31d5-425b-a410-7bffc78e1b34" providerId="ADAL" clId="{67D8AC38-0392-40DC-BD84-9FC4FF002441}" dt="2021-04-07T15:31:22.211" v="1472" actId="26606"/>
+          <ac:cxnSpMkLst>
+            <pc:docMk/>
+            <pc:sldMk cId="2669935130" sldId="273"/>
+            <ac:cxnSpMk id="7" creationId="{20E3A342-4D61-4E3F-AF90-1AB42AEB96CC}"/>
+          </ac:cxnSpMkLst>
+        </pc:cxnChg>
+        <pc:cxnChg chg="add del">
+          <ac:chgData name="Ben Cooper" userId="adf679e2-31d5-425b-a410-7bffc78e1b34" providerId="ADAL" clId="{67D8AC38-0392-40DC-BD84-9FC4FF002441}" dt="2021-04-07T15:31:19.119" v="1470" actId="26606"/>
+          <ac:cxnSpMkLst>
+            <pc:docMk/>
+            <pc:sldMk cId="2669935130" sldId="273"/>
+            <ac:cxnSpMk id="11" creationId="{20E3A342-4D61-4E3F-AF90-1AB42AEB96CC}"/>
+          </ac:cxnSpMkLst>
+        </pc:cxnChg>
+        <pc:cxnChg chg="add del">
+          <ac:chgData name="Ben Cooper" userId="adf679e2-31d5-425b-a410-7bffc78e1b34" providerId="ADAL" clId="{67D8AC38-0392-40DC-BD84-9FC4FF002441}" dt="2021-04-07T15:31:27.349" v="1478" actId="26606"/>
+          <ac:cxnSpMkLst>
+            <pc:docMk/>
+            <pc:sldMk cId="2669935130" sldId="273"/>
+            <ac:cxnSpMk id="18" creationId="{20E3A342-4D61-4E3F-AF90-1AB42AEB96CC}"/>
+          </ac:cxnSpMkLst>
+        </pc:cxnChg>
+      </pc:sldChg>
+      <pc:sldChg chg="addSp delSp modSp new mod modAnim">
+        <pc:chgData name="Ben Cooper" userId="adf679e2-31d5-425b-a410-7bffc78e1b34" providerId="ADAL" clId="{67D8AC38-0392-40DC-BD84-9FC4FF002441}" dt="2021-04-08T07:55:28.922" v="2329"/>
+        <pc:sldMkLst>
+          <pc:docMk/>
+          <pc:sldMk cId="4244497551" sldId="274"/>
+        </pc:sldMkLst>
+        <pc:spChg chg="del">
+          <ac:chgData name="Ben Cooper" userId="adf679e2-31d5-425b-a410-7bffc78e1b34" providerId="ADAL" clId="{67D8AC38-0392-40DC-BD84-9FC4FF002441}" dt="2021-04-07T15:43:23.004" v="1784" actId="478"/>
+          <ac:spMkLst>
+            <pc:docMk/>
+            <pc:sldMk cId="4244497551" sldId="274"/>
+            <ac:spMk id="2" creationId="{7F10E179-3125-485C-BD54-73CD98BE94AF}"/>
+          </ac:spMkLst>
+        </pc:spChg>
+        <pc:spChg chg="del">
+          <ac:chgData name="Ben Cooper" userId="adf679e2-31d5-425b-a410-7bffc78e1b34" providerId="ADAL" clId="{67D8AC38-0392-40DC-BD84-9FC4FF002441}" dt="2021-04-07T15:43:23.571" v="1785" actId="478"/>
+          <ac:spMkLst>
+            <pc:docMk/>
+            <pc:sldMk cId="4244497551" sldId="274"/>
+            <ac:spMk id="3" creationId="{A9A0CDC9-4E67-4395-9166-E7DCB9D7CBE7}"/>
+          </ac:spMkLst>
+        </pc:spChg>
+        <pc:spChg chg="add mod">
+          <ac:chgData name="Ben Cooper" userId="adf679e2-31d5-425b-a410-7bffc78e1b34" providerId="ADAL" clId="{67D8AC38-0392-40DC-BD84-9FC4FF002441}" dt="2021-04-07T16:05:13.666" v="2316" actId="1076"/>
+          <ac:spMkLst>
+            <pc:docMk/>
+            <pc:sldMk cId="4244497551" sldId="274"/>
+            <ac:spMk id="4" creationId="{1D4B226E-32F0-4E3B-B9C2-39789D86F3C6}"/>
+          </ac:spMkLst>
+        </pc:spChg>
+        <pc:spChg chg="add mod">
+          <ac:chgData name="Ben Cooper" userId="adf679e2-31d5-425b-a410-7bffc78e1b34" providerId="ADAL" clId="{67D8AC38-0392-40DC-BD84-9FC4FF002441}" dt="2021-04-07T16:05:26.802" v="2319" actId="1076"/>
+          <ac:spMkLst>
+            <pc:docMk/>
+            <pc:sldMk cId="4244497551" sldId="274"/>
+            <ac:spMk id="5" creationId="{FE8803F9-E051-400D-9028-7B5CA697F1FE}"/>
+          </ac:spMkLst>
+        </pc:spChg>
+        <pc:spChg chg="add mod">
+          <ac:chgData name="Ben Cooper" userId="adf679e2-31d5-425b-a410-7bffc78e1b34" providerId="ADAL" clId="{67D8AC38-0392-40DC-BD84-9FC4FF002441}" dt="2021-04-07T16:05:24.306" v="2318" actId="1076"/>
+          <ac:spMkLst>
+            <pc:docMk/>
+            <pc:sldMk cId="4244497551" sldId="274"/>
+            <ac:spMk id="11" creationId="{CEB9BC05-FA76-45CA-8667-FBB9689F5A14}"/>
+          </ac:spMkLst>
+        </pc:spChg>
+        <pc:spChg chg="add mod">
+          <ac:chgData name="Ben Cooper" userId="adf679e2-31d5-425b-a410-7bffc78e1b34" providerId="ADAL" clId="{67D8AC38-0392-40DC-BD84-9FC4FF002441}" dt="2021-04-07T16:05:24.306" v="2318" actId="1076"/>
+          <ac:spMkLst>
+            <pc:docMk/>
+            <pc:sldMk cId="4244497551" sldId="274"/>
+            <ac:spMk id="12" creationId="{6F0FCF27-D820-4899-A0EF-3138BF716B46}"/>
+          </ac:spMkLst>
+        </pc:spChg>
+        <pc:picChg chg="add mod">
+          <ac:chgData name="Ben Cooper" userId="adf679e2-31d5-425b-a410-7bffc78e1b34" providerId="ADAL" clId="{67D8AC38-0392-40DC-BD84-9FC4FF002441}" dt="2021-04-07T16:05:29.938" v="2320" actId="1076"/>
+          <ac:picMkLst>
+            <pc:docMk/>
+            <pc:sldMk cId="4244497551" sldId="274"/>
+            <ac:picMk id="6" creationId="{9BF5F8AB-E13B-4022-A743-70120A037981}"/>
+          </ac:picMkLst>
+        </pc:picChg>
+        <pc:picChg chg="add mod">
+          <ac:chgData name="Ben Cooper" userId="adf679e2-31d5-425b-a410-7bffc78e1b34" providerId="ADAL" clId="{67D8AC38-0392-40DC-BD84-9FC4FF002441}" dt="2021-04-07T16:05:29.938" v="2320" actId="1076"/>
+          <ac:picMkLst>
+            <pc:docMk/>
+            <pc:sldMk cId="4244497551" sldId="274"/>
+            <ac:picMk id="7" creationId="{272E7180-4F77-4B20-A1FA-07C613015C03}"/>
+          </ac:picMkLst>
+        </pc:picChg>
+        <pc:picChg chg="add mod">
+          <ac:chgData name="Ben Cooper" userId="adf679e2-31d5-425b-a410-7bffc78e1b34" providerId="ADAL" clId="{67D8AC38-0392-40DC-BD84-9FC4FF002441}" dt="2021-04-07T16:05:29.938" v="2320" actId="1076"/>
+          <ac:picMkLst>
+            <pc:docMk/>
+            <pc:sldMk cId="4244497551" sldId="274"/>
+            <ac:picMk id="8" creationId="{AE4E1602-E951-425E-991B-846AC3FEBC86}"/>
+          </ac:picMkLst>
+        </pc:picChg>
+        <pc:picChg chg="add mod">
+          <ac:chgData name="Ben Cooper" userId="adf679e2-31d5-425b-a410-7bffc78e1b34" providerId="ADAL" clId="{67D8AC38-0392-40DC-BD84-9FC4FF002441}" dt="2021-04-07T16:05:29.938" v="2320" actId="1076"/>
+          <ac:picMkLst>
+            <pc:docMk/>
+            <pc:sldMk cId="4244497551" sldId="274"/>
+            <ac:picMk id="9" creationId="{4ED594CA-46EA-4466-9851-66A440485611}"/>
+          </ac:picMkLst>
+        </pc:picChg>
+        <pc:picChg chg="add mod">
+          <ac:chgData name="Ben Cooper" userId="adf679e2-31d5-425b-a410-7bffc78e1b34" providerId="ADAL" clId="{67D8AC38-0392-40DC-BD84-9FC4FF002441}" dt="2021-04-07T16:05:24.306" v="2318" actId="1076"/>
+          <ac:picMkLst>
+            <pc:docMk/>
+            <pc:sldMk cId="4244497551" sldId="274"/>
+            <ac:picMk id="10" creationId="{AC0F360E-25F6-40E7-B0DC-3E8D6DA9F54E}"/>
           </ac:picMkLst>
         </pc:picChg>
       </pc:sldChg>
@@ -735,7 +1021,7 @@
           <a:p>
             <a:fld id="{351C6882-495A-470A-827A-012A94F69B36}" type="datetimeFigureOut">
               <a:rPr lang="en-GB" smtClean="0"/>
-              <a:t>26/03/2021</a:t>
+              <a:t>08/04/2021</a:t>
             </a:fld>
             <a:endParaRPr lang="en-GB"/>
           </a:p>
@@ -1049,7 +1335,19 @@
           <a:p>
             <a:r>
               <a:rPr lang="en-GB" dirty="0"/>
-              <a:t>MCAR, MAR w/ examples</a:t>
+              <a:t>-Critical care &amp; risk scores</a:t>
+            </a:r>
+          </a:p>
+          <a:p>
+            <a:r>
+              <a:rPr lang="en-GB" dirty="0"/>
+              <a:t>-Problem of missing data</a:t>
+            </a:r>
+          </a:p>
+          <a:p>
+            <a:r>
+              <a:rPr lang="en-GB" dirty="0"/>
+              <a:t>-Our work to address it</a:t>
             </a:r>
           </a:p>
         </p:txBody>
@@ -1071,7 +1369,7 @@
           <a:p>
             <a:fld id="{480D76A7-B12C-4B91-9043-8CDACB5C84C0}" type="slidenum">
               <a:rPr lang="en-GB" smtClean="0"/>
-              <a:t>2</a:t>
+              <a:t>1</a:t>
             </a:fld>
             <a:endParaRPr lang="en-GB"/>
           </a:p>
@@ -1080,7 +1378,7 @@
     </p:spTree>
     <p:extLst>
       <p:ext uri="{BB962C8B-B14F-4D97-AF65-F5344CB8AC3E}">
-        <p14:creationId xmlns:p14="http://schemas.microsoft.com/office/powerpoint/2010/main" val="4221694959"/>
+        <p14:creationId xmlns:p14="http://schemas.microsoft.com/office/powerpoint/2010/main" val="2629860845"/>
       </p:ext>
     </p:extLst>
   </p:cSld>
@@ -1136,6 +1434,186 @@
           <a:p>
             <a:r>
               <a:rPr lang="en-GB" dirty="0"/>
+              <a:t>£1,300 per day, 23% die</a:t>
+            </a:r>
+          </a:p>
+          <a:p>
+            <a:r>
+              <a:rPr lang="en-GB" dirty="0"/>
+              <a:t>Not usually key elements of treatment</a:t>
+            </a:r>
+          </a:p>
+        </p:txBody>
+      </p:sp>
+      <p:sp>
+        <p:nvSpPr>
+          <p:cNvPr id="4" name="Slide Number Placeholder 3"/>
+          <p:cNvSpPr>
+            <a:spLocks noGrp="1"/>
+          </p:cNvSpPr>
+          <p:nvPr>
+            <p:ph type="sldNum" sz="quarter" idx="5"/>
+          </p:nvPr>
+        </p:nvSpPr>
+        <p:spPr/>
+        <p:txBody>
+          <a:bodyPr/>
+          <a:lstStyle/>
+          <a:p>
+            <a:fld id="{480D76A7-B12C-4B91-9043-8CDACB5C84C0}" type="slidenum">
+              <a:rPr lang="en-GB" smtClean="0"/>
+              <a:t>2</a:t>
+            </a:fld>
+            <a:endParaRPr lang="en-GB"/>
+          </a:p>
+        </p:txBody>
+      </p:sp>
+    </p:spTree>
+    <p:extLst>
+      <p:ext uri="{BB962C8B-B14F-4D97-AF65-F5344CB8AC3E}">
+        <p14:creationId xmlns:p14="http://schemas.microsoft.com/office/powerpoint/2010/main" val="2421479612"/>
+      </p:ext>
+    </p:extLst>
+  </p:cSld>
+  <p:clrMapOvr>
+    <a:masterClrMapping/>
+  </p:clrMapOvr>
+</p:notes>
+</file>
+
+<file path=ppt/notesSlides/notesSlide3.xml><?xml version="1.0" encoding="utf-8"?>
+<p:notes xmlns:a="http://schemas.openxmlformats.org/drawingml/2006/main" xmlns:r="http://schemas.openxmlformats.org/officeDocument/2006/relationships" xmlns:p="http://schemas.openxmlformats.org/presentationml/2006/main">
+  <p:cSld>
+    <p:spTree>
+      <p:nvGrpSpPr>
+        <p:cNvPr id="1" name=""/>
+        <p:cNvGrpSpPr/>
+        <p:nvPr/>
+      </p:nvGrpSpPr>
+      <p:grpSpPr>
+        <a:xfrm>
+          <a:off x="0" y="0"/>
+          <a:ext cx="0" cy="0"/>
+          <a:chOff x="0" y="0"/>
+          <a:chExt cx="0" cy="0"/>
+        </a:xfrm>
+      </p:grpSpPr>
+      <p:sp>
+        <p:nvSpPr>
+          <p:cNvPr id="2" name="Slide Image Placeholder 1"/>
+          <p:cNvSpPr>
+            <a:spLocks noGrp="1" noRot="1" noChangeAspect="1"/>
+          </p:cNvSpPr>
+          <p:nvPr>
+            <p:ph type="sldImg"/>
+          </p:nvPr>
+        </p:nvSpPr>
+        <p:spPr/>
+      </p:sp>
+      <p:sp>
+        <p:nvSpPr>
+          <p:cNvPr id="3" name="Notes Placeholder 2"/>
+          <p:cNvSpPr>
+            <a:spLocks noGrp="1"/>
+          </p:cNvSpPr>
+          <p:nvPr>
+            <p:ph type="body" idx="1"/>
+          </p:nvPr>
+        </p:nvSpPr>
+        <p:spPr/>
+        <p:txBody>
+          <a:bodyPr/>
+          <a:lstStyle/>
+          <a:p>
+            <a:r>
+              <a:rPr lang="en-GB" dirty="0"/>
+              <a:t>MCAR, MAR w/ examples</a:t>
+            </a:r>
+          </a:p>
+        </p:txBody>
+      </p:sp>
+      <p:sp>
+        <p:nvSpPr>
+          <p:cNvPr id="4" name="Slide Number Placeholder 3"/>
+          <p:cNvSpPr>
+            <a:spLocks noGrp="1"/>
+          </p:cNvSpPr>
+          <p:nvPr>
+            <p:ph type="sldNum" sz="quarter" idx="5"/>
+          </p:nvPr>
+        </p:nvSpPr>
+        <p:spPr/>
+        <p:txBody>
+          <a:bodyPr/>
+          <a:lstStyle/>
+          <a:p>
+            <a:fld id="{480D76A7-B12C-4B91-9043-8CDACB5C84C0}" type="slidenum">
+              <a:rPr lang="en-GB" smtClean="0"/>
+              <a:t>3</a:t>
+            </a:fld>
+            <a:endParaRPr lang="en-GB"/>
+          </a:p>
+        </p:txBody>
+      </p:sp>
+    </p:spTree>
+    <p:extLst>
+      <p:ext uri="{BB962C8B-B14F-4D97-AF65-F5344CB8AC3E}">
+        <p14:creationId xmlns:p14="http://schemas.microsoft.com/office/powerpoint/2010/main" val="4221694959"/>
+      </p:ext>
+    </p:extLst>
+  </p:cSld>
+  <p:clrMapOvr>
+    <a:masterClrMapping/>
+  </p:clrMapOvr>
+</p:notes>
+</file>
+
+<file path=ppt/notesSlides/notesSlide4.xml><?xml version="1.0" encoding="utf-8"?>
+<p:notes xmlns:a="http://schemas.openxmlformats.org/drawingml/2006/main" xmlns:r="http://schemas.openxmlformats.org/officeDocument/2006/relationships" xmlns:p="http://schemas.openxmlformats.org/presentationml/2006/main">
+  <p:cSld>
+    <p:spTree>
+      <p:nvGrpSpPr>
+        <p:cNvPr id="1" name=""/>
+        <p:cNvGrpSpPr/>
+        <p:nvPr/>
+      </p:nvGrpSpPr>
+      <p:grpSpPr>
+        <a:xfrm>
+          <a:off x="0" y="0"/>
+          <a:ext cx="0" cy="0"/>
+          <a:chOff x="0" y="0"/>
+          <a:chExt cx="0" cy="0"/>
+        </a:xfrm>
+      </p:grpSpPr>
+      <p:sp>
+        <p:nvSpPr>
+          <p:cNvPr id="2" name="Slide Image Placeholder 1"/>
+          <p:cNvSpPr>
+            <a:spLocks noGrp="1" noRot="1" noChangeAspect="1"/>
+          </p:cNvSpPr>
+          <p:nvPr>
+            <p:ph type="sldImg"/>
+          </p:nvPr>
+        </p:nvSpPr>
+        <p:spPr/>
+      </p:sp>
+      <p:sp>
+        <p:nvSpPr>
+          <p:cNvPr id="3" name="Notes Placeholder 2"/>
+          <p:cNvSpPr>
+            <a:spLocks noGrp="1"/>
+          </p:cNvSpPr>
+          <p:nvPr>
+            <p:ph type="body" idx="1"/>
+          </p:nvPr>
+        </p:nvSpPr>
+        <p:spPr/>
+        <p:txBody>
+          <a:bodyPr/>
+          <a:lstStyle/>
+          <a:p>
+            <a:r>
+              <a:rPr lang="en-GB" dirty="0"/>
               <a:t>&gt;25 = 50% mortality</a:t>
             </a:r>
           </a:p>
@@ -1177,6 +1655,453 @@
     <p:extLst>
       <p:ext uri="{BB962C8B-B14F-4D97-AF65-F5344CB8AC3E}">
         <p14:creationId xmlns:p14="http://schemas.microsoft.com/office/powerpoint/2010/main" val="2431745800"/>
+      </p:ext>
+    </p:extLst>
+  </p:cSld>
+  <p:clrMapOvr>
+    <a:masterClrMapping/>
+  </p:clrMapOvr>
+</p:notes>
+</file>
+
+<file path=ppt/notesSlides/notesSlide5.xml><?xml version="1.0" encoding="utf-8"?>
+<p:notes xmlns:a="http://schemas.openxmlformats.org/drawingml/2006/main" xmlns:r="http://schemas.openxmlformats.org/officeDocument/2006/relationships" xmlns:p="http://schemas.openxmlformats.org/presentationml/2006/main">
+  <p:cSld>
+    <p:spTree>
+      <p:nvGrpSpPr>
+        <p:cNvPr id="1" name=""/>
+        <p:cNvGrpSpPr/>
+        <p:nvPr/>
+      </p:nvGrpSpPr>
+      <p:grpSpPr>
+        <a:xfrm>
+          <a:off x="0" y="0"/>
+          <a:ext cx="0" cy="0"/>
+          <a:chOff x="0" y="0"/>
+          <a:chExt cx="0" cy="0"/>
+        </a:xfrm>
+      </p:grpSpPr>
+      <p:sp>
+        <p:nvSpPr>
+          <p:cNvPr id="2" name="Slide Image Placeholder 1"/>
+          <p:cNvSpPr>
+            <a:spLocks noGrp="1" noRot="1" noChangeAspect="1"/>
+          </p:cNvSpPr>
+          <p:nvPr>
+            <p:ph type="sldImg"/>
+          </p:nvPr>
+        </p:nvSpPr>
+        <p:spPr/>
+      </p:sp>
+      <p:sp>
+        <p:nvSpPr>
+          <p:cNvPr id="3" name="Notes Placeholder 2"/>
+          <p:cNvSpPr>
+            <a:spLocks noGrp="1"/>
+          </p:cNvSpPr>
+          <p:nvPr>
+            <p:ph type="body" idx="1"/>
+          </p:nvPr>
+        </p:nvSpPr>
+        <p:spPr/>
+        <p:txBody>
+          <a:bodyPr/>
+          <a:lstStyle/>
+          <a:p>
+            <a:r>
+              <a:rPr lang="en-GB" dirty="0"/>
+              <a:t>Top left == better</a:t>
+            </a:r>
+          </a:p>
+        </p:txBody>
+      </p:sp>
+      <p:sp>
+        <p:nvSpPr>
+          <p:cNvPr id="4" name="Slide Number Placeholder 3"/>
+          <p:cNvSpPr>
+            <a:spLocks noGrp="1"/>
+          </p:cNvSpPr>
+          <p:nvPr>
+            <p:ph type="sldNum" sz="quarter" idx="5"/>
+          </p:nvPr>
+        </p:nvSpPr>
+        <p:spPr/>
+        <p:txBody>
+          <a:bodyPr/>
+          <a:lstStyle/>
+          <a:p>
+            <a:fld id="{480D76A7-B12C-4B91-9043-8CDACB5C84C0}" type="slidenum">
+              <a:rPr lang="en-GB" smtClean="0"/>
+              <a:t>7</a:t>
+            </a:fld>
+            <a:endParaRPr lang="en-GB"/>
+          </a:p>
+        </p:txBody>
+      </p:sp>
+    </p:spTree>
+    <p:extLst>
+      <p:ext uri="{BB962C8B-B14F-4D97-AF65-F5344CB8AC3E}">
+        <p14:creationId xmlns:p14="http://schemas.microsoft.com/office/powerpoint/2010/main" val="2660501411"/>
+      </p:ext>
+    </p:extLst>
+  </p:cSld>
+  <p:clrMapOvr>
+    <a:masterClrMapping/>
+  </p:clrMapOvr>
+</p:notes>
+</file>
+
+<file path=ppt/notesSlides/notesSlide6.xml><?xml version="1.0" encoding="utf-8"?>
+<p:notes xmlns:a="http://schemas.openxmlformats.org/drawingml/2006/main" xmlns:r="http://schemas.openxmlformats.org/officeDocument/2006/relationships" xmlns:p="http://schemas.openxmlformats.org/presentationml/2006/main">
+  <p:cSld>
+    <p:spTree>
+      <p:nvGrpSpPr>
+        <p:cNvPr id="1" name=""/>
+        <p:cNvGrpSpPr/>
+        <p:nvPr/>
+      </p:nvGrpSpPr>
+      <p:grpSpPr>
+        <a:xfrm>
+          <a:off x="0" y="0"/>
+          <a:ext cx="0" cy="0"/>
+          <a:chOff x="0" y="0"/>
+          <a:chExt cx="0" cy="0"/>
+        </a:xfrm>
+      </p:grpSpPr>
+      <p:sp>
+        <p:nvSpPr>
+          <p:cNvPr id="2" name="Slide Image Placeholder 1"/>
+          <p:cNvSpPr>
+            <a:spLocks noGrp="1" noRot="1" noChangeAspect="1"/>
+          </p:cNvSpPr>
+          <p:nvPr>
+            <p:ph type="sldImg"/>
+          </p:nvPr>
+        </p:nvSpPr>
+        <p:spPr/>
+      </p:sp>
+      <p:sp>
+        <p:nvSpPr>
+          <p:cNvPr id="3" name="Notes Placeholder 2"/>
+          <p:cNvSpPr>
+            <a:spLocks noGrp="1"/>
+          </p:cNvSpPr>
+          <p:nvPr>
+            <p:ph type="body" idx="1"/>
+          </p:nvPr>
+        </p:nvSpPr>
+        <p:spPr/>
+        <p:txBody>
+          <a:bodyPr/>
+          <a:lstStyle/>
+          <a:p>
+            <a:r>
+              <a:rPr lang="en-GB" dirty="0"/>
+              <a:t>Average must be sensible – critically ill patients not normal!</a:t>
+            </a:r>
+          </a:p>
+        </p:txBody>
+      </p:sp>
+      <p:sp>
+        <p:nvSpPr>
+          <p:cNvPr id="4" name="Slide Number Placeholder 3"/>
+          <p:cNvSpPr>
+            <a:spLocks noGrp="1"/>
+          </p:cNvSpPr>
+          <p:nvPr>
+            <p:ph type="sldNum" sz="quarter" idx="5"/>
+          </p:nvPr>
+        </p:nvSpPr>
+        <p:spPr/>
+        <p:txBody>
+          <a:bodyPr/>
+          <a:lstStyle/>
+          <a:p>
+            <a:fld id="{480D76A7-B12C-4B91-9043-8CDACB5C84C0}" type="slidenum">
+              <a:rPr lang="en-GB" smtClean="0"/>
+              <a:t>8</a:t>
+            </a:fld>
+            <a:endParaRPr lang="en-GB"/>
+          </a:p>
+        </p:txBody>
+      </p:sp>
+    </p:spTree>
+    <p:extLst>
+      <p:ext uri="{BB962C8B-B14F-4D97-AF65-F5344CB8AC3E}">
+        <p14:creationId xmlns:p14="http://schemas.microsoft.com/office/powerpoint/2010/main" val="3318136819"/>
+      </p:ext>
+    </p:extLst>
+  </p:cSld>
+  <p:clrMapOvr>
+    <a:masterClrMapping/>
+  </p:clrMapOvr>
+</p:notes>
+</file>
+
+<file path=ppt/notesSlides/notesSlide7.xml><?xml version="1.0" encoding="utf-8"?>
+<p:notes xmlns:a="http://schemas.openxmlformats.org/drawingml/2006/main" xmlns:r="http://schemas.openxmlformats.org/officeDocument/2006/relationships" xmlns:p="http://schemas.openxmlformats.org/presentationml/2006/main">
+  <p:cSld>
+    <p:spTree>
+      <p:nvGrpSpPr>
+        <p:cNvPr id="1" name=""/>
+        <p:cNvGrpSpPr/>
+        <p:nvPr/>
+      </p:nvGrpSpPr>
+      <p:grpSpPr>
+        <a:xfrm>
+          <a:off x="0" y="0"/>
+          <a:ext cx="0" cy="0"/>
+          <a:chOff x="0" y="0"/>
+          <a:chExt cx="0" cy="0"/>
+        </a:xfrm>
+      </p:grpSpPr>
+      <p:sp>
+        <p:nvSpPr>
+          <p:cNvPr id="2" name="Slide Image Placeholder 1"/>
+          <p:cNvSpPr>
+            <a:spLocks noGrp="1" noRot="1" noChangeAspect="1"/>
+          </p:cNvSpPr>
+          <p:nvPr>
+            <p:ph type="sldImg"/>
+          </p:nvPr>
+        </p:nvSpPr>
+        <p:spPr/>
+      </p:sp>
+      <p:sp>
+        <p:nvSpPr>
+          <p:cNvPr id="3" name="Notes Placeholder 2"/>
+          <p:cNvSpPr>
+            <a:spLocks noGrp="1"/>
+          </p:cNvSpPr>
+          <p:nvPr>
+            <p:ph type="body" idx="1"/>
+          </p:nvPr>
+        </p:nvSpPr>
+        <p:spPr/>
+        <p:txBody>
+          <a:bodyPr/>
+          <a:lstStyle/>
+          <a:p>
+            <a:r>
+              <a:rPr lang="en-GB" dirty="0"/>
+              <a:t>Explain mice – cross correlations, multiple imputation</a:t>
+            </a:r>
+          </a:p>
+        </p:txBody>
+      </p:sp>
+      <p:sp>
+        <p:nvSpPr>
+          <p:cNvPr id="4" name="Slide Number Placeholder 3"/>
+          <p:cNvSpPr>
+            <a:spLocks noGrp="1"/>
+          </p:cNvSpPr>
+          <p:nvPr>
+            <p:ph type="sldNum" sz="quarter" idx="5"/>
+          </p:nvPr>
+        </p:nvSpPr>
+        <p:spPr/>
+        <p:txBody>
+          <a:bodyPr/>
+          <a:lstStyle/>
+          <a:p>
+            <a:fld id="{480D76A7-B12C-4B91-9043-8CDACB5C84C0}" type="slidenum">
+              <a:rPr lang="en-GB" smtClean="0"/>
+              <a:t>10</a:t>
+            </a:fld>
+            <a:endParaRPr lang="en-GB"/>
+          </a:p>
+        </p:txBody>
+      </p:sp>
+    </p:spTree>
+    <p:extLst>
+      <p:ext uri="{BB962C8B-B14F-4D97-AF65-F5344CB8AC3E}">
+        <p14:creationId xmlns:p14="http://schemas.microsoft.com/office/powerpoint/2010/main" val="3918192983"/>
+      </p:ext>
+    </p:extLst>
+  </p:cSld>
+  <p:clrMapOvr>
+    <a:masterClrMapping/>
+  </p:clrMapOvr>
+</p:notes>
+</file>
+
+<file path=ppt/notesSlides/notesSlide8.xml><?xml version="1.0" encoding="utf-8"?>
+<p:notes xmlns:a="http://schemas.openxmlformats.org/drawingml/2006/main" xmlns:r="http://schemas.openxmlformats.org/officeDocument/2006/relationships" xmlns:p="http://schemas.openxmlformats.org/presentationml/2006/main">
+  <p:cSld>
+    <p:spTree>
+      <p:nvGrpSpPr>
+        <p:cNvPr id="1" name=""/>
+        <p:cNvGrpSpPr/>
+        <p:nvPr/>
+      </p:nvGrpSpPr>
+      <p:grpSpPr>
+        <a:xfrm>
+          <a:off x="0" y="0"/>
+          <a:ext cx="0" cy="0"/>
+          <a:chOff x="0" y="0"/>
+          <a:chExt cx="0" cy="0"/>
+        </a:xfrm>
+      </p:grpSpPr>
+      <p:sp>
+        <p:nvSpPr>
+          <p:cNvPr id="2" name="Slide Image Placeholder 1"/>
+          <p:cNvSpPr>
+            <a:spLocks noGrp="1" noRot="1" noChangeAspect="1"/>
+          </p:cNvSpPr>
+          <p:nvPr>
+            <p:ph type="sldImg"/>
+          </p:nvPr>
+        </p:nvSpPr>
+        <p:spPr/>
+      </p:sp>
+      <p:sp>
+        <p:nvSpPr>
+          <p:cNvPr id="3" name="Notes Placeholder 2"/>
+          <p:cNvSpPr>
+            <a:spLocks noGrp="1"/>
+          </p:cNvSpPr>
+          <p:nvPr>
+            <p:ph type="body" idx="1"/>
+          </p:nvPr>
+        </p:nvSpPr>
+        <p:spPr/>
+        <p:txBody>
+          <a:bodyPr/>
+          <a:lstStyle/>
+          <a:p>
+            <a:r>
+              <a:rPr lang="en-GB" dirty="0"/>
+              <a:t>Worst measurement of last 5</a:t>
+            </a:r>
+          </a:p>
+          <a:p>
+            <a:r>
+              <a:rPr lang="en-GB" dirty="0"/>
+              <a:t>Still relies on that data existing </a:t>
+            </a:r>
+          </a:p>
+          <a:p>
+            <a:r>
+              <a:rPr lang="en-GB" dirty="0"/>
+              <a:t>Impossible for admission</a:t>
+            </a:r>
+          </a:p>
+        </p:txBody>
+      </p:sp>
+      <p:sp>
+        <p:nvSpPr>
+          <p:cNvPr id="4" name="Slide Number Placeholder 3"/>
+          <p:cNvSpPr>
+            <a:spLocks noGrp="1"/>
+          </p:cNvSpPr>
+          <p:nvPr>
+            <p:ph type="sldNum" sz="quarter" idx="5"/>
+          </p:nvPr>
+        </p:nvSpPr>
+        <p:spPr/>
+        <p:txBody>
+          <a:bodyPr/>
+          <a:lstStyle/>
+          <a:p>
+            <a:fld id="{480D76A7-B12C-4B91-9043-8CDACB5C84C0}" type="slidenum">
+              <a:rPr lang="en-GB" smtClean="0"/>
+              <a:t>11</a:t>
+            </a:fld>
+            <a:endParaRPr lang="en-GB"/>
+          </a:p>
+        </p:txBody>
+      </p:sp>
+    </p:spTree>
+    <p:extLst>
+      <p:ext uri="{BB962C8B-B14F-4D97-AF65-F5344CB8AC3E}">
+        <p14:creationId xmlns:p14="http://schemas.microsoft.com/office/powerpoint/2010/main" val="2298779382"/>
+      </p:ext>
+    </p:extLst>
+  </p:cSld>
+  <p:clrMapOvr>
+    <a:masterClrMapping/>
+  </p:clrMapOvr>
+</p:notes>
+</file>
+
+<file path=ppt/notesSlides/notesSlide9.xml><?xml version="1.0" encoding="utf-8"?>
+<p:notes xmlns:a="http://schemas.openxmlformats.org/drawingml/2006/main" xmlns:r="http://schemas.openxmlformats.org/officeDocument/2006/relationships" xmlns:p="http://schemas.openxmlformats.org/presentationml/2006/main">
+  <p:cSld>
+    <p:spTree>
+      <p:nvGrpSpPr>
+        <p:cNvPr id="1" name=""/>
+        <p:cNvGrpSpPr/>
+        <p:nvPr/>
+      </p:nvGrpSpPr>
+      <p:grpSpPr>
+        <a:xfrm>
+          <a:off x="0" y="0"/>
+          <a:ext cx="0" cy="0"/>
+          <a:chOff x="0" y="0"/>
+          <a:chExt cx="0" cy="0"/>
+        </a:xfrm>
+      </p:grpSpPr>
+      <p:sp>
+        <p:nvSpPr>
+          <p:cNvPr id="2" name="Slide Image Placeholder 1"/>
+          <p:cNvSpPr>
+            <a:spLocks noGrp="1" noRot="1" noChangeAspect="1"/>
+          </p:cNvSpPr>
+          <p:nvPr>
+            <p:ph type="sldImg"/>
+          </p:nvPr>
+        </p:nvSpPr>
+        <p:spPr/>
+      </p:sp>
+      <p:sp>
+        <p:nvSpPr>
+          <p:cNvPr id="3" name="Notes Placeholder 2"/>
+          <p:cNvSpPr>
+            <a:spLocks noGrp="1"/>
+          </p:cNvSpPr>
+          <p:nvPr>
+            <p:ph type="body" idx="1"/>
+          </p:nvPr>
+        </p:nvSpPr>
+        <p:spPr/>
+        <p:txBody>
+          <a:bodyPr/>
+          <a:lstStyle/>
+          <a:p>
+            <a:r>
+              <a:rPr lang="en-GB" dirty="0"/>
+              <a:t>Next steps – publication to advise future work in model building or clinical use</a:t>
+            </a:r>
+          </a:p>
+        </p:txBody>
+      </p:sp>
+      <p:sp>
+        <p:nvSpPr>
+          <p:cNvPr id="4" name="Slide Number Placeholder 3"/>
+          <p:cNvSpPr>
+            <a:spLocks noGrp="1"/>
+          </p:cNvSpPr>
+          <p:nvPr>
+            <p:ph type="sldNum" sz="quarter" idx="5"/>
+          </p:nvPr>
+        </p:nvSpPr>
+        <p:spPr/>
+        <p:txBody>
+          <a:bodyPr/>
+          <a:lstStyle/>
+          <a:p>
+            <a:fld id="{480D76A7-B12C-4B91-9043-8CDACB5C84C0}" type="slidenum">
+              <a:rPr lang="en-GB" smtClean="0"/>
+              <a:t>12</a:t>
+            </a:fld>
+            <a:endParaRPr lang="en-GB"/>
+          </a:p>
+        </p:txBody>
+      </p:sp>
+    </p:spTree>
+    <p:extLst>
+      <p:ext uri="{BB962C8B-B14F-4D97-AF65-F5344CB8AC3E}">
+        <p14:creationId xmlns:p14="http://schemas.microsoft.com/office/powerpoint/2010/main" val="2585251827"/>
       </p:ext>
     </p:extLst>
   </p:cSld>
@@ -1335,7 +2260,7 @@
           <a:p>
             <a:fld id="{6FCF016E-8032-4CD7-9F9A-D578D80BA109}" type="datetimeFigureOut">
               <a:rPr lang="en-GB" smtClean="0"/>
-              <a:t>26/03/2021</a:t>
+              <a:t>08/04/2021</a:t>
             </a:fld>
             <a:endParaRPr lang="en-GB"/>
           </a:p>
@@ -1535,7 +2460,7 @@
           <a:p>
             <a:fld id="{6FCF016E-8032-4CD7-9F9A-D578D80BA109}" type="datetimeFigureOut">
               <a:rPr lang="en-GB" smtClean="0"/>
-              <a:t>26/03/2021</a:t>
+              <a:t>08/04/2021</a:t>
             </a:fld>
             <a:endParaRPr lang="en-GB"/>
           </a:p>
@@ -1745,7 +2670,7 @@
           <a:p>
             <a:fld id="{6FCF016E-8032-4CD7-9F9A-D578D80BA109}" type="datetimeFigureOut">
               <a:rPr lang="en-GB" smtClean="0"/>
-              <a:t>26/03/2021</a:t>
+              <a:t>08/04/2021</a:t>
             </a:fld>
             <a:endParaRPr lang="en-GB"/>
           </a:p>
@@ -1945,7 +2870,7 @@
           <a:p>
             <a:fld id="{6FCF016E-8032-4CD7-9F9A-D578D80BA109}" type="datetimeFigureOut">
               <a:rPr lang="en-GB" smtClean="0"/>
-              <a:t>26/03/2021</a:t>
+              <a:t>08/04/2021</a:t>
             </a:fld>
             <a:endParaRPr lang="en-GB"/>
           </a:p>
@@ -2221,7 +3146,7 @@
           <a:p>
             <a:fld id="{6FCF016E-8032-4CD7-9F9A-D578D80BA109}" type="datetimeFigureOut">
               <a:rPr lang="en-GB" smtClean="0"/>
-              <a:t>26/03/2021</a:t>
+              <a:t>08/04/2021</a:t>
             </a:fld>
             <a:endParaRPr lang="en-GB"/>
           </a:p>
@@ -2489,7 +3414,7 @@
           <a:p>
             <a:fld id="{6FCF016E-8032-4CD7-9F9A-D578D80BA109}" type="datetimeFigureOut">
               <a:rPr lang="en-GB" smtClean="0"/>
-              <a:t>26/03/2021</a:t>
+              <a:t>08/04/2021</a:t>
             </a:fld>
             <a:endParaRPr lang="en-GB"/>
           </a:p>
@@ -2904,7 +3829,7 @@
           <a:p>
             <a:fld id="{6FCF016E-8032-4CD7-9F9A-D578D80BA109}" type="datetimeFigureOut">
               <a:rPr lang="en-GB" smtClean="0"/>
-              <a:t>26/03/2021</a:t>
+              <a:t>08/04/2021</a:t>
             </a:fld>
             <a:endParaRPr lang="en-GB"/>
           </a:p>
@@ -3046,7 +3971,7 @@
           <a:p>
             <a:fld id="{6FCF016E-8032-4CD7-9F9A-D578D80BA109}" type="datetimeFigureOut">
               <a:rPr lang="en-GB" smtClean="0"/>
-              <a:t>26/03/2021</a:t>
+              <a:t>08/04/2021</a:t>
             </a:fld>
             <a:endParaRPr lang="en-GB"/>
           </a:p>
@@ -3159,7 +4084,7 @@
           <a:p>
             <a:fld id="{6FCF016E-8032-4CD7-9F9A-D578D80BA109}" type="datetimeFigureOut">
               <a:rPr lang="en-GB" smtClean="0"/>
-              <a:t>26/03/2021</a:t>
+              <a:t>08/04/2021</a:t>
             </a:fld>
             <a:endParaRPr lang="en-GB"/>
           </a:p>
@@ -3472,7 +4397,7 @@
           <a:p>
             <a:fld id="{6FCF016E-8032-4CD7-9F9A-D578D80BA109}" type="datetimeFigureOut">
               <a:rPr lang="en-GB" smtClean="0"/>
-              <a:t>26/03/2021</a:t>
+              <a:t>08/04/2021</a:t>
             </a:fld>
             <a:endParaRPr lang="en-GB"/>
           </a:p>
@@ -3761,7 +4686,7 @@
           <a:p>
             <a:fld id="{6FCF016E-8032-4CD7-9F9A-D578D80BA109}" type="datetimeFigureOut">
               <a:rPr lang="en-GB" smtClean="0"/>
-              <a:t>26/03/2021</a:t>
+              <a:t>08/04/2021</a:t>
             </a:fld>
             <a:endParaRPr lang="en-GB"/>
           </a:p>
@@ -4013,7 +4938,7 @@
           <a:p>
             <a:fld id="{6FCF016E-8032-4CD7-9F9A-D578D80BA109}" type="datetimeFigureOut">
               <a:rPr lang="en-GB" smtClean="0"/>
-              <a:t>26/03/2021</a:t>
+              <a:t>08/04/2021</a:t>
             </a:fld>
             <a:endParaRPr lang="en-GB"/>
           </a:p>
@@ -4745,7 +5670,7 @@
           <p:nvPr/>
         </p:nvPicPr>
         <p:blipFill>
-          <a:blip r:embed="rId2">
+          <a:blip r:embed="rId3">
             <a:extLst>
               <a:ext uri="{28A0092B-C50C-407E-A947-70E740481C1C}">
                 <a14:useLocalDpi xmlns:a14="http://schemas.microsoft.com/office/drawing/2010/main" val="0"/>
@@ -4795,7 +5720,7 @@
           <a:p>
             <a:r>
               <a:rPr lang="en-GB" sz="4000" dirty="0"/>
-              <a:t>Cross-sectional imputation methods perform equally well</a:t>
+              <a:t>MICE performs particularly well on discharge scores</a:t>
             </a:r>
           </a:p>
         </p:txBody>
@@ -4803,7 +5728,7 @@
     </p:spTree>
     <p:extLst>
       <p:ext uri="{BB962C8B-B14F-4D97-AF65-F5344CB8AC3E}">
-        <p14:creationId xmlns:p14="http://schemas.microsoft.com/office/powerpoint/2010/main" val="894707580"/>
+        <p14:creationId xmlns:p14="http://schemas.microsoft.com/office/powerpoint/2010/main" val="4044003450"/>
       </p:ext>
     </p:extLst>
   </p:cSld>
@@ -4845,7 +5770,7 @@
           <p:nvPr/>
         </p:nvPicPr>
         <p:blipFill>
-          <a:blip r:embed="rId2">
+          <a:blip r:embed="rId3">
             <a:extLst>
               <a:ext uri="{28A0092B-C50C-407E-A947-70E740481C1C}">
                 <a14:useLocalDpi xmlns:a14="http://schemas.microsoft.com/office/drawing/2010/main" val="0"/>
@@ -4857,8 +5782,8 @@
         </p:blipFill>
         <p:spPr>
           <a:xfrm>
-            <a:off x="12179" y="1819646"/>
-            <a:ext cx="12167641" cy="5038354"/>
+            <a:off x="12180" y="1819647"/>
+            <a:ext cx="12167638" cy="5038353"/>
           </a:xfrm>
           <a:prstGeom prst="rect">
             <a:avLst/>
@@ -4883,7 +5808,7 @@
         </p:nvSpPr>
         <p:spPr>
           <a:xfrm>
-            <a:off x="80743" y="494083"/>
+            <a:off x="80743" y="494084"/>
             <a:ext cx="12030512" cy="1325563"/>
           </a:xfrm>
         </p:spPr>
@@ -4895,7 +5820,7 @@
           <a:p>
             <a:r>
               <a:rPr lang="en-GB" sz="4000" dirty="0"/>
-              <a:t>MICE performs particularly well on discharge scores</a:t>
+              <a:t>Even simple longitudinal methods perform very well</a:t>
             </a:r>
           </a:p>
         </p:txBody>
@@ -4903,7 +5828,7 @@
     </p:spTree>
     <p:extLst>
       <p:ext uri="{BB962C8B-B14F-4D97-AF65-F5344CB8AC3E}">
-        <p14:creationId xmlns:p14="http://schemas.microsoft.com/office/powerpoint/2010/main" val="4044003450"/>
+        <p14:creationId xmlns:p14="http://schemas.microsoft.com/office/powerpoint/2010/main" val="2624318557"/>
       </p:ext>
     </p:extLst>
   </p:cSld>
@@ -4930,106 +5855,6 @@
           <a:chExt cx="0" cy="0"/>
         </a:xfrm>
       </p:grpSpPr>
-      <p:pic>
-        <p:nvPicPr>
-          <p:cNvPr id="6" name="Picture 5">
-            <a:extLst>
-              <a:ext uri="{FF2B5EF4-FFF2-40B4-BE49-F238E27FC236}">
-                <a16:creationId xmlns:a16="http://schemas.microsoft.com/office/drawing/2014/main" id="{BBD6D6F2-794C-4782-8246-1584601CA460}"/>
-              </a:ext>
-            </a:extLst>
-          </p:cNvPr>
-          <p:cNvPicPr>
-            <a:picLocks noChangeAspect="1"/>
-          </p:cNvPicPr>
-          <p:nvPr/>
-        </p:nvPicPr>
-        <p:blipFill>
-          <a:blip r:embed="rId2">
-            <a:extLst>
-              <a:ext uri="{28A0092B-C50C-407E-A947-70E740481C1C}">
-                <a14:useLocalDpi xmlns:a14="http://schemas.microsoft.com/office/drawing/2010/main" val="0"/>
-              </a:ext>
-            </a:extLst>
-          </a:blip>
-          <a:srcRect/>
-          <a:stretch/>
-        </p:blipFill>
-        <p:spPr>
-          <a:xfrm>
-            <a:off x="12180" y="1819647"/>
-            <a:ext cx="12167639" cy="5038353"/>
-          </a:xfrm>
-          <a:prstGeom prst="rect">
-            <a:avLst/>
-          </a:prstGeom>
-        </p:spPr>
-      </p:pic>
-      <p:sp>
-        <p:nvSpPr>
-          <p:cNvPr id="7" name="Title 1">
-            <a:extLst>
-              <a:ext uri="{FF2B5EF4-FFF2-40B4-BE49-F238E27FC236}">
-                <a16:creationId xmlns:a16="http://schemas.microsoft.com/office/drawing/2014/main" id="{6D03446D-77FA-40DE-8B93-163AAC7C446A}"/>
-              </a:ext>
-            </a:extLst>
-          </p:cNvPr>
-          <p:cNvSpPr>
-            <a:spLocks noGrp="1"/>
-          </p:cNvSpPr>
-          <p:nvPr>
-            <p:ph type="title"/>
-          </p:nvPr>
-        </p:nvSpPr>
-        <p:spPr>
-          <a:xfrm>
-            <a:off x="80743" y="494084"/>
-            <a:ext cx="12030512" cy="1325563"/>
-          </a:xfrm>
-        </p:spPr>
-        <p:txBody>
-          <a:bodyPr>
-            <a:normAutofit/>
-          </a:bodyPr>
-          <a:lstStyle/>
-          <a:p>
-            <a:r>
-              <a:rPr lang="en-GB" sz="4000" dirty="0"/>
-              <a:t>Even simple longitudinal methods perform very well</a:t>
-            </a:r>
-          </a:p>
-        </p:txBody>
-      </p:sp>
-    </p:spTree>
-    <p:extLst>
-      <p:ext uri="{BB962C8B-B14F-4D97-AF65-F5344CB8AC3E}">
-        <p14:creationId xmlns:p14="http://schemas.microsoft.com/office/powerpoint/2010/main" val="2624318557"/>
-      </p:ext>
-    </p:extLst>
-  </p:cSld>
-  <p:clrMapOvr>
-    <a:masterClrMapping/>
-  </p:clrMapOvr>
-</p:sld>
-</file>
-
-<file path=ppt/slides/slide13.xml><?xml version="1.0" encoding="utf-8"?>
-<p:sld xmlns:a="http://schemas.openxmlformats.org/drawingml/2006/main" xmlns:r="http://schemas.openxmlformats.org/officeDocument/2006/relationships" xmlns:p="http://schemas.openxmlformats.org/presentationml/2006/main">
-  <p:cSld>
-    <p:spTree>
-      <p:nvGrpSpPr>
-        <p:cNvPr id="1" name=""/>
-        <p:cNvGrpSpPr/>
-        <p:nvPr/>
-      </p:nvGrpSpPr>
-      <p:grpSpPr>
-        <a:xfrm>
-          <a:off x="0" y="0"/>
-          <a:ext cx="0" cy="0"/>
-          <a:chOff x="0" y="0"/>
-          <a:chExt cx="0" cy="0"/>
-        </a:xfrm>
-      </p:grpSpPr>
       <p:sp>
         <p:nvSpPr>
           <p:cNvPr id="2" name="Title 1">
@@ -5086,7 +5911,9 @@
           </a:xfrm>
         </p:spPr>
         <p:txBody>
-          <a:bodyPr/>
+          <a:bodyPr>
+            <a:normAutofit/>
+          </a:bodyPr>
           <a:lstStyle/>
           <a:p>
             <a:r>
@@ -5127,10 +5954,10 @@
       </p:sp>
       <p:sp>
         <p:nvSpPr>
-          <p:cNvPr id="4" name="Title 1">
+          <p:cNvPr id="12" name="Title 1">
             <a:extLst>
               <a:ext uri="{FF2B5EF4-FFF2-40B4-BE49-F238E27FC236}">
-                <a16:creationId xmlns:a16="http://schemas.microsoft.com/office/drawing/2014/main" id="{66F6B342-DE7C-4097-952F-CD793EF68729}"/>
+                <a16:creationId xmlns:a16="http://schemas.microsoft.com/office/drawing/2014/main" id="{D1D934A5-14A3-4597-A4DA-83E97A16DC03}"/>
               </a:ext>
             </a:extLst>
           </p:cNvPr>
@@ -5141,8 +5968,8 @@
         </p:nvSpPr>
         <p:spPr>
           <a:xfrm>
-            <a:off x="838199" y="3871464"/>
-            <a:ext cx="10515600" cy="963161"/>
+            <a:off x="838200" y="3615485"/>
+            <a:ext cx="10515600" cy="1325563"/>
           </a:xfrm>
           <a:prstGeom prst="rect">
             <a:avLst/>
@@ -5174,17 +6001,17 @@
           <a:p>
             <a:r>
               <a:rPr lang="en-GB" dirty="0"/>
-              <a:t>Acknowledgements</a:t>
+              <a:t>Next steps</a:t>
             </a:r>
           </a:p>
         </p:txBody>
       </p:sp>
       <p:sp>
         <p:nvSpPr>
-          <p:cNvPr id="5" name="Content Placeholder 2">
+          <p:cNvPr id="13" name="Content Placeholder 2">
             <a:extLst>
               <a:ext uri="{FF2B5EF4-FFF2-40B4-BE49-F238E27FC236}">
-                <a16:creationId xmlns:a16="http://schemas.microsoft.com/office/drawing/2014/main" id="{FC71C1B4-46D7-4598-B8D2-B2C348267578}"/>
+                <a16:creationId xmlns:a16="http://schemas.microsoft.com/office/drawing/2014/main" id="{09B6FB07-F5A1-4F70-B214-3CA434E5DBE0}"/>
               </a:ext>
             </a:extLst>
           </p:cNvPr>
@@ -5195,8 +6022,8 @@
         </p:nvSpPr>
         <p:spPr>
           <a:xfrm>
-            <a:off x="838199" y="4724400"/>
-            <a:ext cx="10940845" cy="1934509"/>
+            <a:off x="838200" y="4770719"/>
+            <a:ext cx="10515600" cy="2188882"/>
           </a:xfrm>
           <a:prstGeom prst="rect">
             <a:avLst/>
@@ -5204,7 +6031,7 @@
         </p:spPr>
         <p:txBody>
           <a:bodyPr vert="horz" lIns="91440" tIns="45720" rIns="91440" bIns="45720" rtlCol="0">
-            <a:normAutofit lnSpcReduction="10000"/>
+            <a:normAutofit/>
           </a:bodyPr>
           <a:lstStyle>
             <a:lvl1pPr marL="228600" indent="-228600" algn="l" defTabSz="914400" rtl="0" eaLnBrk="1" latinLnBrk="0" hangingPunct="1">
@@ -5372,293 +6199,21 @@
           </a:lstStyle>
           <a:p>
             <a:r>
-              <a:rPr lang="en-GB" sz="2000" dirty="0"/>
-              <a:t>Alwyn </a:t>
-            </a:r>
-            <a:r>
-              <a:rPr lang="en-GB" sz="2000" dirty="0" err="1"/>
-              <a:t>Kotzé</a:t>
-            </a:r>
-            <a:endParaRPr lang="en-GB" sz="2000" dirty="0"/>
-          </a:p>
-          <a:p>
-            <a:r>
-              <a:rPr lang="en-GB" sz="2000" dirty="0"/>
-              <a:t>David Wong</a:t>
-            </a:r>
-          </a:p>
-          <a:p>
-            <a:r>
-              <a:rPr lang="en-GB" sz="2000" dirty="0"/>
-              <a:t>Peter Tennant</a:t>
-            </a:r>
-          </a:p>
-          <a:p>
-            <a:r>
-              <a:rPr lang="en-GB" sz="2000" dirty="0"/>
-              <a:t>Simon Howell </a:t>
-            </a:r>
-          </a:p>
-          <a:p>
-            <a:r>
-              <a:rPr lang="en-GB" sz="2000" dirty="0"/>
-              <a:t>MIMIC-III team at MIT</a:t>
-            </a:r>
-            <a:endParaRPr lang="en-GB" sz="1800" dirty="0"/>
-          </a:p>
-        </p:txBody>
-      </p:sp>
-      <p:pic>
-        <p:nvPicPr>
-          <p:cNvPr id="6" name="Picture 2" descr="David Wong - Lecturer in Artificial Intelligence in Healthcare - University  of Manchester | LinkedIn">
-            <a:extLst>
-              <a:ext uri="{FF2B5EF4-FFF2-40B4-BE49-F238E27FC236}">
-                <a16:creationId xmlns:a16="http://schemas.microsoft.com/office/drawing/2014/main" id="{1B73BA46-BAC8-4F57-B528-36315F08841C}"/>
-              </a:ext>
-            </a:extLst>
-          </p:cNvPr>
-          <p:cNvPicPr>
-            <a:picLocks noChangeAspect="1" noChangeArrowheads="1"/>
-          </p:cNvPicPr>
-          <p:nvPr/>
-        </p:nvPicPr>
-        <p:blipFill rotWithShape="1">
-          <a:blip r:embed="rId2">
-            <a:extLst>
-              <a:ext uri="{28A0092B-C50C-407E-A947-70E740481C1C}">
-                <a14:useLocalDpi xmlns:a14="http://schemas.microsoft.com/office/drawing/2010/main" val="0"/>
-              </a:ext>
-            </a:extLst>
-          </a:blip>
-          <a:srcRect l="16667" r="5381"/>
-          <a:stretch/>
-        </p:blipFill>
-        <p:spPr bwMode="auto">
-          <a:xfrm>
-            <a:off x="4947179" y="4724400"/>
-            <a:ext cx="1363544" cy="1749192"/>
-          </a:xfrm>
-          <a:prstGeom prst="rect">
-            <a:avLst/>
-          </a:prstGeom>
-          <a:noFill/>
-          <a:extLst>
-            <a:ext uri="{909E8E84-426E-40DD-AFC4-6F175D3DCCD1}">
-              <a14:hiddenFill xmlns:a14="http://schemas.microsoft.com/office/drawing/2010/main">
-                <a:solidFill>
-                  <a:srgbClr val="FFFFFF"/>
-                </a:solidFill>
-              </a14:hiddenFill>
-            </a:ext>
-          </a:extLst>
-        </p:spPr>
-      </p:pic>
-      <p:pic>
-        <p:nvPicPr>
-          <p:cNvPr id="7" name="Picture 4" descr="British Society of Orthopaedic Anaesthetists Spring Scientific Meeting  Abstracts and Biographies for Chester Meeting 29th April">
-            <a:extLst>
-              <a:ext uri="{FF2B5EF4-FFF2-40B4-BE49-F238E27FC236}">
-                <a16:creationId xmlns:a16="http://schemas.microsoft.com/office/drawing/2014/main" id="{FED17A5A-DA96-41E9-A7E6-9C3879C402D9}"/>
-              </a:ext>
-            </a:extLst>
-          </p:cNvPr>
-          <p:cNvPicPr>
-            <a:picLocks noChangeAspect="1" noChangeArrowheads="1"/>
-          </p:cNvPicPr>
-          <p:nvPr/>
-        </p:nvPicPr>
-        <p:blipFill>
-          <a:blip r:embed="rId3">
-            <a:extLst>
-              <a:ext uri="{28A0092B-C50C-407E-A947-70E740481C1C}">
-                <a14:useLocalDpi xmlns:a14="http://schemas.microsoft.com/office/drawing/2010/main" val="0"/>
-              </a:ext>
-            </a:extLst>
-          </a:blip>
-          <a:srcRect/>
-          <a:stretch>
-            <a:fillRect/>
-          </a:stretch>
-        </p:blipFill>
-        <p:spPr bwMode="auto">
-          <a:xfrm>
-            <a:off x="3583636" y="4724400"/>
-            <a:ext cx="1363543" cy="1749192"/>
-          </a:xfrm>
-          <a:prstGeom prst="rect">
-            <a:avLst/>
-          </a:prstGeom>
-          <a:noFill/>
-          <a:extLst>
-            <a:ext uri="{909E8E84-426E-40DD-AFC4-6F175D3DCCD1}">
-              <a14:hiddenFill xmlns:a14="http://schemas.microsoft.com/office/drawing/2010/main">
-                <a:solidFill>
-                  <a:srgbClr val="FFFFFF"/>
-                </a:solidFill>
-              </a14:hiddenFill>
-            </a:ext>
-          </a:extLst>
-        </p:spPr>
-      </p:pic>
-      <p:pic>
-        <p:nvPicPr>
-          <p:cNvPr id="8" name="Picture 6" descr="Previous Research Prioritisation Exercises - The National Institute of  Academic Anaesthesia">
-            <a:extLst>
-              <a:ext uri="{FF2B5EF4-FFF2-40B4-BE49-F238E27FC236}">
-                <a16:creationId xmlns:a16="http://schemas.microsoft.com/office/drawing/2014/main" id="{FA5E20C0-2E09-4961-AB99-D7E758FD223C}"/>
-              </a:ext>
-            </a:extLst>
-          </p:cNvPr>
-          <p:cNvPicPr>
-            <a:picLocks noChangeAspect="1" noChangeArrowheads="1"/>
-          </p:cNvPicPr>
-          <p:nvPr/>
-        </p:nvPicPr>
-        <p:blipFill rotWithShape="1">
-          <a:blip r:embed="rId4">
-            <a:extLst>
-              <a:ext uri="{28A0092B-C50C-407E-A947-70E740481C1C}">
-                <a14:useLocalDpi xmlns:a14="http://schemas.microsoft.com/office/drawing/2010/main" val="0"/>
-              </a:ext>
-            </a:extLst>
-          </a:blip>
-          <a:srcRect t="6521"/>
-          <a:stretch/>
-        </p:blipFill>
-        <p:spPr bwMode="auto">
-          <a:xfrm>
-            <a:off x="7531147" y="4724400"/>
-            <a:ext cx="1222526" cy="1749193"/>
-          </a:xfrm>
-          <a:prstGeom prst="rect">
-            <a:avLst/>
-          </a:prstGeom>
-          <a:noFill/>
-          <a:extLst>
-            <a:ext uri="{909E8E84-426E-40DD-AFC4-6F175D3DCCD1}">
-              <a14:hiddenFill xmlns:a14="http://schemas.microsoft.com/office/drawing/2010/main">
-                <a:solidFill>
-                  <a:srgbClr val="FFFFFF"/>
-                </a:solidFill>
-              </a14:hiddenFill>
-            </a:ext>
-          </a:extLst>
-        </p:spPr>
-      </p:pic>
-      <p:pic>
-        <p:nvPicPr>
-          <p:cNvPr id="9" name="Picture 8" descr="Peter Tennant | The Alan Turing Institute">
-            <a:extLst>
-              <a:ext uri="{FF2B5EF4-FFF2-40B4-BE49-F238E27FC236}">
-                <a16:creationId xmlns:a16="http://schemas.microsoft.com/office/drawing/2014/main" id="{7A2F83D3-F763-4631-8605-609784C33B8F}"/>
-              </a:ext>
-            </a:extLst>
-          </p:cNvPr>
-          <p:cNvPicPr>
-            <a:picLocks noChangeAspect="1" noChangeArrowheads="1"/>
-          </p:cNvPicPr>
-          <p:nvPr/>
-        </p:nvPicPr>
-        <p:blipFill rotWithShape="1">
-          <a:blip r:embed="rId5">
-            <a:extLst>
-              <a:ext uri="{28A0092B-C50C-407E-A947-70E740481C1C}">
-                <a14:useLocalDpi xmlns:a14="http://schemas.microsoft.com/office/drawing/2010/main" val="0"/>
-              </a:ext>
-            </a:extLst>
-          </a:blip>
-          <a:srcRect r="16131"/>
-          <a:stretch/>
-        </p:blipFill>
-        <p:spPr bwMode="auto">
-          <a:xfrm>
-            <a:off x="6308621" y="4724400"/>
-            <a:ext cx="1222526" cy="1749192"/>
-          </a:xfrm>
-          <a:prstGeom prst="rect">
-            <a:avLst/>
-          </a:prstGeom>
-          <a:noFill/>
-          <a:extLst>
-            <a:ext uri="{909E8E84-426E-40DD-AFC4-6F175D3DCCD1}">
-              <a14:hiddenFill xmlns:a14="http://schemas.microsoft.com/office/drawing/2010/main">
-                <a:solidFill>
-                  <a:srgbClr val="FFFFFF"/>
-                </a:solidFill>
-              </a14:hiddenFill>
-            </a:ext>
-          </a:extLst>
-        </p:spPr>
-      </p:pic>
-      <p:pic>
-        <p:nvPicPr>
-          <p:cNvPr id="10" name="Picture 9" descr="A picture containing person, smiling, indoor, posing&#10;&#10;Description automatically generated">
-            <a:extLst>
-              <a:ext uri="{FF2B5EF4-FFF2-40B4-BE49-F238E27FC236}">
-                <a16:creationId xmlns:a16="http://schemas.microsoft.com/office/drawing/2014/main" id="{FC30A0EC-4DFE-46EA-A304-7EDAEA7EA9D6}"/>
-              </a:ext>
-            </a:extLst>
-          </p:cNvPr>
-          <p:cNvPicPr>
-            <a:picLocks noChangeAspect="1"/>
-          </p:cNvPicPr>
-          <p:nvPr/>
-        </p:nvPicPr>
-        <p:blipFill rotWithShape="1">
-          <a:blip r:embed="rId6"/>
-          <a:srcRect r="9882"/>
-          <a:stretch/>
-        </p:blipFill>
-        <p:spPr>
-          <a:xfrm>
-            <a:off x="9974097" y="4685326"/>
-            <a:ext cx="1576336" cy="1749194"/>
-          </a:xfrm>
-          <a:prstGeom prst="rect">
-            <a:avLst/>
-          </a:prstGeom>
-        </p:spPr>
-      </p:pic>
-      <p:sp>
-        <p:nvSpPr>
-          <p:cNvPr id="11" name="Rectangle 10">
-            <a:extLst>
-              <a:ext uri="{FF2B5EF4-FFF2-40B4-BE49-F238E27FC236}">
-                <a16:creationId xmlns:a16="http://schemas.microsoft.com/office/drawing/2014/main" id="{43E0419C-094C-4FA8-BBF4-E121ACA3E59A}"/>
-              </a:ext>
-            </a:extLst>
-          </p:cNvPr>
-          <p:cNvSpPr/>
-          <p:nvPr/>
-        </p:nvSpPr>
-        <p:spPr>
-          <a:xfrm>
-            <a:off x="8998691" y="3999101"/>
-            <a:ext cx="3193309" cy="707886"/>
-          </a:xfrm>
-          <a:prstGeom prst="rect">
-            <a:avLst/>
-          </a:prstGeom>
-        </p:spPr>
-        <p:txBody>
-          <a:bodyPr wrap="square">
-            <a:spAutoFit/>
-          </a:bodyPr>
-          <a:lstStyle/>
-          <a:p>
-            <a:pPr algn="ctr"/>
-            <a:r>
-              <a:rPr lang="en-GB" sz="2000" dirty="0"/>
-              <a:t>Twitter: @b_t_cooper</a:t>
-            </a:r>
-          </a:p>
-          <a:p>
-            <a:pPr algn="ctr"/>
-            <a:r>
-              <a:rPr lang="en-GB" sz="2000" dirty="0"/>
-              <a:t>Email: b.cooper@leeds.ac.uk</a:t>
-            </a:r>
-            <a:endParaRPr lang="en-GB" dirty="0"/>
+              <a:rPr lang="en-GB" dirty="0"/>
+              <a:t>Preparing work for publication</a:t>
+            </a:r>
+          </a:p>
+          <a:p>
+            <a:r>
+              <a:rPr lang="en-GB" dirty="0"/>
+              <a:t>Use to prepare cohort data for future model-building</a:t>
+            </a:r>
+          </a:p>
+          <a:p>
+            <a:r>
+              <a:rPr lang="en-GB" dirty="0"/>
+              <a:t>Improve clinical use of models</a:t>
+            </a:r>
           </a:p>
         </p:txBody>
       </p:sp>
@@ -5853,7 +6408,7 @@
                                           </p:stCondLst>
                                         </p:cTn>
                                         <p:tgtEl>
-                                          <p:spTgt spid="4"/>
+                                          <p:spTgt spid="12"/>
                                         </p:tgtEl>
                                         <p:attrNameLst>
                                           <p:attrName>style.visibility</p:attrName>
@@ -5880,7 +6435,11 @@
                                           </p:stCondLst>
                                         </p:cTn>
                                         <p:tgtEl>
-                                          <p:spTgt spid="5"/>
+                                          <p:spTgt spid="13">
+                                            <p:txEl>
+                                              <p:pRg st="0" end="0"/>
+                                            </p:txEl>
+                                          </p:spTgt>
                                         </p:tgtEl>
                                         <p:attrNameLst>
                                           <p:attrName>style.visibility</p:attrName>
@@ -5893,21 +6452,43 @@
                                   </p:childTnLst>
                                 </p:cTn>
                               </p:par>
+                            </p:childTnLst>
+                          </p:cTn>
+                        </p:par>
+                      </p:childTnLst>
+                    </p:cTn>
+                  </p:par>
+                  <p:par>
+                    <p:cTn id="21" fill="hold">
+                      <p:stCondLst>
+                        <p:cond delay="indefinite"/>
+                      </p:stCondLst>
+                      <p:childTnLst>
+                        <p:par>
+                          <p:cTn id="22" fill="hold">
+                            <p:stCondLst>
+                              <p:cond delay="0"/>
+                            </p:stCondLst>
+                            <p:childTnLst>
                               <p:par>
-                                <p:cTn id="21" presetID="1" presetClass="entr" presetSubtype="0" fill="hold" nodeType="withEffect">
+                                <p:cTn id="23" presetID="1" presetClass="entr" presetSubtype="0" fill="hold" grpId="0" nodeType="clickEffect">
                                   <p:stCondLst>
                                     <p:cond delay="0"/>
                                   </p:stCondLst>
                                   <p:childTnLst>
                                     <p:set>
                                       <p:cBhvr>
-                                        <p:cTn id="22" dur="1" fill="hold">
+                                        <p:cTn id="24" dur="1" fill="hold">
                                           <p:stCondLst>
                                             <p:cond delay="0"/>
                                           </p:stCondLst>
                                         </p:cTn>
                                         <p:tgtEl>
-                                          <p:spTgt spid="7"/>
+                                          <p:spTgt spid="13">
+                                            <p:txEl>
+                                              <p:pRg st="1" end="1"/>
+                                            </p:txEl>
+                                          </p:spTgt>
                                         </p:tgtEl>
                                         <p:attrNameLst>
                                           <p:attrName>style.visibility</p:attrName>
@@ -5920,62 +6501,26 @@
                                   </p:childTnLst>
                                 </p:cTn>
                               </p:par>
+                            </p:childTnLst>
+                          </p:cTn>
+                        </p:par>
+                      </p:childTnLst>
+                    </p:cTn>
+                  </p:par>
+                  <p:par>
+                    <p:cTn id="25" fill="hold">
+                      <p:stCondLst>
+                        <p:cond delay="indefinite"/>
+                      </p:stCondLst>
+                      <p:childTnLst>
+                        <p:par>
+                          <p:cTn id="26" fill="hold">
+                            <p:stCondLst>
+                              <p:cond delay="0"/>
+                            </p:stCondLst>
+                            <p:childTnLst>
                               <p:par>
-                                <p:cTn id="23" presetID="1" presetClass="entr" presetSubtype="0" fill="hold" nodeType="withEffect">
-                                  <p:stCondLst>
-                                    <p:cond delay="0"/>
-                                  </p:stCondLst>
-                                  <p:childTnLst>
-                                    <p:set>
-                                      <p:cBhvr>
-                                        <p:cTn id="24" dur="1" fill="hold">
-                                          <p:stCondLst>
-                                            <p:cond delay="0"/>
-                                          </p:stCondLst>
-                                        </p:cTn>
-                                        <p:tgtEl>
-                                          <p:spTgt spid="6"/>
-                                        </p:tgtEl>
-                                        <p:attrNameLst>
-                                          <p:attrName>style.visibility</p:attrName>
-                                        </p:attrNameLst>
-                                      </p:cBhvr>
-                                      <p:to>
-                                        <p:strVal val="visible"/>
-                                      </p:to>
-                                    </p:set>
-                                  </p:childTnLst>
-                                </p:cTn>
-                              </p:par>
-                              <p:par>
-                                <p:cTn id="25" presetID="1" presetClass="entr" presetSubtype="0" fill="hold" nodeType="withEffect">
-                                  <p:stCondLst>
-                                    <p:cond delay="0"/>
-                                  </p:stCondLst>
-                                  <p:childTnLst>
-                                    <p:set>
-                                      <p:cBhvr>
-                                        <p:cTn id="26" dur="1" fill="hold">
-                                          <p:stCondLst>
-                                            <p:cond delay="0"/>
-                                          </p:stCondLst>
-                                        </p:cTn>
-                                        <p:tgtEl>
-                                          <p:spTgt spid="9"/>
-                                        </p:tgtEl>
-                                        <p:attrNameLst>
-                                          <p:attrName>style.visibility</p:attrName>
-                                        </p:attrNameLst>
-                                      </p:cBhvr>
-                                      <p:to>
-                                        <p:strVal val="visible"/>
-                                      </p:to>
-                                    </p:set>
-                                  </p:childTnLst>
-                                </p:cTn>
-                              </p:par>
-                              <p:par>
-                                <p:cTn id="27" presetID="1" presetClass="entr" presetSubtype="0" fill="hold" nodeType="withEffect">
+                                <p:cTn id="27" presetID="1" presetClass="entr" presetSubtype="0" fill="hold" grpId="0" nodeType="clickEffect">
                                   <p:stCondLst>
                                     <p:cond delay="0"/>
                                   </p:stCondLst>
@@ -5988,61 +6533,11 @@
                                           </p:stCondLst>
                                         </p:cTn>
                                         <p:tgtEl>
-                                          <p:spTgt spid="8"/>
-                                        </p:tgtEl>
-                                        <p:attrNameLst>
-                                          <p:attrName>style.visibility</p:attrName>
-                                        </p:attrNameLst>
-                                      </p:cBhvr>
-                                      <p:to>
-                                        <p:strVal val="visible"/>
-                                      </p:to>
-                                    </p:set>
-                                  </p:childTnLst>
-                                </p:cTn>
-                              </p:par>
-                              <p:par>
-                                <p:cTn id="29" presetID="1" presetClass="entr" presetSubtype="0" fill="hold" nodeType="withEffect">
-                                  <p:stCondLst>
-                                    <p:cond delay="0"/>
-                                  </p:stCondLst>
-                                  <p:childTnLst>
-                                    <p:set>
-                                      <p:cBhvr>
-                                        <p:cTn id="30" dur="1" fill="hold">
-                                          <p:stCondLst>
-                                            <p:cond delay="0"/>
-                                          </p:stCondLst>
-                                        </p:cTn>
-                                        <p:tgtEl>
-                                          <p:spTgt spid="10"/>
-                                        </p:tgtEl>
-                                        <p:attrNameLst>
-                                          <p:attrName>style.visibility</p:attrName>
-                                        </p:attrNameLst>
-                                      </p:cBhvr>
-                                      <p:to>
-                                        <p:strVal val="visible"/>
-                                      </p:to>
-                                    </p:set>
-                                  </p:childTnLst>
-                                </p:cTn>
-                              </p:par>
-                              <p:par>
-                                <p:cTn id="31" presetID="1" presetClass="entr" presetSubtype="0" fill="hold" grpId="0" nodeType="withEffect">
-                                  <p:stCondLst>
-                                    <p:cond delay="0"/>
-                                  </p:stCondLst>
-                                  <p:childTnLst>
-                                    <p:set>
-                                      <p:cBhvr>
-                                        <p:cTn id="32" dur="1" fill="hold">
-                                          <p:stCondLst>
-                                            <p:cond delay="0"/>
-                                          </p:stCondLst>
-                                        </p:cTn>
-                                        <p:tgtEl>
-                                          <p:spTgt spid="11"/>
+                                          <p:spTgt spid="13">
+                                            <p:txEl>
+                                              <p:pRg st="2" end="2"/>
+                                            </p:txEl>
+                                          </p:spTgt>
                                         </p:tgtEl>
                                         <p:attrNameLst>
                                           <p:attrName>style.visibility</p:attrName>
@@ -6084,11 +6579,631 @@
     </p:tnLst>
     <p:bldLst>
       <p:bldP spid="3" grpId="0" build="p"/>
-      <p:bldP spid="4" grpId="0"/>
-      <p:bldP spid="5" grpId="0"/>
-      <p:bldP spid="11" grpId="0"/>
+      <p:bldP spid="12" grpId="0"/>
+      <p:bldP spid="13" grpId="0" uiExpand="1" build="p"/>
     </p:bldLst>
   </p:timing>
+</p:sld>
+</file>
+
+<file path=ppt/slides/slide13.xml><?xml version="1.0" encoding="utf-8"?>
+<p:sld xmlns:a="http://schemas.openxmlformats.org/drawingml/2006/main" xmlns:r="http://schemas.openxmlformats.org/officeDocument/2006/relationships" xmlns:p="http://schemas.openxmlformats.org/presentationml/2006/main">
+  <p:cSld>
+    <p:spTree>
+      <p:nvGrpSpPr>
+        <p:cNvPr id="1" name=""/>
+        <p:cNvGrpSpPr/>
+        <p:nvPr/>
+      </p:nvGrpSpPr>
+      <p:grpSpPr>
+        <a:xfrm>
+          <a:off x="0" y="0"/>
+          <a:ext cx="0" cy="0"/>
+          <a:chOff x="0" y="0"/>
+          <a:chExt cx="0" cy="0"/>
+        </a:xfrm>
+      </p:grpSpPr>
+      <p:sp>
+        <p:nvSpPr>
+          <p:cNvPr id="4" name="Title 1">
+            <a:extLst>
+              <a:ext uri="{FF2B5EF4-FFF2-40B4-BE49-F238E27FC236}">
+                <a16:creationId xmlns:a16="http://schemas.microsoft.com/office/drawing/2014/main" id="{1D4B226E-32F0-4E3B-B9C2-39789D86F3C6}"/>
+              </a:ext>
+            </a:extLst>
+          </p:cNvPr>
+          <p:cNvSpPr txBox="1">
+            <a:spLocks/>
+          </p:cNvSpPr>
+          <p:nvPr/>
+        </p:nvSpPr>
+        <p:spPr>
+          <a:xfrm>
+            <a:off x="838199" y="3379052"/>
+            <a:ext cx="10515600" cy="963161"/>
+          </a:xfrm>
+          <a:prstGeom prst="rect">
+            <a:avLst/>
+          </a:prstGeom>
+        </p:spPr>
+        <p:txBody>
+          <a:bodyPr vert="horz" lIns="91440" tIns="45720" rIns="91440" bIns="45720" rtlCol="0" anchor="ctr">
+            <a:normAutofit/>
+          </a:bodyPr>
+          <a:lstStyle>
+            <a:lvl1pPr algn="l" defTabSz="914400" rtl="0" eaLnBrk="1" latinLnBrk="0" hangingPunct="1">
+              <a:lnSpc>
+                <a:spcPct val="90000"/>
+              </a:lnSpc>
+              <a:spcBef>
+                <a:spcPct val="0"/>
+              </a:spcBef>
+              <a:buNone/>
+              <a:defRPr sz="4400" kern="1200">
+                <a:solidFill>
+                  <a:schemeClr val="tx1"/>
+                </a:solidFill>
+                <a:latin typeface="+mj-lt"/>
+                <a:ea typeface="+mj-ea"/>
+                <a:cs typeface="+mj-cs"/>
+              </a:defRPr>
+            </a:lvl1pPr>
+          </a:lstStyle>
+          <a:p>
+            <a:r>
+              <a:rPr lang="en-GB" dirty="0"/>
+              <a:t>Acknowledgements</a:t>
+            </a:r>
+          </a:p>
+        </p:txBody>
+      </p:sp>
+      <p:sp>
+        <p:nvSpPr>
+          <p:cNvPr id="5" name="Content Placeholder 2">
+            <a:extLst>
+              <a:ext uri="{FF2B5EF4-FFF2-40B4-BE49-F238E27FC236}">
+                <a16:creationId xmlns:a16="http://schemas.microsoft.com/office/drawing/2014/main" id="{FE8803F9-E051-400D-9028-7B5CA697F1FE}"/>
+              </a:ext>
+            </a:extLst>
+          </p:cNvPr>
+          <p:cNvSpPr txBox="1">
+            <a:spLocks/>
+          </p:cNvSpPr>
+          <p:nvPr/>
+        </p:nvSpPr>
+        <p:spPr>
+          <a:xfrm>
+            <a:off x="838199" y="4450519"/>
+            <a:ext cx="10940845" cy="1934509"/>
+          </a:xfrm>
+          <a:prstGeom prst="rect">
+            <a:avLst/>
+          </a:prstGeom>
+        </p:spPr>
+        <p:txBody>
+          <a:bodyPr vert="horz" lIns="91440" tIns="45720" rIns="91440" bIns="45720" rtlCol="0">
+            <a:normAutofit lnSpcReduction="10000"/>
+          </a:bodyPr>
+          <a:lstStyle>
+            <a:lvl1pPr marL="228600" indent="-228600" algn="l" defTabSz="914400" rtl="0" eaLnBrk="1" latinLnBrk="0" hangingPunct="1">
+              <a:lnSpc>
+                <a:spcPct val="90000"/>
+              </a:lnSpc>
+              <a:spcBef>
+                <a:spcPts val="1000"/>
+              </a:spcBef>
+              <a:buFont typeface="Arial" panose="020B0604020202020204" pitchFamily="34" charset="0"/>
+              <a:buChar char="•"/>
+              <a:defRPr sz="2800" kern="1200">
+                <a:solidFill>
+                  <a:schemeClr val="tx1"/>
+                </a:solidFill>
+                <a:latin typeface="+mn-lt"/>
+                <a:ea typeface="+mn-ea"/>
+                <a:cs typeface="+mn-cs"/>
+              </a:defRPr>
+            </a:lvl1pPr>
+            <a:lvl2pPr marL="685800" indent="-228600" algn="l" defTabSz="914400" rtl="0" eaLnBrk="1" latinLnBrk="0" hangingPunct="1">
+              <a:lnSpc>
+                <a:spcPct val="90000"/>
+              </a:lnSpc>
+              <a:spcBef>
+                <a:spcPts val="500"/>
+              </a:spcBef>
+              <a:buFont typeface="Arial" panose="020B0604020202020204" pitchFamily="34" charset="0"/>
+              <a:buChar char="•"/>
+              <a:defRPr sz="2400" kern="1200">
+                <a:solidFill>
+                  <a:schemeClr val="tx1"/>
+                </a:solidFill>
+                <a:latin typeface="+mn-lt"/>
+                <a:ea typeface="+mn-ea"/>
+                <a:cs typeface="+mn-cs"/>
+              </a:defRPr>
+            </a:lvl2pPr>
+            <a:lvl3pPr marL="1143000" indent="-228600" algn="l" defTabSz="914400" rtl="0" eaLnBrk="1" latinLnBrk="0" hangingPunct="1">
+              <a:lnSpc>
+                <a:spcPct val="90000"/>
+              </a:lnSpc>
+              <a:spcBef>
+                <a:spcPts val="500"/>
+              </a:spcBef>
+              <a:buFont typeface="Arial" panose="020B0604020202020204" pitchFamily="34" charset="0"/>
+              <a:buChar char="•"/>
+              <a:defRPr sz="2000" kern="1200">
+                <a:solidFill>
+                  <a:schemeClr val="tx1"/>
+                </a:solidFill>
+                <a:latin typeface="+mn-lt"/>
+                <a:ea typeface="+mn-ea"/>
+                <a:cs typeface="+mn-cs"/>
+              </a:defRPr>
+            </a:lvl3pPr>
+            <a:lvl4pPr marL="1600200" indent="-228600" algn="l" defTabSz="914400" rtl="0" eaLnBrk="1" latinLnBrk="0" hangingPunct="1">
+              <a:lnSpc>
+                <a:spcPct val="90000"/>
+              </a:lnSpc>
+              <a:spcBef>
+                <a:spcPts val="500"/>
+              </a:spcBef>
+              <a:buFont typeface="Arial" panose="020B0604020202020204" pitchFamily="34" charset="0"/>
+              <a:buChar char="•"/>
+              <a:defRPr sz="1800" kern="1200">
+                <a:solidFill>
+                  <a:schemeClr val="tx1"/>
+                </a:solidFill>
+                <a:latin typeface="+mn-lt"/>
+                <a:ea typeface="+mn-ea"/>
+                <a:cs typeface="+mn-cs"/>
+              </a:defRPr>
+            </a:lvl4pPr>
+            <a:lvl5pPr marL="2057400" indent="-228600" algn="l" defTabSz="914400" rtl="0" eaLnBrk="1" latinLnBrk="0" hangingPunct="1">
+              <a:lnSpc>
+                <a:spcPct val="90000"/>
+              </a:lnSpc>
+              <a:spcBef>
+                <a:spcPts val="500"/>
+              </a:spcBef>
+              <a:buFont typeface="Arial" panose="020B0604020202020204" pitchFamily="34" charset="0"/>
+              <a:buChar char="•"/>
+              <a:defRPr sz="1800" kern="1200">
+                <a:solidFill>
+                  <a:schemeClr val="tx1"/>
+                </a:solidFill>
+                <a:latin typeface="+mn-lt"/>
+                <a:ea typeface="+mn-ea"/>
+                <a:cs typeface="+mn-cs"/>
+              </a:defRPr>
+            </a:lvl5pPr>
+            <a:lvl6pPr marL="2514600" indent="-228600" algn="l" defTabSz="914400" rtl="0" eaLnBrk="1" latinLnBrk="0" hangingPunct="1">
+              <a:lnSpc>
+                <a:spcPct val="90000"/>
+              </a:lnSpc>
+              <a:spcBef>
+                <a:spcPts val="500"/>
+              </a:spcBef>
+              <a:buFont typeface="Arial" panose="020B0604020202020204" pitchFamily="34" charset="0"/>
+              <a:buChar char="•"/>
+              <a:defRPr sz="1800" kern="1200">
+                <a:solidFill>
+                  <a:schemeClr val="tx1"/>
+                </a:solidFill>
+                <a:latin typeface="+mn-lt"/>
+                <a:ea typeface="+mn-ea"/>
+                <a:cs typeface="+mn-cs"/>
+              </a:defRPr>
+            </a:lvl6pPr>
+            <a:lvl7pPr marL="2971800" indent="-228600" algn="l" defTabSz="914400" rtl="0" eaLnBrk="1" latinLnBrk="0" hangingPunct="1">
+              <a:lnSpc>
+                <a:spcPct val="90000"/>
+              </a:lnSpc>
+              <a:spcBef>
+                <a:spcPts val="500"/>
+              </a:spcBef>
+              <a:buFont typeface="Arial" panose="020B0604020202020204" pitchFamily="34" charset="0"/>
+              <a:buChar char="•"/>
+              <a:defRPr sz="1800" kern="1200">
+                <a:solidFill>
+                  <a:schemeClr val="tx1"/>
+                </a:solidFill>
+                <a:latin typeface="+mn-lt"/>
+                <a:ea typeface="+mn-ea"/>
+                <a:cs typeface="+mn-cs"/>
+              </a:defRPr>
+            </a:lvl7pPr>
+            <a:lvl8pPr marL="3429000" indent="-228600" algn="l" defTabSz="914400" rtl="0" eaLnBrk="1" latinLnBrk="0" hangingPunct="1">
+              <a:lnSpc>
+                <a:spcPct val="90000"/>
+              </a:lnSpc>
+              <a:spcBef>
+                <a:spcPts val="500"/>
+              </a:spcBef>
+              <a:buFont typeface="Arial" panose="020B0604020202020204" pitchFamily="34" charset="0"/>
+              <a:buChar char="•"/>
+              <a:defRPr sz="1800" kern="1200">
+                <a:solidFill>
+                  <a:schemeClr val="tx1"/>
+                </a:solidFill>
+                <a:latin typeface="+mn-lt"/>
+                <a:ea typeface="+mn-ea"/>
+                <a:cs typeface="+mn-cs"/>
+              </a:defRPr>
+            </a:lvl8pPr>
+            <a:lvl9pPr marL="3886200" indent="-228600" algn="l" defTabSz="914400" rtl="0" eaLnBrk="1" latinLnBrk="0" hangingPunct="1">
+              <a:lnSpc>
+                <a:spcPct val="90000"/>
+              </a:lnSpc>
+              <a:spcBef>
+                <a:spcPts val="500"/>
+              </a:spcBef>
+              <a:buFont typeface="Arial" panose="020B0604020202020204" pitchFamily="34" charset="0"/>
+              <a:buChar char="•"/>
+              <a:defRPr sz="1800" kern="1200">
+                <a:solidFill>
+                  <a:schemeClr val="tx1"/>
+                </a:solidFill>
+                <a:latin typeface="+mn-lt"/>
+                <a:ea typeface="+mn-ea"/>
+                <a:cs typeface="+mn-cs"/>
+              </a:defRPr>
+            </a:lvl9pPr>
+          </a:lstStyle>
+          <a:p>
+            <a:r>
+              <a:rPr lang="en-GB" sz="2000" dirty="0"/>
+              <a:t>Alwyn </a:t>
+            </a:r>
+            <a:r>
+              <a:rPr lang="en-GB" sz="2000" dirty="0" err="1"/>
+              <a:t>Kotzé</a:t>
+            </a:r>
+            <a:endParaRPr lang="en-GB" sz="2000" dirty="0"/>
+          </a:p>
+          <a:p>
+            <a:r>
+              <a:rPr lang="en-GB" sz="2000" dirty="0"/>
+              <a:t>David Wong</a:t>
+            </a:r>
+          </a:p>
+          <a:p>
+            <a:r>
+              <a:rPr lang="en-GB" sz="2000" dirty="0"/>
+              <a:t>Peter Tennant</a:t>
+            </a:r>
+          </a:p>
+          <a:p>
+            <a:r>
+              <a:rPr lang="en-GB" sz="2000" dirty="0"/>
+              <a:t>Simon Howell </a:t>
+            </a:r>
+          </a:p>
+          <a:p>
+            <a:r>
+              <a:rPr lang="en-GB" sz="2000" dirty="0"/>
+              <a:t>MIMIC-III team at MIT</a:t>
+            </a:r>
+            <a:endParaRPr lang="en-GB" sz="1800" dirty="0"/>
+          </a:p>
+        </p:txBody>
+      </p:sp>
+      <p:pic>
+        <p:nvPicPr>
+          <p:cNvPr id="6" name="Picture 2" descr="David Wong - Lecturer in Artificial Intelligence in Healthcare - University  of Manchester | LinkedIn">
+            <a:extLst>
+              <a:ext uri="{FF2B5EF4-FFF2-40B4-BE49-F238E27FC236}">
+                <a16:creationId xmlns:a16="http://schemas.microsoft.com/office/drawing/2014/main" id="{9BF5F8AB-E13B-4022-A743-70120A037981}"/>
+              </a:ext>
+            </a:extLst>
+          </p:cNvPr>
+          <p:cNvPicPr>
+            <a:picLocks noChangeAspect="1" noChangeArrowheads="1"/>
+          </p:cNvPicPr>
+          <p:nvPr/>
+        </p:nvPicPr>
+        <p:blipFill rotWithShape="1">
+          <a:blip r:embed="rId2">
+            <a:extLst>
+              <a:ext uri="{28A0092B-C50C-407E-A947-70E740481C1C}">
+                <a14:useLocalDpi xmlns:a14="http://schemas.microsoft.com/office/drawing/2010/main" val="0"/>
+              </a:ext>
+            </a:extLst>
+          </a:blip>
+          <a:srcRect l="16667" r="5381"/>
+          <a:stretch/>
+        </p:blipFill>
+        <p:spPr bwMode="auto">
+          <a:xfrm>
+            <a:off x="4947179" y="4450519"/>
+            <a:ext cx="1363544" cy="1749192"/>
+          </a:xfrm>
+          <a:prstGeom prst="rect">
+            <a:avLst/>
+          </a:prstGeom>
+          <a:noFill/>
+          <a:extLst>
+            <a:ext uri="{909E8E84-426E-40DD-AFC4-6F175D3DCCD1}">
+              <a14:hiddenFill xmlns:a14="http://schemas.microsoft.com/office/drawing/2010/main">
+                <a:solidFill>
+                  <a:srgbClr val="FFFFFF"/>
+                </a:solidFill>
+              </a14:hiddenFill>
+            </a:ext>
+          </a:extLst>
+        </p:spPr>
+      </p:pic>
+      <p:pic>
+        <p:nvPicPr>
+          <p:cNvPr id="7" name="Picture 4" descr="British Society of Orthopaedic Anaesthetists Spring Scientific Meeting  Abstracts and Biographies for Chester Meeting 29th April">
+            <a:extLst>
+              <a:ext uri="{FF2B5EF4-FFF2-40B4-BE49-F238E27FC236}">
+                <a16:creationId xmlns:a16="http://schemas.microsoft.com/office/drawing/2014/main" id="{272E7180-4F77-4B20-A1FA-07C613015C03}"/>
+              </a:ext>
+            </a:extLst>
+          </p:cNvPr>
+          <p:cNvPicPr>
+            <a:picLocks noChangeAspect="1" noChangeArrowheads="1"/>
+          </p:cNvPicPr>
+          <p:nvPr/>
+        </p:nvPicPr>
+        <p:blipFill>
+          <a:blip r:embed="rId3">
+            <a:extLst>
+              <a:ext uri="{28A0092B-C50C-407E-A947-70E740481C1C}">
+                <a14:useLocalDpi xmlns:a14="http://schemas.microsoft.com/office/drawing/2010/main" val="0"/>
+              </a:ext>
+            </a:extLst>
+          </a:blip>
+          <a:srcRect/>
+          <a:stretch>
+            <a:fillRect/>
+          </a:stretch>
+        </p:blipFill>
+        <p:spPr bwMode="auto">
+          <a:xfrm>
+            <a:off x="3583636" y="4450519"/>
+            <a:ext cx="1363543" cy="1749192"/>
+          </a:xfrm>
+          <a:prstGeom prst="rect">
+            <a:avLst/>
+          </a:prstGeom>
+          <a:noFill/>
+          <a:extLst>
+            <a:ext uri="{909E8E84-426E-40DD-AFC4-6F175D3DCCD1}">
+              <a14:hiddenFill xmlns:a14="http://schemas.microsoft.com/office/drawing/2010/main">
+                <a:solidFill>
+                  <a:srgbClr val="FFFFFF"/>
+                </a:solidFill>
+              </a14:hiddenFill>
+            </a:ext>
+          </a:extLst>
+        </p:spPr>
+      </p:pic>
+      <p:pic>
+        <p:nvPicPr>
+          <p:cNvPr id="8" name="Picture 6" descr="Previous Research Prioritisation Exercises - The National Institute of  Academic Anaesthesia">
+            <a:extLst>
+              <a:ext uri="{FF2B5EF4-FFF2-40B4-BE49-F238E27FC236}">
+                <a16:creationId xmlns:a16="http://schemas.microsoft.com/office/drawing/2014/main" id="{AE4E1602-E951-425E-991B-846AC3FEBC86}"/>
+              </a:ext>
+            </a:extLst>
+          </p:cNvPr>
+          <p:cNvPicPr>
+            <a:picLocks noChangeAspect="1" noChangeArrowheads="1"/>
+          </p:cNvPicPr>
+          <p:nvPr/>
+        </p:nvPicPr>
+        <p:blipFill rotWithShape="1">
+          <a:blip r:embed="rId4">
+            <a:extLst>
+              <a:ext uri="{28A0092B-C50C-407E-A947-70E740481C1C}">
+                <a14:useLocalDpi xmlns:a14="http://schemas.microsoft.com/office/drawing/2010/main" val="0"/>
+              </a:ext>
+            </a:extLst>
+          </a:blip>
+          <a:srcRect t="6521"/>
+          <a:stretch/>
+        </p:blipFill>
+        <p:spPr bwMode="auto">
+          <a:xfrm>
+            <a:off x="7531147" y="4450519"/>
+            <a:ext cx="1222526" cy="1749193"/>
+          </a:xfrm>
+          <a:prstGeom prst="rect">
+            <a:avLst/>
+          </a:prstGeom>
+          <a:noFill/>
+          <a:extLst>
+            <a:ext uri="{909E8E84-426E-40DD-AFC4-6F175D3DCCD1}">
+              <a14:hiddenFill xmlns:a14="http://schemas.microsoft.com/office/drawing/2010/main">
+                <a:solidFill>
+                  <a:srgbClr val="FFFFFF"/>
+                </a:solidFill>
+              </a14:hiddenFill>
+            </a:ext>
+          </a:extLst>
+        </p:spPr>
+      </p:pic>
+      <p:pic>
+        <p:nvPicPr>
+          <p:cNvPr id="9" name="Picture 8" descr="Peter Tennant | The Alan Turing Institute">
+            <a:extLst>
+              <a:ext uri="{FF2B5EF4-FFF2-40B4-BE49-F238E27FC236}">
+                <a16:creationId xmlns:a16="http://schemas.microsoft.com/office/drawing/2014/main" id="{4ED594CA-46EA-4466-9851-66A440485611}"/>
+              </a:ext>
+            </a:extLst>
+          </p:cNvPr>
+          <p:cNvPicPr>
+            <a:picLocks noChangeAspect="1" noChangeArrowheads="1"/>
+          </p:cNvPicPr>
+          <p:nvPr/>
+        </p:nvPicPr>
+        <p:blipFill rotWithShape="1">
+          <a:blip r:embed="rId5">
+            <a:extLst>
+              <a:ext uri="{28A0092B-C50C-407E-A947-70E740481C1C}">
+                <a14:useLocalDpi xmlns:a14="http://schemas.microsoft.com/office/drawing/2010/main" val="0"/>
+              </a:ext>
+            </a:extLst>
+          </a:blip>
+          <a:srcRect r="16131"/>
+          <a:stretch/>
+        </p:blipFill>
+        <p:spPr bwMode="auto">
+          <a:xfrm>
+            <a:off x="6308621" y="4450519"/>
+            <a:ext cx="1222526" cy="1749192"/>
+          </a:xfrm>
+          <a:prstGeom prst="rect">
+            <a:avLst/>
+          </a:prstGeom>
+          <a:noFill/>
+          <a:extLst>
+            <a:ext uri="{909E8E84-426E-40DD-AFC4-6F175D3DCCD1}">
+              <a14:hiddenFill xmlns:a14="http://schemas.microsoft.com/office/drawing/2010/main">
+                <a:solidFill>
+                  <a:srgbClr val="FFFFFF"/>
+                </a:solidFill>
+              </a14:hiddenFill>
+            </a:ext>
+          </a:extLst>
+        </p:spPr>
+      </p:pic>
+      <p:pic>
+        <p:nvPicPr>
+          <p:cNvPr id="10" name="Picture 9" descr="A picture containing person, smiling, indoor, posing&#10;&#10;Description automatically generated">
+            <a:extLst>
+              <a:ext uri="{FF2B5EF4-FFF2-40B4-BE49-F238E27FC236}">
+                <a16:creationId xmlns:a16="http://schemas.microsoft.com/office/drawing/2014/main" id="{AC0F360E-25F6-40E7-B0DC-3E8D6DA9F54E}"/>
+              </a:ext>
+            </a:extLst>
+          </p:cNvPr>
+          <p:cNvPicPr>
+            <a:picLocks noChangeAspect="1"/>
+          </p:cNvPicPr>
+          <p:nvPr/>
+        </p:nvPicPr>
+        <p:blipFill rotWithShape="1">
+          <a:blip r:embed="rId6"/>
+          <a:srcRect r="9882"/>
+          <a:stretch/>
+        </p:blipFill>
+        <p:spPr>
+          <a:xfrm>
+            <a:off x="9974097" y="2319138"/>
+            <a:ext cx="1576336" cy="1749194"/>
+          </a:xfrm>
+          <a:prstGeom prst="rect">
+            <a:avLst/>
+          </a:prstGeom>
+        </p:spPr>
+      </p:pic>
+      <p:sp>
+        <p:nvSpPr>
+          <p:cNvPr id="11" name="Rectangle 10">
+            <a:extLst>
+              <a:ext uri="{FF2B5EF4-FFF2-40B4-BE49-F238E27FC236}">
+                <a16:creationId xmlns:a16="http://schemas.microsoft.com/office/drawing/2014/main" id="{CEB9BC05-FA76-45CA-8667-FBB9689F5A14}"/>
+              </a:ext>
+            </a:extLst>
+          </p:cNvPr>
+          <p:cNvSpPr/>
+          <p:nvPr/>
+        </p:nvSpPr>
+        <p:spPr>
+          <a:xfrm>
+            <a:off x="8998691" y="1632913"/>
+            <a:ext cx="3193309" cy="707886"/>
+          </a:xfrm>
+          <a:prstGeom prst="rect">
+            <a:avLst/>
+          </a:prstGeom>
+        </p:spPr>
+        <p:txBody>
+          <a:bodyPr wrap="square">
+            <a:spAutoFit/>
+          </a:bodyPr>
+          <a:lstStyle/>
+          <a:p>
+            <a:pPr algn="ctr"/>
+            <a:r>
+              <a:rPr lang="en-GB" sz="2000" dirty="0"/>
+              <a:t>Twitter: @b_t_cooper</a:t>
+            </a:r>
+          </a:p>
+          <a:p>
+            <a:pPr algn="ctr"/>
+            <a:r>
+              <a:rPr lang="en-GB" sz="2000" dirty="0"/>
+              <a:t>Email: b.cooper@leeds.ac.uk</a:t>
+            </a:r>
+            <a:endParaRPr lang="en-GB" dirty="0"/>
+          </a:p>
+        </p:txBody>
+      </p:sp>
+      <p:sp>
+        <p:nvSpPr>
+          <p:cNvPr id="12" name="Title 1">
+            <a:extLst>
+              <a:ext uri="{FF2B5EF4-FFF2-40B4-BE49-F238E27FC236}">
+                <a16:creationId xmlns:a16="http://schemas.microsoft.com/office/drawing/2014/main" id="{6F0FCF27-D820-4899-A0EF-3138BF716B46}"/>
+              </a:ext>
+            </a:extLst>
+          </p:cNvPr>
+          <p:cNvSpPr txBox="1">
+            <a:spLocks/>
+          </p:cNvSpPr>
+          <p:nvPr/>
+        </p:nvSpPr>
+        <p:spPr>
+          <a:xfrm>
+            <a:off x="838199" y="1544831"/>
+            <a:ext cx="10515600" cy="963161"/>
+          </a:xfrm>
+          <a:prstGeom prst="rect">
+            <a:avLst/>
+          </a:prstGeom>
+        </p:spPr>
+        <p:txBody>
+          <a:bodyPr vert="horz" lIns="91440" tIns="45720" rIns="91440" bIns="45720" rtlCol="0" anchor="ctr">
+            <a:normAutofit/>
+          </a:bodyPr>
+          <a:lstStyle>
+            <a:lvl1pPr algn="l" defTabSz="914400" rtl="0" eaLnBrk="1" latinLnBrk="0" hangingPunct="1">
+              <a:lnSpc>
+                <a:spcPct val="90000"/>
+              </a:lnSpc>
+              <a:spcBef>
+                <a:spcPct val="0"/>
+              </a:spcBef>
+              <a:buNone/>
+              <a:defRPr sz="4400" kern="1200">
+                <a:solidFill>
+                  <a:schemeClr val="tx1"/>
+                </a:solidFill>
+                <a:latin typeface="+mj-lt"/>
+                <a:ea typeface="+mj-ea"/>
+                <a:cs typeface="+mj-cs"/>
+              </a:defRPr>
+            </a:lvl1pPr>
+          </a:lstStyle>
+          <a:p>
+            <a:r>
+              <a:rPr lang="en-GB" sz="6000" dirty="0"/>
+              <a:t>Thank you for your time!</a:t>
+            </a:r>
+          </a:p>
+        </p:txBody>
+      </p:sp>
+    </p:spTree>
+    <p:extLst>
+      <p:ext uri="{BB962C8B-B14F-4D97-AF65-F5344CB8AC3E}">
+        <p14:creationId xmlns:p14="http://schemas.microsoft.com/office/powerpoint/2010/main" val="4244497551"/>
+      </p:ext>
+    </p:extLst>
+  </p:cSld>
+  <p:clrMapOvr>
+    <a:masterClrMapping/>
+  </p:clrMapOvr>
 </p:sld>
 </file>
 
@@ -6114,7 +7229,7 @@
           <p:cNvPr id="2" name="Title 1">
             <a:extLst>
               <a:ext uri="{FF2B5EF4-FFF2-40B4-BE49-F238E27FC236}">
-                <a16:creationId xmlns:a16="http://schemas.microsoft.com/office/drawing/2014/main" id="{571D3D22-89FC-4357-8FFC-DF6AD944140C}"/>
+                <a16:creationId xmlns:a16="http://schemas.microsoft.com/office/drawing/2014/main" id="{62D9A443-DA8C-4983-BC1B-C63901F4986E}"/>
               </a:ext>
             </a:extLst>
           </p:cNvPr>
@@ -6127,16 +7242,469 @@
         </p:nvSpPr>
         <p:spPr>
           <a:xfrm>
+            <a:off x="838200" y="754144"/>
+            <a:ext cx="10515600" cy="1150070"/>
+          </a:xfrm>
+        </p:spPr>
+        <p:txBody>
+          <a:bodyPr>
+            <a:normAutofit/>
+          </a:bodyPr>
+          <a:lstStyle/>
+          <a:p>
+            <a:r>
+              <a:rPr lang="en-GB" sz="4800" dirty="0"/>
+              <a:t>Risk scores in critical care</a:t>
+            </a:r>
+          </a:p>
+        </p:txBody>
+      </p:sp>
+      <p:sp>
+        <p:nvSpPr>
+          <p:cNvPr id="3" name="Content Placeholder 2">
+            <a:extLst>
+              <a:ext uri="{FF2B5EF4-FFF2-40B4-BE49-F238E27FC236}">
+                <a16:creationId xmlns:a16="http://schemas.microsoft.com/office/drawing/2014/main" id="{C8971B64-587C-4CB7-B966-26FD9D39BF36}"/>
+              </a:ext>
+            </a:extLst>
+          </p:cNvPr>
+          <p:cNvSpPr>
+            <a:spLocks noGrp="1"/>
+          </p:cNvSpPr>
+          <p:nvPr>
+            <p:ph idx="1"/>
+          </p:nvPr>
+        </p:nvSpPr>
+        <p:spPr>
+          <a:xfrm>
+            <a:off x="649664" y="2119417"/>
+            <a:ext cx="6345025" cy="3984439"/>
+          </a:xfrm>
+        </p:spPr>
+        <p:txBody>
+          <a:bodyPr>
+            <a:normAutofit lnSpcReduction="10000"/>
+          </a:bodyPr>
+          <a:lstStyle/>
+          <a:p>
+            <a:r>
+              <a:rPr lang="en-GB" dirty="0"/>
+              <a:t>Patients in most dire need treated in ICU</a:t>
+            </a:r>
+          </a:p>
+          <a:p>
+            <a:r>
+              <a:rPr lang="en-GB" dirty="0"/>
+              <a:t>Most resource-hungry and high-risk part of hospitals</a:t>
+            </a:r>
+          </a:p>
+          <a:p>
+            <a:r>
+              <a:rPr lang="en-GB" dirty="0"/>
+              <a:t>Risk models exist to predict probability of outcomes</a:t>
+            </a:r>
+          </a:p>
+          <a:p>
+            <a:r>
+              <a:rPr lang="en-GB" dirty="0"/>
+              <a:t>Improve clinical decision-making processes</a:t>
+            </a:r>
+          </a:p>
+          <a:p>
+            <a:r>
+              <a:rPr lang="en-GB" dirty="0"/>
+              <a:t>Identify patients at risk of unexpected outcomes</a:t>
+            </a:r>
+          </a:p>
+          <a:p>
+            <a:pPr lvl="1"/>
+            <a:endParaRPr lang="en-GB" dirty="0"/>
+          </a:p>
+        </p:txBody>
+      </p:sp>
+      <p:pic>
+        <p:nvPicPr>
+          <p:cNvPr id="4" name="Picture 2" descr="17,018 Intensive Care Unit Stock Photos, Pictures &amp; Royalty-Free Images -  iStock">
+            <a:extLst>
+              <a:ext uri="{FF2B5EF4-FFF2-40B4-BE49-F238E27FC236}">
+                <a16:creationId xmlns:a16="http://schemas.microsoft.com/office/drawing/2014/main" id="{493D3E94-2F73-4C90-8868-AEF81217A5C4}"/>
+              </a:ext>
+            </a:extLst>
+          </p:cNvPr>
+          <p:cNvPicPr>
+            <a:picLocks noChangeAspect="1" noChangeArrowheads="1"/>
+          </p:cNvPicPr>
+          <p:nvPr/>
+        </p:nvPicPr>
+        <p:blipFill rotWithShape="1">
+          <a:blip r:embed="rId3">
+            <a:extLst>
+              <a:ext uri="{28A0092B-C50C-407E-A947-70E740481C1C}">
+                <a14:useLocalDpi xmlns:a14="http://schemas.microsoft.com/office/drawing/2010/main" val="0"/>
+              </a:ext>
+            </a:extLst>
+          </a:blip>
+          <a:srcRect l="16896" t="-1821" r="97" b="-706"/>
+          <a:stretch/>
+        </p:blipFill>
+        <p:spPr bwMode="auto">
+          <a:xfrm>
+            <a:off x="7183225" y="1948753"/>
+            <a:ext cx="4838758" cy="3984440"/>
+          </a:xfrm>
+          <a:prstGeom prst="rect">
+            <a:avLst/>
+          </a:prstGeom>
+          <a:noFill/>
+          <a:extLst>
+            <a:ext uri="{909E8E84-426E-40DD-AFC4-6F175D3DCCD1}">
+              <a14:hiddenFill xmlns:a14="http://schemas.microsoft.com/office/drawing/2010/main">
+                <a:solidFill>
+                  <a:srgbClr val="FFFFFF"/>
+                </a:solidFill>
+              </a14:hiddenFill>
+            </a:ext>
+          </a:extLst>
+        </p:spPr>
+      </p:pic>
+    </p:spTree>
+    <p:extLst>
+      <p:ext uri="{BB962C8B-B14F-4D97-AF65-F5344CB8AC3E}">
+        <p14:creationId xmlns:p14="http://schemas.microsoft.com/office/powerpoint/2010/main" val="2669935130"/>
+      </p:ext>
+    </p:extLst>
+  </p:cSld>
+  <p:clrMapOvr>
+    <a:masterClrMapping/>
+  </p:clrMapOvr>
+  <p:timing>
+    <p:tnLst>
+      <p:par>
+        <p:cTn id="1" dur="indefinite" restart="never" nodeType="tmRoot">
+          <p:childTnLst>
+            <p:seq concurrent="1" nextAc="seek">
+              <p:cTn id="2" dur="indefinite" nodeType="mainSeq">
+                <p:childTnLst>
+                  <p:par>
+                    <p:cTn id="3" fill="hold">
+                      <p:stCondLst>
+                        <p:cond delay="indefinite"/>
+                      </p:stCondLst>
+                      <p:childTnLst>
+                        <p:par>
+                          <p:cTn id="4" fill="hold">
+                            <p:stCondLst>
+                              <p:cond delay="0"/>
+                            </p:stCondLst>
+                            <p:childTnLst>
+                              <p:par>
+                                <p:cTn id="5" presetID="1" presetClass="entr" presetSubtype="0" fill="hold" grpId="0" nodeType="clickEffect">
+                                  <p:stCondLst>
+                                    <p:cond delay="0"/>
+                                  </p:stCondLst>
+                                  <p:childTnLst>
+                                    <p:set>
+                                      <p:cBhvr>
+                                        <p:cTn id="6" dur="1" fill="hold">
+                                          <p:stCondLst>
+                                            <p:cond delay="0"/>
+                                          </p:stCondLst>
+                                        </p:cTn>
+                                        <p:tgtEl>
+                                          <p:spTgt spid="3">
+                                            <p:txEl>
+                                              <p:pRg st="0" end="0"/>
+                                            </p:txEl>
+                                          </p:spTgt>
+                                        </p:tgtEl>
+                                        <p:attrNameLst>
+                                          <p:attrName>style.visibility</p:attrName>
+                                        </p:attrNameLst>
+                                      </p:cBhvr>
+                                      <p:to>
+                                        <p:strVal val="visible"/>
+                                      </p:to>
+                                    </p:set>
+                                  </p:childTnLst>
+                                </p:cTn>
+                              </p:par>
+                            </p:childTnLst>
+                          </p:cTn>
+                        </p:par>
+                      </p:childTnLst>
+                    </p:cTn>
+                  </p:par>
+                  <p:par>
+                    <p:cTn id="7" fill="hold">
+                      <p:stCondLst>
+                        <p:cond delay="indefinite"/>
+                      </p:stCondLst>
+                      <p:childTnLst>
+                        <p:par>
+                          <p:cTn id="8" fill="hold">
+                            <p:stCondLst>
+                              <p:cond delay="0"/>
+                            </p:stCondLst>
+                            <p:childTnLst>
+                              <p:par>
+                                <p:cTn id="9" presetID="1" presetClass="entr" presetSubtype="0" fill="hold" grpId="0" nodeType="clickEffect">
+                                  <p:stCondLst>
+                                    <p:cond delay="0"/>
+                                  </p:stCondLst>
+                                  <p:childTnLst>
+                                    <p:set>
+                                      <p:cBhvr>
+                                        <p:cTn id="10" dur="1" fill="hold">
+                                          <p:stCondLst>
+                                            <p:cond delay="0"/>
+                                          </p:stCondLst>
+                                        </p:cTn>
+                                        <p:tgtEl>
+                                          <p:spTgt spid="3">
+                                            <p:txEl>
+                                              <p:pRg st="1" end="1"/>
+                                            </p:txEl>
+                                          </p:spTgt>
+                                        </p:tgtEl>
+                                        <p:attrNameLst>
+                                          <p:attrName>style.visibility</p:attrName>
+                                        </p:attrNameLst>
+                                      </p:cBhvr>
+                                      <p:to>
+                                        <p:strVal val="visible"/>
+                                      </p:to>
+                                    </p:set>
+                                  </p:childTnLst>
+                                </p:cTn>
+                              </p:par>
+                            </p:childTnLst>
+                          </p:cTn>
+                        </p:par>
+                      </p:childTnLst>
+                    </p:cTn>
+                  </p:par>
+                  <p:par>
+                    <p:cTn id="11" fill="hold">
+                      <p:stCondLst>
+                        <p:cond delay="indefinite"/>
+                      </p:stCondLst>
+                      <p:childTnLst>
+                        <p:par>
+                          <p:cTn id="12" fill="hold">
+                            <p:stCondLst>
+                              <p:cond delay="0"/>
+                            </p:stCondLst>
+                            <p:childTnLst>
+                              <p:par>
+                                <p:cTn id="13" presetID="1" presetClass="entr" presetSubtype="0" fill="hold" grpId="0" nodeType="clickEffect">
+                                  <p:stCondLst>
+                                    <p:cond delay="0"/>
+                                  </p:stCondLst>
+                                  <p:childTnLst>
+                                    <p:set>
+                                      <p:cBhvr>
+                                        <p:cTn id="14" dur="1" fill="hold">
+                                          <p:stCondLst>
+                                            <p:cond delay="0"/>
+                                          </p:stCondLst>
+                                        </p:cTn>
+                                        <p:tgtEl>
+                                          <p:spTgt spid="3">
+                                            <p:txEl>
+                                              <p:pRg st="2" end="2"/>
+                                            </p:txEl>
+                                          </p:spTgt>
+                                        </p:tgtEl>
+                                        <p:attrNameLst>
+                                          <p:attrName>style.visibility</p:attrName>
+                                        </p:attrNameLst>
+                                      </p:cBhvr>
+                                      <p:to>
+                                        <p:strVal val="visible"/>
+                                      </p:to>
+                                    </p:set>
+                                  </p:childTnLst>
+                                </p:cTn>
+                              </p:par>
+                            </p:childTnLst>
+                          </p:cTn>
+                        </p:par>
+                      </p:childTnLst>
+                    </p:cTn>
+                  </p:par>
+                  <p:par>
+                    <p:cTn id="15" fill="hold">
+                      <p:stCondLst>
+                        <p:cond delay="indefinite"/>
+                      </p:stCondLst>
+                      <p:childTnLst>
+                        <p:par>
+                          <p:cTn id="16" fill="hold">
+                            <p:stCondLst>
+                              <p:cond delay="0"/>
+                            </p:stCondLst>
+                            <p:childTnLst>
+                              <p:par>
+                                <p:cTn id="17" presetID="1" presetClass="entr" presetSubtype="0" fill="hold" grpId="0" nodeType="clickEffect">
+                                  <p:stCondLst>
+                                    <p:cond delay="0"/>
+                                  </p:stCondLst>
+                                  <p:childTnLst>
+                                    <p:set>
+                                      <p:cBhvr>
+                                        <p:cTn id="18" dur="1" fill="hold">
+                                          <p:stCondLst>
+                                            <p:cond delay="0"/>
+                                          </p:stCondLst>
+                                        </p:cTn>
+                                        <p:tgtEl>
+                                          <p:spTgt spid="3">
+                                            <p:txEl>
+                                              <p:pRg st="3" end="3"/>
+                                            </p:txEl>
+                                          </p:spTgt>
+                                        </p:tgtEl>
+                                        <p:attrNameLst>
+                                          <p:attrName>style.visibility</p:attrName>
+                                        </p:attrNameLst>
+                                      </p:cBhvr>
+                                      <p:to>
+                                        <p:strVal val="visible"/>
+                                      </p:to>
+                                    </p:set>
+                                  </p:childTnLst>
+                                </p:cTn>
+                              </p:par>
+                            </p:childTnLst>
+                          </p:cTn>
+                        </p:par>
+                      </p:childTnLst>
+                    </p:cTn>
+                  </p:par>
+                  <p:par>
+                    <p:cTn id="19" fill="hold">
+                      <p:stCondLst>
+                        <p:cond delay="indefinite"/>
+                      </p:stCondLst>
+                      <p:childTnLst>
+                        <p:par>
+                          <p:cTn id="20" fill="hold">
+                            <p:stCondLst>
+                              <p:cond delay="0"/>
+                            </p:stCondLst>
+                            <p:childTnLst>
+                              <p:par>
+                                <p:cTn id="21" presetID="1" presetClass="entr" presetSubtype="0" fill="hold" grpId="0" nodeType="clickEffect">
+                                  <p:stCondLst>
+                                    <p:cond delay="0"/>
+                                  </p:stCondLst>
+                                  <p:childTnLst>
+                                    <p:set>
+                                      <p:cBhvr>
+                                        <p:cTn id="22" dur="1" fill="hold">
+                                          <p:stCondLst>
+                                            <p:cond delay="0"/>
+                                          </p:stCondLst>
+                                        </p:cTn>
+                                        <p:tgtEl>
+                                          <p:spTgt spid="3">
+                                            <p:txEl>
+                                              <p:pRg st="4" end="4"/>
+                                            </p:txEl>
+                                          </p:spTgt>
+                                        </p:tgtEl>
+                                        <p:attrNameLst>
+                                          <p:attrName>style.visibility</p:attrName>
+                                        </p:attrNameLst>
+                                      </p:cBhvr>
+                                      <p:to>
+                                        <p:strVal val="visible"/>
+                                      </p:to>
+                                    </p:set>
+                                  </p:childTnLst>
+                                </p:cTn>
+                              </p:par>
+                            </p:childTnLst>
+                          </p:cTn>
+                        </p:par>
+                      </p:childTnLst>
+                    </p:cTn>
+                  </p:par>
+                </p:childTnLst>
+              </p:cTn>
+              <p:prevCondLst>
+                <p:cond evt="onPrev" delay="0">
+                  <p:tgtEl>
+                    <p:sldTgt/>
+                  </p:tgtEl>
+                </p:cond>
+              </p:prevCondLst>
+              <p:nextCondLst>
+                <p:cond evt="onNext" delay="0">
+                  <p:tgtEl>
+                    <p:sldTgt/>
+                  </p:tgtEl>
+                </p:cond>
+              </p:nextCondLst>
+            </p:seq>
+          </p:childTnLst>
+        </p:cTn>
+      </p:par>
+    </p:tnLst>
+    <p:bldLst>
+      <p:bldP spid="3" grpId="0" build="p"/>
+    </p:bldLst>
+  </p:timing>
+</p:sld>
+</file>
+
+<file path=ppt/slides/slide3.xml><?xml version="1.0" encoding="utf-8"?>
+<p:sld xmlns:a="http://schemas.openxmlformats.org/drawingml/2006/main" xmlns:r="http://schemas.openxmlformats.org/officeDocument/2006/relationships" xmlns:p="http://schemas.openxmlformats.org/presentationml/2006/main">
+  <p:cSld>
+    <p:spTree>
+      <p:nvGrpSpPr>
+        <p:cNvPr id="1" name=""/>
+        <p:cNvGrpSpPr/>
+        <p:nvPr/>
+      </p:nvGrpSpPr>
+      <p:grpSpPr>
+        <a:xfrm>
+          <a:off x="0" y="0"/>
+          <a:ext cx="0" cy="0"/>
+          <a:chOff x="0" y="0"/>
+          <a:chExt cx="0" cy="0"/>
+        </a:xfrm>
+      </p:grpSpPr>
+      <p:sp>
+        <p:nvSpPr>
+          <p:cNvPr id="2" name="Title 1">
+            <a:extLst>
+              <a:ext uri="{FF2B5EF4-FFF2-40B4-BE49-F238E27FC236}">
+                <a16:creationId xmlns:a16="http://schemas.microsoft.com/office/drawing/2014/main" id="{571D3D22-89FC-4357-8FFC-DF6AD944140C}"/>
+              </a:ext>
+            </a:extLst>
+          </p:cNvPr>
+          <p:cNvSpPr>
+            <a:spLocks noGrp="1"/>
+          </p:cNvSpPr>
+          <p:nvPr>
+            <p:ph type="title"/>
+          </p:nvPr>
+        </p:nvSpPr>
+        <p:spPr>
+          <a:xfrm>
             <a:off x="838200" y="701027"/>
             <a:ext cx="10515600" cy="1325563"/>
           </a:xfrm>
         </p:spPr>
         <p:txBody>
-          <a:bodyPr/>
+          <a:bodyPr>
+            <a:normAutofit/>
+          </a:bodyPr>
           <a:lstStyle/>
           <a:p>
             <a:r>
-              <a:rPr lang="en-GB" dirty="0"/>
+              <a:rPr lang="en-GB" sz="4800" dirty="0"/>
               <a:t>The problem of missing data</a:t>
             </a:r>
           </a:p>
@@ -6196,10 +7764,10 @@
       </p:sp>
       <p:pic>
         <p:nvPicPr>
-          <p:cNvPr id="4" name="Picture 2" descr="17,018 Intensive Care Unit Stock Photos, Pictures &amp; Royalty-Free Images -  iStock">
+          <p:cNvPr id="1026" name="Picture 2" descr="Free Guide To Critical Illness, Intensive Care, And Post-Traumatic Stress  Disorder (PTSD) - Psychology Tools">
             <a:extLst>
               <a:ext uri="{FF2B5EF4-FFF2-40B4-BE49-F238E27FC236}">
-                <a16:creationId xmlns:a16="http://schemas.microsoft.com/office/drawing/2014/main" id="{38D7B4F1-2C4C-4B25-A066-F330FB8EA0D5}"/>
+                <a16:creationId xmlns:a16="http://schemas.microsoft.com/office/drawing/2014/main" id="{7046B100-E9DA-4938-9505-0ACC6ED76537}"/>
               </a:ext>
             </a:extLst>
           </p:cNvPr>
@@ -6216,13 +7784,13 @@
               </a:ext>
             </a:extLst>
           </a:blip>
-          <a:srcRect t="5756" r="10391" b="-460"/>
+          <a:srcRect l="25784"/>
           <a:stretch/>
         </p:blipFill>
         <p:spPr bwMode="auto">
           <a:xfrm>
-            <a:off x="6467901" y="2277612"/>
-            <a:ext cx="5223555" cy="3680426"/>
+            <a:off x="6533575" y="2026590"/>
+            <a:ext cx="5485599" cy="3741912"/>
           </a:xfrm>
           <a:prstGeom prst="rect">
             <a:avLst/>
@@ -6432,457 +8000,6 @@
 </p:sld>
 </file>
 
-<file path=ppt/slides/slide3.xml><?xml version="1.0" encoding="utf-8"?>
-<p:sld xmlns:a="http://schemas.openxmlformats.org/drawingml/2006/main" xmlns:r="http://schemas.openxmlformats.org/officeDocument/2006/relationships" xmlns:p="http://schemas.openxmlformats.org/presentationml/2006/main">
-  <p:cSld>
-    <p:spTree>
-      <p:nvGrpSpPr>
-        <p:cNvPr id="1" name=""/>
-        <p:cNvGrpSpPr/>
-        <p:nvPr/>
-      </p:nvGrpSpPr>
-      <p:grpSpPr>
-        <a:xfrm>
-          <a:off x="0" y="0"/>
-          <a:ext cx="0" cy="0"/>
-          <a:chOff x="0" y="0"/>
-          <a:chExt cx="0" cy="0"/>
-        </a:xfrm>
-      </p:grpSpPr>
-      <p:sp>
-        <p:nvSpPr>
-          <p:cNvPr id="2" name="Title 1">
-            <a:extLst>
-              <a:ext uri="{FF2B5EF4-FFF2-40B4-BE49-F238E27FC236}">
-                <a16:creationId xmlns:a16="http://schemas.microsoft.com/office/drawing/2014/main" id="{0665A3E9-0E2C-4DAA-B149-F0FA63D1ACE1}"/>
-              </a:ext>
-            </a:extLst>
-          </p:cNvPr>
-          <p:cNvSpPr>
-            <a:spLocks noGrp="1"/>
-          </p:cNvSpPr>
-          <p:nvPr>
-            <p:ph type="title"/>
-          </p:nvPr>
-        </p:nvSpPr>
-        <p:spPr>
-          <a:xfrm>
-            <a:off x="376803" y="747680"/>
-            <a:ext cx="11584287" cy="1325563"/>
-          </a:xfrm>
-        </p:spPr>
-        <p:txBody>
-          <a:bodyPr/>
-          <a:lstStyle/>
-          <a:p>
-            <a:r>
-              <a:rPr lang="en-GB" dirty="0"/>
-              <a:t>Two datasets of ICU mortality</a:t>
-            </a:r>
-          </a:p>
-        </p:txBody>
-      </p:sp>
-      <p:graphicFrame>
-        <p:nvGraphicFramePr>
-          <p:cNvPr id="6" name="Table 6">
-            <a:extLst>
-              <a:ext uri="{FF2B5EF4-FFF2-40B4-BE49-F238E27FC236}">
-                <a16:creationId xmlns:a16="http://schemas.microsoft.com/office/drawing/2014/main" id="{46D2DB7A-0601-4724-9900-361018712F4A}"/>
-              </a:ext>
-            </a:extLst>
-          </p:cNvPr>
-          <p:cNvGraphicFramePr>
-            <a:graphicFrameLocks noGrp="1"/>
-          </p:cNvGraphicFramePr>
-          <p:nvPr>
-            <p:ph idx="1"/>
-            <p:extLst>
-              <p:ext uri="{D42A27DB-BD31-4B8C-83A1-F6EECF244321}">
-                <p14:modId xmlns:p14="http://schemas.microsoft.com/office/powerpoint/2010/main" val="1239419519"/>
-              </p:ext>
-            </p:extLst>
-          </p:nvPr>
-        </p:nvGraphicFramePr>
-        <p:xfrm>
-          <a:off x="376803" y="2297042"/>
-          <a:ext cx="11141281" cy="3339480"/>
-        </p:xfrm>
-        <a:graphic>
-          <a:graphicData uri="http://schemas.openxmlformats.org/drawingml/2006/table">
-            <a:tbl>
-              <a:tblPr bandRow="1">
-                <a:tableStyleId>{073A0DAA-6AF3-43AB-8588-CEC1D06C72B9}</a:tableStyleId>
-              </a:tblPr>
-              <a:tblGrid>
-                <a:gridCol w="3333794">
-                  <a:extLst>
-                    <a:ext uri="{9D8B030D-6E8A-4147-A177-3AD203B41FA5}">
-                      <a16:colId xmlns:a16="http://schemas.microsoft.com/office/drawing/2014/main" val="197488202"/>
-                    </a:ext>
-                  </a:extLst>
-                </a:gridCol>
-                <a:gridCol w="3780771">
-                  <a:extLst>
-                    <a:ext uri="{9D8B030D-6E8A-4147-A177-3AD203B41FA5}">
-                      <a16:colId xmlns:a16="http://schemas.microsoft.com/office/drawing/2014/main" val="2283196893"/>
-                    </a:ext>
-                  </a:extLst>
-                </a:gridCol>
-                <a:gridCol w="4026716">
-                  <a:extLst>
-                    <a:ext uri="{9D8B030D-6E8A-4147-A177-3AD203B41FA5}">
-                      <a16:colId xmlns:a16="http://schemas.microsoft.com/office/drawing/2014/main" val="1552604910"/>
-                    </a:ext>
-                  </a:extLst>
-                </a:gridCol>
-              </a:tblGrid>
-              <a:tr h="622644">
-                <a:tc>
-                  <a:txBody>
-                    <a:bodyPr/>
-                    <a:lstStyle/>
-                    <a:p>
-                      <a:r>
-                        <a:rPr lang="en-GB" sz="2400" dirty="0"/>
-                        <a:t>Outcome measure:</a:t>
-                      </a:r>
-                    </a:p>
-                  </a:txBody>
-                  <a:tcPr/>
-                </a:tc>
-                <a:tc>
-                  <a:txBody>
-                    <a:bodyPr/>
-                    <a:lstStyle/>
-                    <a:p>
-                      <a:r>
-                        <a:rPr lang="en-GB" sz="2400" dirty="0"/>
-                        <a:t>30 day mortality</a:t>
-                      </a:r>
-                      <a:endParaRPr lang="en-GB" sz="2400" b="1" dirty="0">
-                        <a:solidFill>
-                          <a:srgbClr val="984EA3"/>
-                        </a:solidFill>
-                      </a:endParaRPr>
-                    </a:p>
-                  </a:txBody>
-                  <a:tcPr/>
-                </a:tc>
-                <a:tc>
-                  <a:txBody>
-                    <a:bodyPr/>
-                    <a:lstStyle/>
-                    <a:p>
-                      <a:r>
-                        <a:rPr lang="en-GB" sz="2400" dirty="0"/>
-                        <a:t>In-unit mortality</a:t>
-                      </a:r>
-                      <a:endParaRPr lang="en-GB" sz="2400" b="1" dirty="0">
-                        <a:solidFill>
-                          <a:srgbClr val="FF7F00"/>
-                        </a:solidFill>
-                      </a:endParaRPr>
-                    </a:p>
-                  </a:txBody>
-                  <a:tcPr/>
-                </a:tc>
-                <a:extLst>
-                  <a:ext uri="{0D108BD9-81ED-4DB2-BD59-A6C34878D82A}">
-                    <a16:rowId xmlns:a16="http://schemas.microsoft.com/office/drawing/2014/main" val="1216432249"/>
-                  </a:ext>
-                </a:extLst>
-              </a:tr>
-              <a:tr h="743642">
-                <a:tc>
-                  <a:txBody>
-                    <a:bodyPr/>
-                    <a:lstStyle/>
-                    <a:p>
-                      <a:r>
-                        <a:rPr lang="en-GB" sz="2400" dirty="0"/>
-                        <a:t>Predictor:</a:t>
-                      </a:r>
-                    </a:p>
-                  </a:txBody>
-                  <a:tcPr/>
-                </a:tc>
-                <a:tc>
-                  <a:txBody>
-                    <a:bodyPr/>
-                    <a:lstStyle/>
-                    <a:p>
-                      <a:r>
-                        <a:rPr lang="en-GB" sz="2400" dirty="0"/>
-                        <a:t>APACHE-II score at </a:t>
-                      </a:r>
-                      <a:r>
-                        <a:rPr lang="en-GB" sz="2400" b="1" i="1" dirty="0"/>
-                        <a:t>discharge</a:t>
-                      </a:r>
-                      <a:r>
-                        <a:rPr lang="en-GB" sz="2400" dirty="0"/>
-                        <a:t> (worst values within 24h)</a:t>
-                      </a:r>
-                      <a:endParaRPr lang="en-GB" sz="2400" b="1" dirty="0">
-                        <a:solidFill>
-                          <a:srgbClr val="984EA3"/>
-                        </a:solidFill>
-                      </a:endParaRPr>
-                    </a:p>
-                  </a:txBody>
-                  <a:tcPr/>
-                </a:tc>
-                <a:tc>
-                  <a:txBody>
-                    <a:bodyPr/>
-                    <a:lstStyle/>
-                    <a:p>
-                      <a:pPr marL="0" marR="0" lvl="0" indent="0" algn="l" defTabSz="914400" rtl="0" eaLnBrk="1" fontAlgn="auto" latinLnBrk="0" hangingPunct="1">
-                        <a:lnSpc>
-                          <a:spcPct val="100000"/>
-                        </a:lnSpc>
-                        <a:spcBef>
-                          <a:spcPts val="0"/>
-                        </a:spcBef>
-                        <a:spcAft>
-                          <a:spcPts val="0"/>
-                        </a:spcAft>
-                        <a:buClrTx/>
-                        <a:buSzTx/>
-                        <a:buFontTx/>
-                        <a:buNone/>
-                        <a:tabLst/>
-                        <a:defRPr/>
-                      </a:pPr>
-                      <a:r>
-                        <a:rPr lang="en-GB" sz="2400" dirty="0"/>
-                        <a:t>APACHE-II score at </a:t>
-                      </a:r>
-                      <a:r>
-                        <a:rPr lang="en-GB" sz="2400" b="1" i="1" dirty="0"/>
-                        <a:t>admission</a:t>
-                      </a:r>
-                      <a:r>
-                        <a:rPr lang="en-GB" sz="2400" dirty="0"/>
-                        <a:t> (worst values within 24h)</a:t>
-                      </a:r>
-                      <a:endParaRPr lang="en-GB" sz="2400" b="1" dirty="0">
-                        <a:solidFill>
-                          <a:srgbClr val="FF7F00"/>
-                        </a:solidFill>
-                      </a:endParaRPr>
-                    </a:p>
-                  </a:txBody>
-                  <a:tcPr/>
-                </a:tc>
-                <a:extLst>
-                  <a:ext uri="{0D108BD9-81ED-4DB2-BD59-A6C34878D82A}">
-                    <a16:rowId xmlns:a16="http://schemas.microsoft.com/office/drawing/2014/main" val="3252561467"/>
-                  </a:ext>
-                </a:extLst>
-              </a:tr>
-              <a:tr h="631292">
-                <a:tc>
-                  <a:txBody>
-                    <a:bodyPr/>
-                    <a:lstStyle/>
-                    <a:p>
-                      <a:r>
-                        <a:rPr lang="en-GB" sz="2400" dirty="0"/>
-                        <a:t>Total patients:</a:t>
-                      </a:r>
-                    </a:p>
-                  </a:txBody>
-                  <a:tcPr/>
-                </a:tc>
-                <a:tc>
-                  <a:txBody>
-                    <a:bodyPr/>
-                    <a:lstStyle/>
-                    <a:p>
-                      <a:r>
-                        <a:rPr lang="en-GB" sz="2400" dirty="0"/>
-                        <a:t>6,968</a:t>
-                      </a:r>
-                      <a:endParaRPr lang="en-GB" sz="2400" b="1" dirty="0">
-                        <a:solidFill>
-                          <a:srgbClr val="984EA3"/>
-                        </a:solidFill>
-                      </a:endParaRPr>
-                    </a:p>
-                  </a:txBody>
-                  <a:tcPr/>
-                </a:tc>
-                <a:tc>
-                  <a:txBody>
-                    <a:bodyPr/>
-                    <a:lstStyle/>
-                    <a:p>
-                      <a:r>
-                        <a:rPr lang="en-GB" sz="2400" dirty="0"/>
-                        <a:t>7,398</a:t>
-                      </a:r>
-                      <a:endParaRPr lang="en-GB" sz="2400" b="1" dirty="0">
-                        <a:solidFill>
-                          <a:srgbClr val="FF7F00"/>
-                        </a:solidFill>
-                      </a:endParaRPr>
-                    </a:p>
-                  </a:txBody>
-                  <a:tcPr/>
-                </a:tc>
-                <a:extLst>
-                  <a:ext uri="{0D108BD9-81ED-4DB2-BD59-A6C34878D82A}">
-                    <a16:rowId xmlns:a16="http://schemas.microsoft.com/office/drawing/2014/main" val="3071667439"/>
-                  </a:ext>
-                </a:extLst>
-              </a:tr>
-              <a:tr h="631292">
-                <a:tc>
-                  <a:txBody>
-                    <a:bodyPr/>
-                    <a:lstStyle/>
-                    <a:p>
-                      <a:r>
-                        <a:rPr lang="en-GB" sz="2400" dirty="0"/>
-                        <a:t>Deaths:</a:t>
-                      </a:r>
-                    </a:p>
-                  </a:txBody>
-                  <a:tcPr/>
-                </a:tc>
-                <a:tc>
-                  <a:txBody>
-                    <a:bodyPr/>
-                    <a:lstStyle/>
-                    <a:p>
-                      <a:r>
-                        <a:rPr lang="en-GB" sz="2400" dirty="0"/>
-                        <a:t>319 (4.58%)</a:t>
-                      </a:r>
-                      <a:endParaRPr lang="en-GB" sz="2400" b="1" dirty="0">
-                        <a:solidFill>
-                          <a:srgbClr val="984EA3"/>
-                        </a:solidFill>
-                      </a:endParaRPr>
-                    </a:p>
-                  </a:txBody>
-                  <a:tcPr/>
-                </a:tc>
-                <a:tc>
-                  <a:txBody>
-                    <a:bodyPr/>
-                    <a:lstStyle/>
-                    <a:p>
-                      <a:pPr marL="0" marR="0" lvl="0" indent="0" algn="l" defTabSz="914400" rtl="0" eaLnBrk="1" fontAlgn="auto" latinLnBrk="0" hangingPunct="1">
-                        <a:lnSpc>
-                          <a:spcPct val="100000"/>
-                        </a:lnSpc>
-                        <a:spcBef>
-                          <a:spcPts val="0"/>
-                        </a:spcBef>
-                        <a:spcAft>
-                          <a:spcPts val="0"/>
-                        </a:spcAft>
-                        <a:buClrTx/>
-                        <a:buSzTx/>
-                        <a:buFontTx/>
-                        <a:buNone/>
-                        <a:tabLst/>
-                        <a:defRPr/>
-                      </a:pPr>
-                      <a:r>
-                        <a:rPr lang="en-GB" sz="2400" dirty="0"/>
-                        <a:t>430 (5.81%)</a:t>
-                      </a:r>
-                      <a:endParaRPr lang="en-GB" sz="2400" b="1" dirty="0">
-                        <a:solidFill>
-                          <a:srgbClr val="FF7F00"/>
-                        </a:solidFill>
-                      </a:endParaRPr>
-                    </a:p>
-                  </a:txBody>
-                  <a:tcPr/>
-                </a:tc>
-                <a:extLst>
-                  <a:ext uri="{0D108BD9-81ED-4DB2-BD59-A6C34878D82A}">
-                    <a16:rowId xmlns:a16="http://schemas.microsoft.com/office/drawing/2014/main" val="3952985244"/>
-                  </a:ext>
-                </a:extLst>
-              </a:tr>
-              <a:tr h="631292">
-                <a:tc>
-                  <a:txBody>
-                    <a:bodyPr/>
-                    <a:lstStyle/>
-                    <a:p>
-                      <a:r>
-                        <a:rPr lang="en-GB" sz="2400" dirty="0"/>
-                        <a:t>Missing APACHE-II data:</a:t>
-                      </a:r>
-                    </a:p>
-                  </a:txBody>
-                  <a:tcPr/>
-                </a:tc>
-                <a:tc>
-                  <a:txBody>
-                    <a:bodyPr/>
-                    <a:lstStyle/>
-                    <a:p>
-                      <a:r>
-                        <a:rPr lang="en-GB" sz="2400" dirty="0"/>
-                        <a:t>689 (9.89%)</a:t>
-                      </a:r>
-                      <a:endParaRPr lang="en-GB" sz="2400" b="1" dirty="0">
-                        <a:solidFill>
-                          <a:srgbClr val="984EA3"/>
-                        </a:solidFill>
-                      </a:endParaRPr>
-                    </a:p>
-                  </a:txBody>
-                  <a:tcPr/>
-                </a:tc>
-                <a:tc>
-                  <a:txBody>
-                    <a:bodyPr/>
-                    <a:lstStyle/>
-                    <a:p>
-                      <a:r>
-                        <a:rPr lang="en-GB" sz="2400" dirty="0"/>
-                        <a:t>934 (12.6%)</a:t>
-                      </a:r>
-                      <a:endParaRPr lang="en-GB" sz="2400" b="1" dirty="0">
-                        <a:solidFill>
-                          <a:srgbClr val="FF7F00"/>
-                        </a:solidFill>
-                      </a:endParaRPr>
-                    </a:p>
-                  </a:txBody>
-                  <a:tcPr/>
-                </a:tc>
-                <a:extLst>
-                  <a:ext uri="{0D108BD9-81ED-4DB2-BD59-A6C34878D82A}">
-                    <a16:rowId xmlns:a16="http://schemas.microsoft.com/office/drawing/2014/main" val="719474183"/>
-                  </a:ext>
-                </a:extLst>
-              </a:tr>
-            </a:tbl>
-          </a:graphicData>
-        </a:graphic>
-      </p:graphicFrame>
-    </p:spTree>
-    <p:extLst>
-      <p:ext uri="{BB962C8B-B14F-4D97-AF65-F5344CB8AC3E}">
-        <p14:creationId xmlns:p14="http://schemas.microsoft.com/office/powerpoint/2010/main" val="3088732940"/>
-      </p:ext>
-    </p:extLst>
-  </p:cSld>
-  <p:clrMapOvr>
-    <a:masterClrMapping/>
-  </p:clrMapOvr>
-</p:sld>
-</file>
-
 <file path=ppt/slides/slide4.xml><?xml version="1.0" encoding="utf-8"?>
 <p:sld xmlns:a="http://schemas.openxmlformats.org/drawingml/2006/main" xmlns:r="http://schemas.openxmlformats.org/officeDocument/2006/relationships" xmlns:p="http://schemas.openxmlformats.org/presentationml/2006/main">
   <p:cSld>
@@ -6917,11 +8034,13 @@
           </a:xfrm>
         </p:spPr>
         <p:txBody>
-          <a:bodyPr/>
+          <a:bodyPr>
+            <a:normAutofit/>
+          </a:bodyPr>
           <a:lstStyle/>
           <a:p>
             <a:r>
-              <a:rPr lang="en-GB" dirty="0"/>
+              <a:rPr lang="en-GB" sz="4800" dirty="0"/>
               <a:t>The APACHE-II score</a:t>
             </a:r>
           </a:p>
@@ -6955,7 +8074,13 @@
           <a:p>
             <a:r>
               <a:rPr lang="en-GB" dirty="0"/>
-              <a:t>Scored from 0 to 4</a:t>
+              <a:t>Each scored from 0 to 4</a:t>
+            </a:r>
+          </a:p>
+          <a:p>
+            <a:r>
+              <a:rPr lang="en-GB" dirty="0"/>
+              <a:t>Total score from 0 to 71</a:t>
             </a:r>
           </a:p>
           <a:p>
@@ -7475,6 +8600,55 @@
                       </p:childTnLst>
                     </p:cTn>
                   </p:par>
+                  <p:par>
+                    <p:cTn id="21" fill="hold">
+                      <p:stCondLst>
+                        <p:cond delay="indefinite"/>
+                      </p:stCondLst>
+                      <p:childTnLst>
+                        <p:par>
+                          <p:cTn id="22" fill="hold">
+                            <p:stCondLst>
+                              <p:cond delay="0"/>
+                            </p:stCondLst>
+                            <p:childTnLst>
+                              <p:par>
+                                <p:cTn id="23" presetID="1" presetClass="entr" presetSubtype="0" fill="hold" grpId="0" nodeType="clickEffect">
+                                  <p:stCondLst>
+                                    <p:cond delay="0"/>
+                                  </p:stCondLst>
+                                  <p:childTnLst>
+                                    <p:set>
+                                      <p:cBhvr>
+                                        <p:cTn id="24" dur="1" fill="hold">
+                                          <p:stCondLst>
+                                            <p:cond delay="0"/>
+                                          </p:stCondLst>
+                                        </p:cTn>
+                                        <p:tgtEl>
+                                          <p:spTgt spid="3">
+                                            <p:txEl>
+                                              <p:pRg st="4" end="4"/>
+                                            </p:txEl>
+                                          </p:spTgt>
+                                        </p:tgtEl>
+                                        <p:attrNameLst>
+                                          <p:attrName>style.visibility</p:attrName>
+                                        </p:attrNameLst>
+                                      </p:cBhvr>
+                                      <p:to>
+                                        <p:strVal val="visible"/>
+                                      </p:to>
+                                    </p:set>
+                                  </p:childTnLst>
+                                </p:cTn>
+                              </p:par>
+                            </p:childTnLst>
+                          </p:cTn>
+                        </p:par>
+                      </p:childTnLst>
+                    </p:cTn>
+                  </p:par>
                 </p:childTnLst>
               </p:cTn>
               <p:prevCondLst>
@@ -7520,48 +8694,12 @@
           <a:chExt cx="0" cy="0"/>
         </a:xfrm>
       </p:grpSpPr>
-      <p:pic>
-        <p:nvPicPr>
-          <p:cNvPr id="5" name="Picture 4">
+      <p:sp>
+        <p:nvSpPr>
+          <p:cNvPr id="2" name="Title 1">
             <a:extLst>
               <a:ext uri="{FF2B5EF4-FFF2-40B4-BE49-F238E27FC236}">
-                <a16:creationId xmlns:a16="http://schemas.microsoft.com/office/drawing/2014/main" id="{858E9B36-DB1D-4E97-B301-DF4AE1431C78}"/>
-              </a:ext>
-            </a:extLst>
-          </p:cNvPr>
-          <p:cNvPicPr>
-            <a:picLocks noChangeAspect="1"/>
-          </p:cNvPicPr>
-          <p:nvPr/>
-        </p:nvPicPr>
-        <p:blipFill>
-          <a:blip r:embed="rId2" cstate="print">
-            <a:extLst>
-              <a:ext uri="{28A0092B-C50C-407E-A947-70E740481C1C}">
-                <a14:useLocalDpi xmlns:a14="http://schemas.microsoft.com/office/drawing/2010/main" val="0"/>
-              </a:ext>
-            </a:extLst>
-          </a:blip>
-          <a:stretch>
-            <a:fillRect/>
-          </a:stretch>
-        </p:blipFill>
-        <p:spPr>
-          <a:xfrm>
-            <a:off x="1" y="740652"/>
-            <a:ext cx="12167638" cy="6117347"/>
-          </a:xfrm>
-          <a:prstGeom prst="rect">
-            <a:avLst/>
-          </a:prstGeom>
-        </p:spPr>
-      </p:pic>
-      <p:sp>
-        <p:nvSpPr>
-          <p:cNvPr id="2" name="Title 1">
-            <a:extLst>
-              <a:ext uri="{FF2B5EF4-FFF2-40B4-BE49-F238E27FC236}">
-                <a16:creationId xmlns:a16="http://schemas.microsoft.com/office/drawing/2014/main" id="{9EAEDB9A-F0BA-46AC-9379-1F278FF3698A}"/>
+                <a16:creationId xmlns:a16="http://schemas.microsoft.com/office/drawing/2014/main" id="{0665A3E9-0E2C-4DAA-B149-F0FA63D1ACE1}"/>
               </a:ext>
             </a:extLst>
           </p:cNvPr>
@@ -7574,17 +8712,515 @@
         </p:nvSpPr>
         <p:spPr>
           <a:xfrm>
-            <a:off x="0" y="740652"/>
-            <a:ext cx="12192000" cy="931178"/>
+            <a:off x="376803" y="528419"/>
+            <a:ext cx="11584287" cy="1325563"/>
           </a:xfrm>
         </p:spPr>
         <p:txBody>
-          <a:bodyPr/>
+          <a:bodyPr>
+            <a:normAutofit/>
+          </a:bodyPr>
           <a:lstStyle/>
           <a:p>
             <a:r>
-              <a:rPr lang="en-GB" dirty="0"/>
-              <a:t>Datasets differ in the structure of data missingness</a:t>
+              <a:rPr lang="en-GB" sz="4800" dirty="0"/>
+              <a:t>Two datasets of ICU mortality</a:t>
+            </a:r>
+          </a:p>
+        </p:txBody>
+      </p:sp>
+      <p:graphicFrame>
+        <p:nvGraphicFramePr>
+          <p:cNvPr id="6" name="Table 6">
+            <a:extLst>
+              <a:ext uri="{FF2B5EF4-FFF2-40B4-BE49-F238E27FC236}">
+                <a16:creationId xmlns:a16="http://schemas.microsoft.com/office/drawing/2014/main" id="{46D2DB7A-0601-4724-9900-361018712F4A}"/>
+              </a:ext>
+            </a:extLst>
+          </p:cNvPr>
+          <p:cNvGraphicFramePr>
+            <a:graphicFrameLocks noGrp="1"/>
+          </p:cNvGraphicFramePr>
+          <p:nvPr>
+            <p:ph idx="1"/>
+            <p:extLst>
+              <p:ext uri="{D42A27DB-BD31-4B8C-83A1-F6EECF244321}">
+                <p14:modId xmlns:p14="http://schemas.microsoft.com/office/powerpoint/2010/main" val="714347643"/>
+              </p:ext>
+            </p:extLst>
+          </p:nvPr>
+        </p:nvGraphicFramePr>
+        <p:xfrm>
+          <a:off x="376803" y="1853982"/>
+          <a:ext cx="10030390" cy="3705240"/>
+        </p:xfrm>
+        <a:graphic>
+          <a:graphicData uri="http://schemas.openxmlformats.org/drawingml/2006/table">
+            <a:tbl>
+              <a:tblPr bandRow="1">
+                <a:tableStyleId>{073A0DAA-6AF3-43AB-8588-CEC1D06C72B9}</a:tableStyleId>
+              </a:tblPr>
+              <a:tblGrid>
+                <a:gridCol w="3484826">
+                  <a:extLst>
+                    <a:ext uri="{9D8B030D-6E8A-4147-A177-3AD203B41FA5}">
+                      <a16:colId xmlns:a16="http://schemas.microsoft.com/office/drawing/2014/main" val="197488202"/>
+                    </a:ext>
+                  </a:extLst>
+                </a:gridCol>
+                <a:gridCol w="2997670">
+                  <a:extLst>
+                    <a:ext uri="{9D8B030D-6E8A-4147-A177-3AD203B41FA5}">
+                      <a16:colId xmlns:a16="http://schemas.microsoft.com/office/drawing/2014/main" val="1552604910"/>
+                    </a:ext>
+                  </a:extLst>
+                </a:gridCol>
+                <a:gridCol w="3547894">
+                  <a:extLst>
+                    <a:ext uri="{9D8B030D-6E8A-4147-A177-3AD203B41FA5}">
+                      <a16:colId xmlns:a16="http://schemas.microsoft.com/office/drawing/2014/main" val="1532828289"/>
+                    </a:ext>
+                  </a:extLst>
+                </a:gridCol>
+              </a:tblGrid>
+              <a:tr h="622644">
+                <a:tc>
+                  <a:txBody>
+                    <a:bodyPr/>
+                    <a:lstStyle/>
+                    <a:p>
+                      <a:r>
+                        <a:rPr lang="en-GB" sz="2400" dirty="0"/>
+                        <a:t>Outcome measure:</a:t>
+                      </a:r>
+                    </a:p>
+                  </a:txBody>
+                  <a:tcPr/>
+                </a:tc>
+                <a:tc>
+                  <a:txBody>
+                    <a:bodyPr/>
+                    <a:lstStyle/>
+                    <a:p>
+                      <a:r>
+                        <a:rPr lang="en-GB" sz="2400" dirty="0"/>
+                        <a:t>In-unit mortality</a:t>
+                      </a:r>
+                      <a:endParaRPr lang="en-GB" sz="2400" b="1" dirty="0">
+                        <a:solidFill>
+                          <a:srgbClr val="FF7F00"/>
+                        </a:solidFill>
+                      </a:endParaRPr>
+                    </a:p>
+                  </a:txBody>
+                  <a:tcPr/>
+                </a:tc>
+                <a:tc>
+                  <a:txBody>
+                    <a:bodyPr/>
+                    <a:lstStyle/>
+                    <a:p>
+                      <a:r>
+                        <a:rPr lang="en-GB" sz="2400" dirty="0"/>
+                        <a:t>30 day mortality</a:t>
+                      </a:r>
+                      <a:endParaRPr lang="en-GB" sz="2400" b="1" dirty="0">
+                        <a:solidFill>
+                          <a:srgbClr val="984EA3"/>
+                        </a:solidFill>
+                      </a:endParaRPr>
+                    </a:p>
+                  </a:txBody>
+                  <a:tcPr/>
+                </a:tc>
+                <a:extLst>
+                  <a:ext uri="{0D108BD9-81ED-4DB2-BD59-A6C34878D82A}">
+                    <a16:rowId xmlns:a16="http://schemas.microsoft.com/office/drawing/2014/main" val="1216432249"/>
+                  </a:ext>
+                </a:extLst>
+              </a:tr>
+              <a:tr h="743642">
+                <a:tc>
+                  <a:txBody>
+                    <a:bodyPr/>
+                    <a:lstStyle/>
+                    <a:p>
+                      <a:r>
+                        <a:rPr lang="en-GB" sz="2400" dirty="0"/>
+                        <a:t>Predictor:</a:t>
+                      </a:r>
+                    </a:p>
+                  </a:txBody>
+                  <a:tcPr/>
+                </a:tc>
+                <a:tc>
+                  <a:txBody>
+                    <a:bodyPr/>
+                    <a:lstStyle/>
+                    <a:p>
+                      <a:pPr marL="0" marR="0" lvl="0" indent="0" algn="l" defTabSz="914400" rtl="0" eaLnBrk="1" fontAlgn="auto" latinLnBrk="0" hangingPunct="1">
+                        <a:lnSpc>
+                          <a:spcPct val="100000"/>
+                        </a:lnSpc>
+                        <a:spcBef>
+                          <a:spcPts val="0"/>
+                        </a:spcBef>
+                        <a:spcAft>
+                          <a:spcPts val="0"/>
+                        </a:spcAft>
+                        <a:buClrTx/>
+                        <a:buSzTx/>
+                        <a:buFontTx/>
+                        <a:buNone/>
+                        <a:tabLst/>
+                        <a:defRPr/>
+                      </a:pPr>
+                      <a:r>
+                        <a:rPr lang="en-GB" sz="2400" dirty="0"/>
+                        <a:t>APACHE-II score at </a:t>
+                      </a:r>
+                      <a:r>
+                        <a:rPr lang="en-GB" sz="2400" b="1" i="1" dirty="0"/>
+                        <a:t>admission</a:t>
+                      </a:r>
+                      <a:r>
+                        <a:rPr lang="en-GB" sz="2400" dirty="0"/>
+                        <a:t> (worst values within 24h)</a:t>
+                      </a:r>
+                      <a:endParaRPr lang="en-GB" sz="2400" b="1" dirty="0">
+                        <a:solidFill>
+                          <a:srgbClr val="FF7F00"/>
+                        </a:solidFill>
+                      </a:endParaRPr>
+                    </a:p>
+                  </a:txBody>
+                  <a:tcPr/>
+                </a:tc>
+                <a:tc>
+                  <a:txBody>
+                    <a:bodyPr/>
+                    <a:lstStyle/>
+                    <a:p>
+                      <a:r>
+                        <a:rPr lang="en-GB" sz="2400" dirty="0"/>
+                        <a:t>APACHE-II score at </a:t>
+                      </a:r>
+                      <a:r>
+                        <a:rPr lang="en-GB" sz="2400" b="1" i="1" dirty="0"/>
+                        <a:t>discharge</a:t>
+                      </a:r>
+                      <a:r>
+                        <a:rPr lang="en-GB" sz="2400" dirty="0"/>
+                        <a:t> (worst values within 24h)</a:t>
+                      </a:r>
+                      <a:endParaRPr lang="en-GB" sz="2400" b="1" dirty="0">
+                        <a:solidFill>
+                          <a:srgbClr val="984EA3"/>
+                        </a:solidFill>
+                      </a:endParaRPr>
+                    </a:p>
+                  </a:txBody>
+                  <a:tcPr/>
+                </a:tc>
+                <a:extLst>
+                  <a:ext uri="{0D108BD9-81ED-4DB2-BD59-A6C34878D82A}">
+                    <a16:rowId xmlns:a16="http://schemas.microsoft.com/office/drawing/2014/main" val="3252561467"/>
+                  </a:ext>
+                </a:extLst>
+              </a:tr>
+              <a:tr h="631292">
+                <a:tc>
+                  <a:txBody>
+                    <a:bodyPr/>
+                    <a:lstStyle/>
+                    <a:p>
+                      <a:r>
+                        <a:rPr lang="en-GB" sz="2400" dirty="0"/>
+                        <a:t>Total patients:</a:t>
+                      </a:r>
+                    </a:p>
+                  </a:txBody>
+                  <a:tcPr/>
+                </a:tc>
+                <a:tc>
+                  <a:txBody>
+                    <a:bodyPr/>
+                    <a:lstStyle/>
+                    <a:p>
+                      <a:r>
+                        <a:rPr lang="en-GB" sz="2400" dirty="0"/>
+                        <a:t>7,398</a:t>
+                      </a:r>
+                      <a:endParaRPr lang="en-GB" sz="2400" b="1" dirty="0">
+                        <a:solidFill>
+                          <a:srgbClr val="FF7F00"/>
+                        </a:solidFill>
+                      </a:endParaRPr>
+                    </a:p>
+                  </a:txBody>
+                  <a:tcPr/>
+                </a:tc>
+                <a:tc>
+                  <a:txBody>
+                    <a:bodyPr/>
+                    <a:lstStyle/>
+                    <a:p>
+                      <a:r>
+                        <a:rPr lang="en-GB" sz="2400" dirty="0"/>
+                        <a:t>6,968</a:t>
+                      </a:r>
+                      <a:endParaRPr lang="en-GB" sz="2400" b="1" dirty="0">
+                        <a:solidFill>
+                          <a:srgbClr val="984EA3"/>
+                        </a:solidFill>
+                      </a:endParaRPr>
+                    </a:p>
+                  </a:txBody>
+                  <a:tcPr/>
+                </a:tc>
+                <a:extLst>
+                  <a:ext uri="{0D108BD9-81ED-4DB2-BD59-A6C34878D82A}">
+                    <a16:rowId xmlns:a16="http://schemas.microsoft.com/office/drawing/2014/main" val="3071667439"/>
+                  </a:ext>
+                </a:extLst>
+              </a:tr>
+              <a:tr h="631292">
+                <a:tc>
+                  <a:txBody>
+                    <a:bodyPr/>
+                    <a:lstStyle/>
+                    <a:p>
+                      <a:r>
+                        <a:rPr lang="en-GB" sz="2400" dirty="0"/>
+                        <a:t>Deaths:</a:t>
+                      </a:r>
+                    </a:p>
+                  </a:txBody>
+                  <a:tcPr/>
+                </a:tc>
+                <a:tc>
+                  <a:txBody>
+                    <a:bodyPr/>
+                    <a:lstStyle/>
+                    <a:p>
+                      <a:pPr marL="0" marR="0" lvl="0" indent="0" algn="l" defTabSz="914400" rtl="0" eaLnBrk="1" fontAlgn="auto" latinLnBrk="0" hangingPunct="1">
+                        <a:lnSpc>
+                          <a:spcPct val="100000"/>
+                        </a:lnSpc>
+                        <a:spcBef>
+                          <a:spcPts val="0"/>
+                        </a:spcBef>
+                        <a:spcAft>
+                          <a:spcPts val="0"/>
+                        </a:spcAft>
+                        <a:buClrTx/>
+                        <a:buSzTx/>
+                        <a:buFontTx/>
+                        <a:buNone/>
+                        <a:tabLst/>
+                        <a:defRPr/>
+                      </a:pPr>
+                      <a:r>
+                        <a:rPr lang="en-GB" sz="2400" dirty="0"/>
+                        <a:t>430 (5.81%)</a:t>
+                      </a:r>
+                      <a:endParaRPr lang="en-GB" sz="2400" b="1" dirty="0">
+                        <a:solidFill>
+                          <a:srgbClr val="FF7F00"/>
+                        </a:solidFill>
+                      </a:endParaRPr>
+                    </a:p>
+                  </a:txBody>
+                  <a:tcPr/>
+                </a:tc>
+                <a:tc>
+                  <a:txBody>
+                    <a:bodyPr/>
+                    <a:lstStyle/>
+                    <a:p>
+                      <a:r>
+                        <a:rPr lang="en-GB" sz="2400" dirty="0"/>
+                        <a:t>319 (4.58%)</a:t>
+                      </a:r>
+                      <a:endParaRPr lang="en-GB" sz="2400" b="1" dirty="0">
+                        <a:solidFill>
+                          <a:srgbClr val="984EA3"/>
+                        </a:solidFill>
+                      </a:endParaRPr>
+                    </a:p>
+                  </a:txBody>
+                  <a:tcPr/>
+                </a:tc>
+                <a:extLst>
+                  <a:ext uri="{0D108BD9-81ED-4DB2-BD59-A6C34878D82A}">
+                    <a16:rowId xmlns:a16="http://schemas.microsoft.com/office/drawing/2014/main" val="3952985244"/>
+                  </a:ext>
+                </a:extLst>
+              </a:tr>
+              <a:tr h="631292">
+                <a:tc>
+                  <a:txBody>
+                    <a:bodyPr/>
+                    <a:lstStyle/>
+                    <a:p>
+                      <a:r>
+                        <a:rPr lang="en-GB" sz="2400" dirty="0"/>
+                        <a:t>Missing APACHE-II data:</a:t>
+                      </a:r>
+                    </a:p>
+                  </a:txBody>
+                  <a:tcPr/>
+                </a:tc>
+                <a:tc>
+                  <a:txBody>
+                    <a:bodyPr/>
+                    <a:lstStyle/>
+                    <a:p>
+                      <a:r>
+                        <a:rPr lang="en-GB" sz="2400" dirty="0"/>
+                        <a:t>934 (12.6%)</a:t>
+                      </a:r>
+                      <a:endParaRPr lang="en-GB" sz="2400" b="1" dirty="0">
+                        <a:solidFill>
+                          <a:srgbClr val="FF7F00"/>
+                        </a:solidFill>
+                      </a:endParaRPr>
+                    </a:p>
+                  </a:txBody>
+                  <a:tcPr/>
+                </a:tc>
+                <a:tc>
+                  <a:txBody>
+                    <a:bodyPr/>
+                    <a:lstStyle/>
+                    <a:p>
+                      <a:r>
+                        <a:rPr lang="en-GB" sz="2400" dirty="0"/>
+                        <a:t>689 (9.89%)</a:t>
+                      </a:r>
+                      <a:endParaRPr lang="en-GB" sz="2400" b="1" dirty="0">
+                        <a:solidFill>
+                          <a:srgbClr val="984EA3"/>
+                        </a:solidFill>
+                      </a:endParaRPr>
+                    </a:p>
+                  </a:txBody>
+                  <a:tcPr/>
+                </a:tc>
+                <a:extLst>
+                  <a:ext uri="{0D108BD9-81ED-4DB2-BD59-A6C34878D82A}">
+                    <a16:rowId xmlns:a16="http://schemas.microsoft.com/office/drawing/2014/main" val="719474183"/>
+                  </a:ext>
+                </a:extLst>
+              </a:tr>
+            </a:tbl>
+          </a:graphicData>
+        </a:graphic>
+      </p:graphicFrame>
+      <p:sp>
+        <p:nvSpPr>
+          <p:cNvPr id="3" name="Rectangle 2">
+            <a:extLst>
+              <a:ext uri="{FF2B5EF4-FFF2-40B4-BE49-F238E27FC236}">
+                <a16:creationId xmlns:a16="http://schemas.microsoft.com/office/drawing/2014/main" id="{6252B26F-F805-45CB-AC0B-709605D97F73}"/>
+              </a:ext>
+            </a:extLst>
+          </p:cNvPr>
+          <p:cNvSpPr/>
+          <p:nvPr/>
+        </p:nvSpPr>
+        <p:spPr>
+          <a:xfrm>
+            <a:off x="6862713" y="1677971"/>
+            <a:ext cx="4176075" cy="4081806"/>
+          </a:xfrm>
+          <a:prstGeom prst="rect">
+            <a:avLst/>
+          </a:prstGeom>
+          <a:solidFill>
+            <a:schemeClr val="bg1"/>
+          </a:solidFill>
+          <a:ln>
+            <a:solidFill>
+              <a:schemeClr val="bg1"/>
+            </a:solidFill>
+          </a:ln>
+        </p:spPr>
+        <p:style>
+          <a:lnRef idx="2">
+            <a:schemeClr val="accent3">
+              <a:shade val="50000"/>
+            </a:schemeClr>
+          </a:lnRef>
+          <a:fillRef idx="1">
+            <a:schemeClr val="accent3"/>
+          </a:fillRef>
+          <a:effectRef idx="0">
+            <a:schemeClr val="accent3"/>
+          </a:effectRef>
+          <a:fontRef idx="minor">
+            <a:schemeClr val="lt1"/>
+          </a:fontRef>
+        </p:style>
+        <p:txBody>
+          <a:bodyPr rtlCol="0" anchor="ctr"/>
+          <a:lstStyle/>
+          <a:p>
+            <a:pPr algn="ctr"/>
+            <a:endParaRPr lang="en-GB"/>
+          </a:p>
+        </p:txBody>
+      </p:sp>
+      <p:sp>
+        <p:nvSpPr>
+          <p:cNvPr id="5" name="Title 1">
+            <a:extLst>
+              <a:ext uri="{FF2B5EF4-FFF2-40B4-BE49-F238E27FC236}">
+                <a16:creationId xmlns:a16="http://schemas.microsoft.com/office/drawing/2014/main" id="{23B6409C-0A98-41DE-9E39-0F862671157D}"/>
+              </a:ext>
+            </a:extLst>
+          </p:cNvPr>
+          <p:cNvSpPr txBox="1">
+            <a:spLocks/>
+          </p:cNvSpPr>
+          <p:nvPr/>
+        </p:nvSpPr>
+        <p:spPr>
+          <a:xfrm>
+            <a:off x="925216" y="5530910"/>
+            <a:ext cx="10030390" cy="1325563"/>
+          </a:xfrm>
+          <a:prstGeom prst="rect">
+            <a:avLst/>
+          </a:prstGeom>
+        </p:spPr>
+        <p:txBody>
+          <a:bodyPr vert="horz" lIns="91440" tIns="45720" rIns="91440" bIns="45720" rtlCol="0" anchor="ctr">
+            <a:normAutofit fontScale="92500"/>
+          </a:bodyPr>
+          <a:lstStyle>
+            <a:lvl1pPr algn="l" defTabSz="914400" rtl="0" eaLnBrk="1" latinLnBrk="0" hangingPunct="1">
+              <a:lnSpc>
+                <a:spcPct val="90000"/>
+              </a:lnSpc>
+              <a:spcBef>
+                <a:spcPct val="0"/>
+              </a:spcBef>
+              <a:buNone/>
+              <a:defRPr sz="4400" kern="1200">
+                <a:solidFill>
+                  <a:schemeClr val="tx1"/>
+                </a:solidFill>
+                <a:latin typeface="+mj-lt"/>
+                <a:ea typeface="+mj-ea"/>
+                <a:cs typeface="+mj-cs"/>
+              </a:defRPr>
+            </a:lvl1pPr>
+          </a:lstStyle>
+          <a:p>
+            <a:r>
+              <a:rPr lang="en-GB" sz="4000" dirty="0"/>
+              <a:t>Aim: Determine best imputation methods in two differently-structured electronic health records</a:t>
             </a:r>
           </a:p>
         </p:txBody>
@@ -7592,116 +9228,149 @@
     </p:spTree>
     <p:extLst>
       <p:ext uri="{BB962C8B-B14F-4D97-AF65-F5344CB8AC3E}">
-        <p14:creationId xmlns:p14="http://schemas.microsoft.com/office/powerpoint/2010/main" val="4209950925"/>
+        <p14:creationId xmlns:p14="http://schemas.microsoft.com/office/powerpoint/2010/main" val="3088732940"/>
       </p:ext>
     </p:extLst>
   </p:cSld>
   <p:clrMapOvr>
     <a:masterClrMapping/>
   </p:clrMapOvr>
+  <p:timing>
+    <p:tnLst>
+      <p:par>
+        <p:cTn id="1" dur="indefinite" restart="never" nodeType="tmRoot">
+          <p:childTnLst>
+            <p:seq concurrent="1" nextAc="seek">
+              <p:cTn id="2" dur="indefinite" nodeType="mainSeq">
+                <p:childTnLst>
+                  <p:par>
+                    <p:cTn id="3" fill="hold">
+                      <p:stCondLst>
+                        <p:cond delay="indefinite"/>
+                      </p:stCondLst>
+                      <p:childTnLst>
+                        <p:par>
+                          <p:cTn id="4" fill="hold">
+                            <p:stCondLst>
+                              <p:cond delay="0"/>
+                            </p:stCondLst>
+                            <p:childTnLst>
+                              <p:par>
+                                <p:cTn id="5" presetID="10" presetClass="exit" presetSubtype="0" fill="hold" grpId="0" nodeType="clickEffect">
+                                  <p:stCondLst>
+                                    <p:cond delay="0"/>
+                                  </p:stCondLst>
+                                  <p:childTnLst>
+                                    <p:animEffect transition="out" filter="fade">
+                                      <p:cBhvr>
+                                        <p:cTn id="6" dur="500"/>
+                                        <p:tgtEl>
+                                          <p:spTgt spid="3"/>
+                                        </p:tgtEl>
+                                      </p:cBhvr>
+                                    </p:animEffect>
+                                    <p:set>
+                                      <p:cBhvr>
+                                        <p:cTn id="7" dur="1" fill="hold">
+                                          <p:stCondLst>
+                                            <p:cond delay="499"/>
+                                          </p:stCondLst>
+                                        </p:cTn>
+                                        <p:tgtEl>
+                                          <p:spTgt spid="3"/>
+                                        </p:tgtEl>
+                                        <p:attrNameLst>
+                                          <p:attrName>style.visibility</p:attrName>
+                                        </p:attrNameLst>
+                                      </p:cBhvr>
+                                      <p:to>
+                                        <p:strVal val="hidden"/>
+                                      </p:to>
+                                    </p:set>
+                                  </p:childTnLst>
+                                </p:cTn>
+                              </p:par>
+                            </p:childTnLst>
+                          </p:cTn>
+                        </p:par>
+                      </p:childTnLst>
+                    </p:cTn>
+                  </p:par>
+                  <p:par>
+                    <p:cTn id="8" fill="hold">
+                      <p:stCondLst>
+                        <p:cond delay="indefinite"/>
+                      </p:stCondLst>
+                      <p:childTnLst>
+                        <p:par>
+                          <p:cTn id="9" fill="hold">
+                            <p:stCondLst>
+                              <p:cond delay="0"/>
+                            </p:stCondLst>
+                            <p:childTnLst>
+                              <p:par>
+                                <p:cTn id="10" presetID="1" presetClass="entr" presetSubtype="0" fill="hold" grpId="0" nodeType="clickEffect">
+                                  <p:stCondLst>
+                                    <p:cond delay="0"/>
+                                  </p:stCondLst>
+                                  <p:childTnLst>
+                                    <p:set>
+                                      <p:cBhvr>
+                                        <p:cTn id="11" dur="1" fill="hold">
+                                          <p:stCondLst>
+                                            <p:cond delay="0"/>
+                                          </p:stCondLst>
+                                        </p:cTn>
+                                        <p:tgtEl>
+                                          <p:spTgt spid="5"/>
+                                        </p:tgtEl>
+                                        <p:attrNameLst>
+                                          <p:attrName>style.visibility</p:attrName>
+                                        </p:attrNameLst>
+                                      </p:cBhvr>
+                                      <p:to>
+                                        <p:strVal val="visible"/>
+                                      </p:to>
+                                    </p:set>
+                                  </p:childTnLst>
+                                </p:cTn>
+                              </p:par>
+                            </p:childTnLst>
+                          </p:cTn>
+                        </p:par>
+                      </p:childTnLst>
+                    </p:cTn>
+                  </p:par>
+                </p:childTnLst>
+              </p:cTn>
+              <p:prevCondLst>
+                <p:cond evt="onPrev" delay="0">
+                  <p:tgtEl>
+                    <p:sldTgt/>
+                  </p:tgtEl>
+                </p:cond>
+              </p:prevCondLst>
+              <p:nextCondLst>
+                <p:cond evt="onNext" delay="0">
+                  <p:tgtEl>
+                    <p:sldTgt/>
+                  </p:tgtEl>
+                </p:cond>
+              </p:nextCondLst>
+            </p:seq>
+          </p:childTnLst>
+        </p:cTn>
+      </p:par>
+    </p:tnLst>
+    <p:bldLst>
+      <p:bldP spid="3" grpId="0" animBg="1"/>
+      <p:bldP spid="5" grpId="0"/>
+    </p:bldLst>
+  </p:timing>
 </p:sld>
 </file>
 
 <file path=ppt/slides/slide6.xml><?xml version="1.0" encoding="utf-8"?>
-<p:sld xmlns:a="http://schemas.openxmlformats.org/drawingml/2006/main" xmlns:r="http://schemas.openxmlformats.org/officeDocument/2006/relationships" xmlns:p="http://schemas.openxmlformats.org/presentationml/2006/main">
-  <p:cSld>
-    <p:spTree>
-      <p:nvGrpSpPr>
-        <p:cNvPr id="1" name=""/>
-        <p:cNvGrpSpPr/>
-        <p:nvPr/>
-      </p:nvGrpSpPr>
-      <p:grpSpPr>
-        <a:xfrm>
-          <a:off x="0" y="0"/>
-          <a:ext cx="0" cy="0"/>
-          <a:chOff x="0" y="0"/>
-          <a:chExt cx="0" cy="0"/>
-        </a:xfrm>
-      </p:grpSpPr>
-      <p:pic>
-        <p:nvPicPr>
-          <p:cNvPr id="4" name="Picture 3">
-            <a:extLst>
-              <a:ext uri="{FF2B5EF4-FFF2-40B4-BE49-F238E27FC236}">
-                <a16:creationId xmlns:a16="http://schemas.microsoft.com/office/drawing/2014/main" id="{BBF137A7-F4F1-4650-A548-91D7D674C3B3}"/>
-              </a:ext>
-            </a:extLst>
-          </p:cNvPr>
-          <p:cNvPicPr>
-            <a:picLocks noChangeAspect="1"/>
-          </p:cNvPicPr>
-          <p:nvPr/>
-        </p:nvPicPr>
-        <p:blipFill>
-          <a:blip r:embed="rId2" cstate="print">
-            <a:extLst>
-              <a:ext uri="{28A0092B-C50C-407E-A947-70E740481C1C}">
-                <a14:useLocalDpi xmlns:a14="http://schemas.microsoft.com/office/drawing/2010/main" val="0"/>
-              </a:ext>
-            </a:extLst>
-          </a:blip>
-          <a:stretch>
-            <a:fillRect/>
-          </a:stretch>
-        </p:blipFill>
-        <p:spPr>
-          <a:xfrm>
-            <a:off x="0" y="849086"/>
-            <a:ext cx="12192000" cy="6008404"/>
-          </a:xfrm>
-          <a:prstGeom prst="rect">
-            <a:avLst/>
-          </a:prstGeom>
-        </p:spPr>
-      </p:pic>
-      <p:sp>
-        <p:nvSpPr>
-          <p:cNvPr id="6" name="Title 1">
-            <a:extLst>
-              <a:ext uri="{FF2B5EF4-FFF2-40B4-BE49-F238E27FC236}">
-                <a16:creationId xmlns:a16="http://schemas.microsoft.com/office/drawing/2014/main" id="{341370B2-5826-4312-A0B3-4ED214D6CD0C}"/>
-              </a:ext>
-            </a:extLst>
-          </p:cNvPr>
-          <p:cNvSpPr>
-            <a:spLocks noGrp="1"/>
-          </p:cNvSpPr>
-          <p:nvPr>
-            <p:ph type="title"/>
-          </p:nvPr>
-        </p:nvSpPr>
-        <p:spPr>
-          <a:xfrm>
-            <a:off x="0" y="740652"/>
-            <a:ext cx="12192000" cy="931178"/>
-          </a:xfrm>
-        </p:spPr>
-        <p:txBody>
-          <a:bodyPr/>
-          <a:lstStyle/>
-          <a:p>
-            <a:r>
-              <a:rPr lang="en-GB" dirty="0"/>
-              <a:t>Datasets differ in the structure of data missingness</a:t>
-            </a:r>
-          </a:p>
-        </p:txBody>
-      </p:sp>
-    </p:spTree>
-    <p:extLst>
-      <p:ext uri="{BB962C8B-B14F-4D97-AF65-F5344CB8AC3E}">
-        <p14:creationId xmlns:p14="http://schemas.microsoft.com/office/powerpoint/2010/main" val="1517840974"/>
-      </p:ext>
-    </p:extLst>
-  </p:cSld>
-  <p:clrMapOvr>
-    <a:masterClrMapping/>
-  </p:clrMapOvr>
-</p:sld>
-</file>
-
-<file path=ppt/slides/slide7.xml><?xml version="1.0" encoding="utf-8"?>
 <p:sld xmlns:a="http://schemas.openxmlformats.org/drawingml/2006/main" xmlns:r="http://schemas.openxmlformats.org/officeDocument/2006/relationships" xmlns:p="http://schemas.openxmlformats.org/presentationml/2006/main">
   <p:cSld>
     <p:spTree>
@@ -7900,8 +9569,8 @@
         </p:nvSpPr>
         <p:spPr>
           <a:xfrm>
-            <a:off x="4510481" y="5071327"/>
-            <a:ext cx="1585519" cy="789596"/>
+            <a:off x="4348653" y="5071327"/>
+            <a:ext cx="1909173" cy="789596"/>
           </a:xfrm>
           <a:prstGeom prst="roundRect">
             <a:avLst/>
@@ -7937,7 +9606,7 @@
                   <a:schemeClr val="tx1"/>
                 </a:solidFill>
               </a:rPr>
-              <a:t>Train mortality model</a:t>
+              <a:t>Train logistic regression model</a:t>
             </a:r>
           </a:p>
         </p:txBody>
@@ -8444,7 +10113,7 @@
         <p:spPr>
           <a:xfrm flipV="1">
             <a:off x="3502404" y="5466125"/>
-            <a:ext cx="1008077" cy="1"/>
+            <a:ext cx="846249" cy="1"/>
           </a:xfrm>
           <a:prstGeom prst="straightConnector1">
             <a:avLst/>
@@ -8739,8 +10408,8 @@
         </p:nvCxnSpPr>
         <p:spPr>
           <a:xfrm flipV="1">
-            <a:off x="6096000" y="4654824"/>
-            <a:ext cx="1008076" cy="811301"/>
+            <a:off x="6257826" y="4654824"/>
+            <a:ext cx="846250" cy="811301"/>
           </a:xfrm>
           <a:prstGeom prst="straightConnector1">
             <a:avLst/>
@@ -9511,6 +11180,106 @@
 </p:sld>
 </file>
 
+<file path=ppt/slides/slide7.xml><?xml version="1.0" encoding="utf-8"?>
+<p:sld xmlns:a="http://schemas.openxmlformats.org/drawingml/2006/main" xmlns:r="http://schemas.openxmlformats.org/officeDocument/2006/relationships" xmlns:p="http://schemas.openxmlformats.org/presentationml/2006/main">
+  <p:cSld>
+    <p:spTree>
+      <p:nvGrpSpPr>
+        <p:cNvPr id="1" name=""/>
+        <p:cNvGrpSpPr/>
+        <p:nvPr/>
+      </p:nvGrpSpPr>
+      <p:grpSpPr>
+        <a:xfrm>
+          <a:off x="0" y="0"/>
+          <a:ext cx="0" cy="0"/>
+          <a:chOff x="0" y="0"/>
+          <a:chExt cx="0" cy="0"/>
+        </a:xfrm>
+      </p:grpSpPr>
+      <p:pic>
+        <p:nvPicPr>
+          <p:cNvPr id="4" name="Picture 3">
+            <a:extLst>
+              <a:ext uri="{FF2B5EF4-FFF2-40B4-BE49-F238E27FC236}">
+                <a16:creationId xmlns:a16="http://schemas.microsoft.com/office/drawing/2014/main" id="{FEF324F3-6757-42B7-83D8-0AE786CC69B6}"/>
+              </a:ext>
+            </a:extLst>
+          </p:cNvPr>
+          <p:cNvPicPr>
+            <a:picLocks noChangeAspect="1"/>
+          </p:cNvPicPr>
+          <p:nvPr/>
+        </p:nvPicPr>
+        <p:blipFill>
+          <a:blip r:embed="rId3">
+            <a:extLst>
+              <a:ext uri="{28A0092B-C50C-407E-A947-70E740481C1C}">
+                <a14:useLocalDpi xmlns:a14="http://schemas.microsoft.com/office/drawing/2010/main" val="0"/>
+              </a:ext>
+            </a:extLst>
+          </a:blip>
+          <a:srcRect/>
+          <a:stretch/>
+        </p:blipFill>
+        <p:spPr>
+          <a:xfrm>
+            <a:off x="0" y="1900518"/>
+            <a:ext cx="12192000" cy="5048441"/>
+          </a:xfrm>
+          <a:prstGeom prst="rect">
+            <a:avLst/>
+          </a:prstGeom>
+        </p:spPr>
+      </p:pic>
+      <p:sp>
+        <p:nvSpPr>
+          <p:cNvPr id="2" name="Title 1">
+            <a:extLst>
+              <a:ext uri="{FF2B5EF4-FFF2-40B4-BE49-F238E27FC236}">
+                <a16:creationId xmlns:a16="http://schemas.microsoft.com/office/drawing/2014/main" id="{99DE5999-6658-49D4-B047-7BE146CBE10B}"/>
+              </a:ext>
+            </a:extLst>
+          </p:cNvPr>
+          <p:cNvSpPr>
+            <a:spLocks noGrp="1"/>
+          </p:cNvSpPr>
+          <p:nvPr>
+            <p:ph type="title"/>
+          </p:nvPr>
+        </p:nvSpPr>
+        <p:spPr>
+          <a:xfrm>
+            <a:off x="376806" y="717176"/>
+            <a:ext cx="11537288" cy="1325563"/>
+          </a:xfrm>
+        </p:spPr>
+        <p:txBody>
+          <a:bodyPr>
+            <a:normAutofit/>
+          </a:bodyPr>
+          <a:lstStyle/>
+          <a:p>
+            <a:r>
+              <a:rPr lang="en-GB" sz="4000" dirty="0"/>
+              <a:t>Assuming zero works well for discharge scores, but not admission scores</a:t>
+            </a:r>
+          </a:p>
+        </p:txBody>
+      </p:sp>
+    </p:spTree>
+    <p:extLst>
+      <p:ext uri="{BB962C8B-B14F-4D97-AF65-F5344CB8AC3E}">
+        <p14:creationId xmlns:p14="http://schemas.microsoft.com/office/powerpoint/2010/main" val="1897174453"/>
+      </p:ext>
+    </p:extLst>
+  </p:cSld>
+  <p:clrMapOvr>
+    <a:masterClrMapping/>
+  </p:clrMapOvr>
+</p:sld>
+</file>
+
 <file path=ppt/slides/slide8.xml><?xml version="1.0" encoding="utf-8"?>
 <p:sld xmlns:a="http://schemas.openxmlformats.org/drawingml/2006/main" xmlns:r="http://schemas.openxmlformats.org/officeDocument/2006/relationships" xmlns:p="http://schemas.openxmlformats.org/presentationml/2006/main">
   <p:cSld>
@@ -9530,10 +11299,10 @@
       </p:grpSpPr>
       <p:pic>
         <p:nvPicPr>
-          <p:cNvPr id="4" name="Picture 3">
+          <p:cNvPr id="6" name="Picture 5">
             <a:extLst>
               <a:ext uri="{FF2B5EF4-FFF2-40B4-BE49-F238E27FC236}">
-                <a16:creationId xmlns:a16="http://schemas.microsoft.com/office/drawing/2014/main" id="{FEF324F3-6757-42B7-83D8-0AE786CC69B6}"/>
+                <a16:creationId xmlns:a16="http://schemas.microsoft.com/office/drawing/2014/main" id="{B54BC6A4-A306-4B88-841A-CE4AB43F2F62}"/>
               </a:ext>
             </a:extLst>
           </p:cNvPr>
@@ -9543,7 +11312,7 @@
           <p:nvPr/>
         </p:nvPicPr>
         <p:blipFill>
-          <a:blip r:embed="rId2">
+          <a:blip r:embed="rId3">
             <a:extLst>
               <a:ext uri="{28A0092B-C50C-407E-A947-70E740481C1C}">
                 <a14:useLocalDpi xmlns:a14="http://schemas.microsoft.com/office/drawing/2010/main" val="0"/>
@@ -9555,8 +11324,8 @@
         </p:blipFill>
         <p:spPr>
           <a:xfrm>
-            <a:off x="0" y="1900518"/>
-            <a:ext cx="12192000" cy="4957481"/>
+            <a:off x="12179" y="1819646"/>
+            <a:ext cx="12167641" cy="5038354"/>
           </a:xfrm>
           <a:prstGeom prst="rect">
             <a:avLst/>
@@ -9565,10 +11334,10 @@
       </p:pic>
       <p:sp>
         <p:nvSpPr>
-          <p:cNvPr id="2" name="Title 1">
+          <p:cNvPr id="7" name="Title 1">
             <a:extLst>
               <a:ext uri="{FF2B5EF4-FFF2-40B4-BE49-F238E27FC236}">
-                <a16:creationId xmlns:a16="http://schemas.microsoft.com/office/drawing/2014/main" id="{99DE5999-6658-49D4-B047-7BE146CBE10B}"/>
+                <a16:creationId xmlns:a16="http://schemas.microsoft.com/office/drawing/2014/main" id="{111F8CC1-B08D-47DA-9DDB-6AAB97DE883D}"/>
               </a:ext>
             </a:extLst>
           </p:cNvPr>
@@ -9581,8 +11350,8 @@
         </p:nvSpPr>
         <p:spPr>
           <a:xfrm>
-            <a:off x="376806" y="717176"/>
-            <a:ext cx="11537288" cy="1325563"/>
+            <a:off x="376805" y="494083"/>
+            <a:ext cx="12030512" cy="1325563"/>
           </a:xfrm>
         </p:spPr>
         <p:txBody>
@@ -9593,7 +11362,7 @@
           <a:p>
             <a:r>
               <a:rPr lang="en-GB" sz="4000" dirty="0"/>
-              <a:t>Assuming zero works for discharge scores, but not admission scores</a:t>
+              <a:t>Using the median works better for admission scores</a:t>
             </a:r>
           </a:p>
         </p:txBody>
@@ -9601,7 +11370,7 @@
     </p:spTree>
     <p:extLst>
       <p:ext uri="{BB962C8B-B14F-4D97-AF65-F5344CB8AC3E}">
-        <p14:creationId xmlns:p14="http://schemas.microsoft.com/office/powerpoint/2010/main" val="1897174453"/>
+        <p14:creationId xmlns:p14="http://schemas.microsoft.com/office/powerpoint/2010/main" val="483459224"/>
       </p:ext>
     </p:extLst>
   </p:cSld>
@@ -9633,7 +11402,7 @@
           <p:cNvPr id="6" name="Picture 5">
             <a:extLst>
               <a:ext uri="{FF2B5EF4-FFF2-40B4-BE49-F238E27FC236}">
-                <a16:creationId xmlns:a16="http://schemas.microsoft.com/office/drawing/2014/main" id="{B54BC6A4-A306-4B88-841A-CE4AB43F2F62}"/>
+                <a16:creationId xmlns:a16="http://schemas.microsoft.com/office/drawing/2014/main" id="{BBD6D6F2-794C-4782-8246-1584601CA460}"/>
               </a:ext>
             </a:extLst>
           </p:cNvPr>
@@ -9668,7 +11437,7 @@
           <p:cNvPr id="7" name="Title 1">
             <a:extLst>
               <a:ext uri="{FF2B5EF4-FFF2-40B4-BE49-F238E27FC236}">
-                <a16:creationId xmlns:a16="http://schemas.microsoft.com/office/drawing/2014/main" id="{111F8CC1-B08D-47DA-9DDB-6AAB97DE883D}"/>
+                <a16:creationId xmlns:a16="http://schemas.microsoft.com/office/drawing/2014/main" id="{6D03446D-77FA-40DE-8B93-163AAC7C446A}"/>
               </a:ext>
             </a:extLst>
           </p:cNvPr>
@@ -9681,7 +11450,7 @@
         </p:nvSpPr>
         <p:spPr>
           <a:xfrm>
-            <a:off x="376805" y="494083"/>
+            <a:off x="80743" y="494083"/>
             <a:ext cx="12030512" cy="1325563"/>
           </a:xfrm>
         </p:spPr>
@@ -9693,7 +11462,7 @@
           <a:p>
             <a:r>
               <a:rPr lang="en-GB" sz="4000" dirty="0"/>
-              <a:t>Using the median works better for admission scores</a:t>
+              <a:t>Cross-sectional imputation methods perform equally well</a:t>
             </a:r>
           </a:p>
         </p:txBody>
@@ -9701,7 +11470,7 @@
     </p:spTree>
     <p:extLst>
       <p:ext uri="{BB962C8B-B14F-4D97-AF65-F5344CB8AC3E}">
-        <p14:creationId xmlns:p14="http://schemas.microsoft.com/office/powerpoint/2010/main" val="483459224"/>
+        <p14:creationId xmlns:p14="http://schemas.microsoft.com/office/powerpoint/2010/main" val="894707580"/>
       </p:ext>
     </p:extLst>
   </p:cSld>
